--- a/TheHappyCo - Happiness.pptx
+++ b/TheHappyCo - Happiness.pptx
@@ -1,30 +1,31 @@
 
 <file path=ppt/presentation.xml><?xml version="1.0" encoding="utf-8"?>
-<p:presentation xmlns:a="http://schemas.openxmlformats.org/drawingml/2006/main" xmlns:r="http://schemas.openxmlformats.org/officeDocument/2006/relationships" xmlns:mc="http://schemas.openxmlformats.org/markup-compatibility/2006" xmlns:mv="urn:schemas-microsoft-com:mac:vml" xmlns:p="http://schemas.openxmlformats.org/presentationml/2006/main" xmlns:c="http://schemas.openxmlformats.org/drawingml/2006/chart" xmlns:dgm="http://schemas.openxmlformats.org/drawingml/2006/diagram" xmlns:o="urn:schemas-microsoft-com:office:office" xmlns:v="urn:schemas-microsoft-com:vml" xmlns:pvml="urn:schemas-microsoft-com:office:powerpoint" xmlns:com="http://schemas.openxmlformats.org/drawingml/2006/compatibility" xmlns:p14="http://schemas.microsoft.com/office/powerpoint/2010/main" xmlns:p15="http://schemas.microsoft.com/office/powerpoint/2012/main" autoCompressPictures="0" strictFirstAndLastChars="0" saveSubsetFonts="1">
+<p:presentation xmlns:a="http://schemas.openxmlformats.org/drawingml/2006/main" xmlns:r="http://schemas.openxmlformats.org/officeDocument/2006/relationships" xmlns:p="http://schemas.openxmlformats.org/presentationml/2006/main" strictFirstAndLastChars="0" saveSubsetFonts="1" autoCompressPictures="0">
   <p:sldMasterIdLst>
-    <p:sldMasterId id="2147483659" r:id="rId4"/>
+    <p:sldMasterId id="2147483659" r:id="rId1"/>
   </p:sldMasterIdLst>
   <p:notesMasterIdLst>
-    <p:notesMasterId r:id="rId5"/>
+    <p:notesMasterId r:id="rId15"/>
   </p:notesMasterIdLst>
   <p:sldIdLst>
-    <p:sldId id="256" r:id="rId6"/>
-    <p:sldId id="257" r:id="rId7"/>
-    <p:sldId id="258" r:id="rId8"/>
-    <p:sldId id="259" r:id="rId9"/>
-    <p:sldId id="260" r:id="rId10"/>
-    <p:sldId id="261" r:id="rId11"/>
-    <p:sldId id="262" r:id="rId12"/>
-    <p:sldId id="263" r:id="rId13"/>
-    <p:sldId id="264" r:id="rId14"/>
-    <p:sldId id="265" r:id="rId15"/>
-    <p:sldId id="266" r:id="rId16"/>
-    <p:sldId id="267" r:id="rId17"/>
+    <p:sldId id="256" r:id="rId2"/>
+    <p:sldId id="257" r:id="rId3"/>
+    <p:sldId id="258" r:id="rId4"/>
+    <p:sldId id="259" r:id="rId5"/>
+    <p:sldId id="260" r:id="rId6"/>
+    <p:sldId id="261" r:id="rId7"/>
+    <p:sldId id="262" r:id="rId8"/>
+    <p:sldId id="268" r:id="rId9"/>
+    <p:sldId id="263" r:id="rId10"/>
+    <p:sldId id="264" r:id="rId11"/>
+    <p:sldId id="265" r:id="rId12"/>
+    <p:sldId id="266" r:id="rId13"/>
+    <p:sldId id="267" r:id="rId14"/>
   </p:sldIdLst>
-  <p:sldSz cy="5143500" cx="9144000"/>
+  <p:sldSz cx="9144000" cy="5143500" type="screen16x9"/>
   <p:notesSz cx="6858000" cy="9144000"/>
   <p:defaultTextStyle>
-    <a:defPPr lvl="0" marR="0" rtl="0" algn="l">
+    <a:defPPr marR="0" lvl="0" algn="l" rtl="0">
       <a:lnSpc>
         <a:spcPct val="100000"/>
       </a:lnSpc>
@@ -35,7 +36,7 @@
         <a:spcPts val="0"/>
       </a:spcAft>
     </a:defPPr>
-    <a:lvl1pPr lvl="0" marR="0" rtl="0" algn="l">
+    <a:lvl1pPr marR="0" lvl="0" algn="l" rtl="0">
       <a:lnSpc>
         <a:spcPct val="100000"/>
       </a:lnSpc>
@@ -49,7 +50,7 @@
         <a:srgbClr val="000000"/>
       </a:buClr>
       <a:buFont typeface="Arial"/>
-      <a:defRPr b="0" i="0" sz="1400" u="none" cap="none" strike="noStrike">
+      <a:defRPr sz="1400" b="0" i="0" u="none" strike="noStrike" cap="none">
         <a:solidFill>
           <a:srgbClr val="000000"/>
         </a:solidFill>
@@ -59,7 +60,7 @@
         <a:sym typeface="Arial"/>
       </a:defRPr>
     </a:lvl1pPr>
-    <a:lvl2pPr lvl="1" marR="0" rtl="0" algn="l">
+    <a:lvl2pPr marR="0" lvl="1" algn="l" rtl="0">
       <a:lnSpc>
         <a:spcPct val="100000"/>
       </a:lnSpc>
@@ -73,7 +74,7 @@
         <a:srgbClr val="000000"/>
       </a:buClr>
       <a:buFont typeface="Arial"/>
-      <a:defRPr b="0" i="0" sz="1400" u="none" cap="none" strike="noStrike">
+      <a:defRPr sz="1400" b="0" i="0" u="none" strike="noStrike" cap="none">
         <a:solidFill>
           <a:srgbClr val="000000"/>
         </a:solidFill>
@@ -83,7 +84,7 @@
         <a:sym typeface="Arial"/>
       </a:defRPr>
     </a:lvl2pPr>
-    <a:lvl3pPr lvl="2" marR="0" rtl="0" algn="l">
+    <a:lvl3pPr marR="0" lvl="2" algn="l" rtl="0">
       <a:lnSpc>
         <a:spcPct val="100000"/>
       </a:lnSpc>
@@ -97,7 +98,7 @@
         <a:srgbClr val="000000"/>
       </a:buClr>
       <a:buFont typeface="Arial"/>
-      <a:defRPr b="0" i="0" sz="1400" u="none" cap="none" strike="noStrike">
+      <a:defRPr sz="1400" b="0" i="0" u="none" strike="noStrike" cap="none">
         <a:solidFill>
           <a:srgbClr val="000000"/>
         </a:solidFill>
@@ -107,7 +108,7 @@
         <a:sym typeface="Arial"/>
       </a:defRPr>
     </a:lvl3pPr>
-    <a:lvl4pPr lvl="3" marR="0" rtl="0" algn="l">
+    <a:lvl4pPr marR="0" lvl="3" algn="l" rtl="0">
       <a:lnSpc>
         <a:spcPct val="100000"/>
       </a:lnSpc>
@@ -121,7 +122,7 @@
         <a:srgbClr val="000000"/>
       </a:buClr>
       <a:buFont typeface="Arial"/>
-      <a:defRPr b="0" i="0" sz="1400" u="none" cap="none" strike="noStrike">
+      <a:defRPr sz="1400" b="0" i="0" u="none" strike="noStrike" cap="none">
         <a:solidFill>
           <a:srgbClr val="000000"/>
         </a:solidFill>
@@ -131,7 +132,7 @@
         <a:sym typeface="Arial"/>
       </a:defRPr>
     </a:lvl4pPr>
-    <a:lvl5pPr lvl="4" marR="0" rtl="0" algn="l">
+    <a:lvl5pPr marR="0" lvl="4" algn="l" rtl="0">
       <a:lnSpc>
         <a:spcPct val="100000"/>
       </a:lnSpc>
@@ -145,7 +146,7 @@
         <a:srgbClr val="000000"/>
       </a:buClr>
       <a:buFont typeface="Arial"/>
-      <a:defRPr b="0" i="0" sz="1400" u="none" cap="none" strike="noStrike">
+      <a:defRPr sz="1400" b="0" i="0" u="none" strike="noStrike" cap="none">
         <a:solidFill>
           <a:srgbClr val="000000"/>
         </a:solidFill>
@@ -155,7 +156,7 @@
         <a:sym typeface="Arial"/>
       </a:defRPr>
     </a:lvl5pPr>
-    <a:lvl6pPr lvl="5" marR="0" rtl="0" algn="l">
+    <a:lvl6pPr marR="0" lvl="5" algn="l" rtl="0">
       <a:lnSpc>
         <a:spcPct val="100000"/>
       </a:lnSpc>
@@ -169,7 +170,7 @@
         <a:srgbClr val="000000"/>
       </a:buClr>
       <a:buFont typeface="Arial"/>
-      <a:defRPr b="0" i="0" sz="1400" u="none" cap="none" strike="noStrike">
+      <a:defRPr sz="1400" b="0" i="0" u="none" strike="noStrike" cap="none">
         <a:solidFill>
           <a:srgbClr val="000000"/>
         </a:solidFill>
@@ -179,7 +180,7 @@
         <a:sym typeface="Arial"/>
       </a:defRPr>
     </a:lvl6pPr>
-    <a:lvl7pPr lvl="6" marR="0" rtl="0" algn="l">
+    <a:lvl7pPr marR="0" lvl="6" algn="l" rtl="0">
       <a:lnSpc>
         <a:spcPct val="100000"/>
       </a:lnSpc>
@@ -193,7 +194,7 @@
         <a:srgbClr val="000000"/>
       </a:buClr>
       <a:buFont typeface="Arial"/>
-      <a:defRPr b="0" i="0" sz="1400" u="none" cap="none" strike="noStrike">
+      <a:defRPr sz="1400" b="0" i="0" u="none" strike="noStrike" cap="none">
         <a:solidFill>
           <a:srgbClr val="000000"/>
         </a:solidFill>
@@ -203,7 +204,7 @@
         <a:sym typeface="Arial"/>
       </a:defRPr>
     </a:lvl7pPr>
-    <a:lvl8pPr lvl="7" marR="0" rtl="0" algn="l">
+    <a:lvl8pPr marR="0" lvl="7" algn="l" rtl="0">
       <a:lnSpc>
         <a:spcPct val="100000"/>
       </a:lnSpc>
@@ -217,7 +218,7 @@
         <a:srgbClr val="000000"/>
       </a:buClr>
       <a:buFont typeface="Arial"/>
-      <a:defRPr b="0" i="0" sz="1400" u="none" cap="none" strike="noStrike">
+      <a:defRPr sz="1400" b="0" i="0" u="none" strike="noStrike" cap="none">
         <a:solidFill>
           <a:srgbClr val="000000"/>
         </a:solidFill>
@@ -227,7 +228,7 @@
         <a:sym typeface="Arial"/>
       </a:defRPr>
     </a:lvl8pPr>
-    <a:lvl9pPr lvl="8" marR="0" rtl="0" algn="l">
+    <a:lvl9pPr marR="0" lvl="8" algn="l" rtl="0">
       <a:lnSpc>
         <a:spcPct val="100000"/>
       </a:lnSpc>
@@ -241,7 +242,7 @@
         <a:srgbClr val="000000"/>
       </a:buClr>
       <a:buFont typeface="Arial"/>
-      <a:defRPr b="0" i="0" sz="1400" u="none" cap="none" strike="noStrike">
+      <a:defRPr sz="1400" b="0" i="0" u="none" strike="noStrike" cap="none">
         <a:solidFill>
           <a:srgbClr val="000000"/>
         </a:solidFill>
@@ -254,7 +255,7 @@
   </p:defaultTextStyle>
   <p:extLst>
     <p:ext uri="{EFAFB233-063F-42B5-8137-9DF3F51BA10A}">
-      <p15:sldGuideLst>
+      <p15:sldGuideLst xmlns:p15="http://schemas.microsoft.com/office/powerpoint/2012/main">
         <p15:guide id="1" orient="horz" pos="1620">
           <p15:clr>
             <a:srgbClr val="A4A3A4"/>
@@ -272,11 +273,16 @@
 </file>
 
 <file path=ppt/notesMasters/notesMaster1.xml><?xml version="1.0" encoding="utf-8"?>
-<p:notesMaster xmlns:a="http://schemas.openxmlformats.org/drawingml/2006/main" xmlns:r="http://schemas.openxmlformats.org/officeDocument/2006/relationships" xmlns:mc="http://schemas.openxmlformats.org/markup-compatibility/2006" xmlns:mv="urn:schemas-microsoft-com:mac:vml" xmlns:p="http://schemas.openxmlformats.org/presentationml/2006/main" xmlns:c="http://schemas.openxmlformats.org/drawingml/2006/chart" xmlns:dgm="http://schemas.openxmlformats.org/drawingml/2006/diagram" xmlns:o="urn:schemas-microsoft-com:office:office" xmlns:v="urn:schemas-microsoft-com:vml" xmlns:pvml="urn:schemas-microsoft-com:office:powerpoint" xmlns:com="http://schemas.openxmlformats.org/drawingml/2006/compatibility" xmlns:p14="http://schemas.microsoft.com/office/powerpoint/2010/main" xmlns:p15="http://schemas.microsoft.com/office/powerpoint/2012/main">
+<p:notesMaster xmlns:a="http://schemas.openxmlformats.org/drawingml/2006/main" xmlns:r="http://schemas.openxmlformats.org/officeDocument/2006/relationships" xmlns:p="http://schemas.openxmlformats.org/presentationml/2006/main">
   <p:cSld>
+    <p:bg>
+      <p:bgRef idx="1001">
+        <a:schemeClr val="bg1"/>
+      </p:bgRef>
+    </p:bg>
     <p:spTree>
       <p:nvGrpSpPr>
-        <p:cNvPr id="2" name="Shape 2"/>
+        <p:cNvPr id="1" name="Shape 2"/>
         <p:cNvGrpSpPr/>
         <p:nvPr/>
       </p:nvGrpSpPr>
@@ -291,9 +297,11 @@
       <p:sp>
         <p:nvSpPr>
           <p:cNvPr id="3" name="Google Shape;3;n"/>
-          <p:cNvSpPr/>
+          <p:cNvSpPr>
+            <a:spLocks noGrp="1" noRot="1" noChangeAspect="1"/>
+          </p:cNvSpPr>
           <p:nvPr>
-            <p:ph idx="2" type="sldImg"/>
+            <p:ph type="sldImg" idx="2"/>
           </p:nvPr>
         </p:nvSpPr>
         <p:spPr>
@@ -302,9 +310,13 @@
             <a:ext cx="6096075" cy="3429000"/>
           </a:xfrm>
           <a:custGeom>
-            <a:rect b="b" l="l" r="r" t="t"/>
+            <a:avLst/>
+            <a:gdLst/>
+            <a:ahLst/>
+            <a:cxnLst/>
+            <a:rect l="l" t="t" r="r" b="b"/>
             <a:pathLst>
-              <a:path extrusionOk="0" h="120000" w="120000">
+              <a:path w="120000" h="120000" extrusionOk="0">
                 <a:moveTo>
                   <a:pt x="0" y="0"/>
                 </a:moveTo>
@@ -322,23 +334,25 @@
             </a:pathLst>
           </a:custGeom>
           <a:noFill/>
-          <a:ln cap="flat" cmpd="sng" w="9525">
+          <a:ln w="9525" cap="flat" cmpd="sng">
             <a:solidFill>
               <a:srgbClr val="000000"/>
             </a:solidFill>
             <a:prstDash val="solid"/>
             <a:round/>
-            <a:headEnd len="sm" w="sm" type="none"/>
-            <a:tailEnd len="sm" w="sm" type="none"/>
+            <a:headEnd type="none" w="sm" len="sm"/>
+            <a:tailEnd type="none" w="sm" len="sm"/>
           </a:ln>
         </p:spPr>
       </p:sp>
       <p:sp>
         <p:nvSpPr>
           <p:cNvPr id="4" name="Google Shape;4;n"/>
-          <p:cNvSpPr txBox="1"/>
+          <p:cNvSpPr txBox="1">
+            <a:spLocks noGrp="1"/>
+          </p:cNvSpPr>
           <p:nvPr>
-            <p:ph idx="1" type="body"/>
+            <p:ph type="body" idx="1"/>
           </p:nvPr>
         </p:nvSpPr>
         <p:spPr>
@@ -355,11 +369,11 @@
           </a:ln>
         </p:spPr>
         <p:txBody>
-          <a:bodyPr anchorCtr="0" anchor="t" bIns="91425" lIns="91425" spcFirstLastPara="1" rIns="91425" wrap="square" tIns="91425">
+          <a:bodyPr spcFirstLastPara="1" wrap="square" lIns="91425" tIns="91425" rIns="91425" bIns="91425" anchor="t" anchorCtr="0">
             <a:noAutofit/>
           </a:bodyPr>
           <a:lstStyle>
-            <a:lvl1pPr indent="-298450" lvl="0" marL="457200">
+            <a:lvl1pPr marL="457200" lvl="0" indent="-298450">
               <a:spcBef>
                 <a:spcPts val="0"/>
               </a:spcBef>
@@ -370,7 +384,7 @@
               <a:buChar char="●"/>
               <a:defRPr sz="1100"/>
             </a:lvl1pPr>
-            <a:lvl2pPr indent="-298450" lvl="1" marL="914400">
+            <a:lvl2pPr marL="914400" lvl="1" indent="-298450">
               <a:spcBef>
                 <a:spcPts val="0"/>
               </a:spcBef>
@@ -381,7 +395,7 @@
               <a:buChar char="○"/>
               <a:defRPr sz="1100"/>
             </a:lvl2pPr>
-            <a:lvl3pPr indent="-298450" lvl="2" marL="1371600">
+            <a:lvl3pPr marL="1371600" lvl="2" indent="-298450">
               <a:spcBef>
                 <a:spcPts val="0"/>
               </a:spcBef>
@@ -392,7 +406,7 @@
               <a:buChar char="■"/>
               <a:defRPr sz="1100"/>
             </a:lvl3pPr>
-            <a:lvl4pPr indent="-298450" lvl="3" marL="1828800">
+            <a:lvl4pPr marL="1828800" lvl="3" indent="-298450">
               <a:spcBef>
                 <a:spcPts val="0"/>
               </a:spcBef>
@@ -403,7 +417,7 @@
               <a:buChar char="●"/>
               <a:defRPr sz="1100"/>
             </a:lvl4pPr>
-            <a:lvl5pPr indent="-298450" lvl="4" marL="2286000">
+            <a:lvl5pPr marL="2286000" lvl="4" indent="-298450">
               <a:spcBef>
                 <a:spcPts val="0"/>
               </a:spcBef>
@@ -414,7 +428,7 @@
               <a:buChar char="○"/>
               <a:defRPr sz="1100"/>
             </a:lvl5pPr>
-            <a:lvl6pPr indent="-298450" lvl="5" marL="2743200">
+            <a:lvl6pPr marL="2743200" lvl="5" indent="-298450">
               <a:spcBef>
                 <a:spcPts val="0"/>
               </a:spcBef>
@@ -425,7 +439,7 @@
               <a:buChar char="■"/>
               <a:defRPr sz="1100"/>
             </a:lvl6pPr>
-            <a:lvl7pPr indent="-298450" lvl="6" marL="3200400">
+            <a:lvl7pPr marL="3200400" lvl="6" indent="-298450">
               <a:spcBef>
                 <a:spcPts val="0"/>
               </a:spcBef>
@@ -436,7 +450,7 @@
               <a:buChar char="●"/>
               <a:defRPr sz="1100"/>
             </a:lvl7pPr>
-            <a:lvl8pPr indent="-298450" lvl="7" marL="3657600">
+            <a:lvl8pPr marL="3657600" lvl="7" indent="-298450">
               <a:spcBef>
                 <a:spcPts val="0"/>
               </a:spcBef>
@@ -447,7 +461,7 @@
               <a:buChar char="○"/>
               <a:defRPr sz="1100"/>
             </a:lvl8pPr>
-            <a:lvl9pPr indent="-298450" lvl="8" marL="4114800">
+            <a:lvl9pPr marL="4114800" lvl="8" indent="-298450">
               <a:spcBef>
                 <a:spcPts val="0"/>
               </a:spcBef>
@@ -459,14 +473,16 @@
               <a:defRPr sz="1100"/>
             </a:lvl9pPr>
           </a:lstStyle>
-          <a:p/>
+          <a:p>
+            <a:endParaRPr/>
+          </a:p>
         </p:txBody>
       </p:sp>
     </p:spTree>
   </p:cSld>
-  <p:clrMap accent1="accent1" accent2="accent2" accent3="accent3" accent4="accent4" accent5="accent5" accent6="accent6" bg1="lt1" bg2="dk2" tx1="dk1" tx2="lt2" folHlink="folHlink" hlink="hlink"/>
+  <p:clrMap bg1="lt1" tx1="dk1" bg2="dk2" tx2="lt2" accent1="accent1" accent2="accent2" accent3="accent3" accent4="accent4" accent5="accent5" accent6="accent6" hlink="hlink" folHlink="folHlink"/>
   <p:notesStyle>
-    <a:defPPr lvl="0" marR="0" rtl="0" algn="l">
+    <a:defPPr marR="0" lvl="0" algn="l" rtl="0">
       <a:lnSpc>
         <a:spcPct val="100000"/>
       </a:lnSpc>
@@ -477,7 +493,7 @@
         <a:spcPts val="0"/>
       </a:spcAft>
     </a:defPPr>
-    <a:lvl1pPr lvl="0" marR="0" rtl="0" algn="l">
+    <a:lvl1pPr marR="0" lvl="0" algn="l" rtl="0">
       <a:lnSpc>
         <a:spcPct val="100000"/>
       </a:lnSpc>
@@ -491,7 +507,7 @@
         <a:srgbClr val="000000"/>
       </a:buClr>
       <a:buFont typeface="Arial"/>
-      <a:defRPr b="0" i="0" sz="1400" u="none" cap="none" strike="noStrike">
+      <a:defRPr sz="1400" b="0" i="0" u="none" strike="noStrike" cap="none">
         <a:solidFill>
           <a:srgbClr val="000000"/>
         </a:solidFill>
@@ -501,7 +517,7 @@
         <a:sym typeface="Arial"/>
       </a:defRPr>
     </a:lvl1pPr>
-    <a:lvl2pPr lvl="1" marR="0" rtl="0" algn="l">
+    <a:lvl2pPr marR="0" lvl="1" algn="l" rtl="0">
       <a:lnSpc>
         <a:spcPct val="100000"/>
       </a:lnSpc>
@@ -515,7 +531,7 @@
         <a:srgbClr val="000000"/>
       </a:buClr>
       <a:buFont typeface="Arial"/>
-      <a:defRPr b="0" i="0" sz="1400" u="none" cap="none" strike="noStrike">
+      <a:defRPr sz="1400" b="0" i="0" u="none" strike="noStrike" cap="none">
         <a:solidFill>
           <a:srgbClr val="000000"/>
         </a:solidFill>
@@ -525,7 +541,7 @@
         <a:sym typeface="Arial"/>
       </a:defRPr>
     </a:lvl2pPr>
-    <a:lvl3pPr lvl="2" marR="0" rtl="0" algn="l">
+    <a:lvl3pPr marR="0" lvl="2" algn="l" rtl="0">
       <a:lnSpc>
         <a:spcPct val="100000"/>
       </a:lnSpc>
@@ -539,7 +555,7 @@
         <a:srgbClr val="000000"/>
       </a:buClr>
       <a:buFont typeface="Arial"/>
-      <a:defRPr b="0" i="0" sz="1400" u="none" cap="none" strike="noStrike">
+      <a:defRPr sz="1400" b="0" i="0" u="none" strike="noStrike" cap="none">
         <a:solidFill>
           <a:srgbClr val="000000"/>
         </a:solidFill>
@@ -549,7 +565,7 @@
         <a:sym typeface="Arial"/>
       </a:defRPr>
     </a:lvl3pPr>
-    <a:lvl4pPr lvl="3" marR="0" rtl="0" algn="l">
+    <a:lvl4pPr marR="0" lvl="3" algn="l" rtl="0">
       <a:lnSpc>
         <a:spcPct val="100000"/>
       </a:lnSpc>
@@ -563,7 +579,7 @@
         <a:srgbClr val="000000"/>
       </a:buClr>
       <a:buFont typeface="Arial"/>
-      <a:defRPr b="0" i="0" sz="1400" u="none" cap="none" strike="noStrike">
+      <a:defRPr sz="1400" b="0" i="0" u="none" strike="noStrike" cap="none">
         <a:solidFill>
           <a:srgbClr val="000000"/>
         </a:solidFill>
@@ -573,7 +589,7 @@
         <a:sym typeface="Arial"/>
       </a:defRPr>
     </a:lvl4pPr>
-    <a:lvl5pPr lvl="4" marR="0" rtl="0" algn="l">
+    <a:lvl5pPr marR="0" lvl="4" algn="l" rtl="0">
       <a:lnSpc>
         <a:spcPct val="100000"/>
       </a:lnSpc>
@@ -587,7 +603,7 @@
         <a:srgbClr val="000000"/>
       </a:buClr>
       <a:buFont typeface="Arial"/>
-      <a:defRPr b="0" i="0" sz="1400" u="none" cap="none" strike="noStrike">
+      <a:defRPr sz="1400" b="0" i="0" u="none" strike="noStrike" cap="none">
         <a:solidFill>
           <a:srgbClr val="000000"/>
         </a:solidFill>
@@ -597,7 +613,7 @@
         <a:sym typeface="Arial"/>
       </a:defRPr>
     </a:lvl5pPr>
-    <a:lvl6pPr lvl="5" marR="0" rtl="0" algn="l">
+    <a:lvl6pPr marR="0" lvl="5" algn="l" rtl="0">
       <a:lnSpc>
         <a:spcPct val="100000"/>
       </a:lnSpc>
@@ -611,7 +627,7 @@
         <a:srgbClr val="000000"/>
       </a:buClr>
       <a:buFont typeface="Arial"/>
-      <a:defRPr b="0" i="0" sz="1400" u="none" cap="none" strike="noStrike">
+      <a:defRPr sz="1400" b="0" i="0" u="none" strike="noStrike" cap="none">
         <a:solidFill>
           <a:srgbClr val="000000"/>
         </a:solidFill>
@@ -621,7 +637,7 @@
         <a:sym typeface="Arial"/>
       </a:defRPr>
     </a:lvl6pPr>
-    <a:lvl7pPr lvl="6" marR="0" rtl="0" algn="l">
+    <a:lvl7pPr marR="0" lvl="6" algn="l" rtl="0">
       <a:lnSpc>
         <a:spcPct val="100000"/>
       </a:lnSpc>
@@ -635,7 +651,7 @@
         <a:srgbClr val="000000"/>
       </a:buClr>
       <a:buFont typeface="Arial"/>
-      <a:defRPr b="0" i="0" sz="1400" u="none" cap="none" strike="noStrike">
+      <a:defRPr sz="1400" b="0" i="0" u="none" strike="noStrike" cap="none">
         <a:solidFill>
           <a:srgbClr val="000000"/>
         </a:solidFill>
@@ -645,7 +661,7 @@
         <a:sym typeface="Arial"/>
       </a:defRPr>
     </a:lvl7pPr>
-    <a:lvl8pPr lvl="7" marR="0" rtl="0" algn="l">
+    <a:lvl8pPr marR="0" lvl="7" algn="l" rtl="0">
       <a:lnSpc>
         <a:spcPct val="100000"/>
       </a:lnSpc>
@@ -659,7 +675,7 @@
         <a:srgbClr val="000000"/>
       </a:buClr>
       <a:buFont typeface="Arial"/>
-      <a:defRPr b="0" i="0" sz="1400" u="none" cap="none" strike="noStrike">
+      <a:defRPr sz="1400" b="0" i="0" u="none" strike="noStrike" cap="none">
         <a:solidFill>
           <a:srgbClr val="000000"/>
         </a:solidFill>
@@ -669,7 +685,7 @@
         <a:sym typeface="Arial"/>
       </a:defRPr>
     </a:lvl8pPr>
-    <a:lvl9pPr lvl="8" marR="0" rtl="0" algn="l">
+    <a:lvl9pPr marR="0" lvl="8" algn="l" rtl="0">
       <a:lnSpc>
         <a:spcPct val="100000"/>
       </a:lnSpc>
@@ -683,7 +699,7 @@
         <a:srgbClr val="000000"/>
       </a:buClr>
       <a:buFont typeface="Arial"/>
-      <a:defRPr b="0" i="0" sz="1400" u="none" cap="none" strike="noStrike">
+      <a:defRPr sz="1400" b="0" i="0" u="none" strike="noStrike" cap="none">
         <a:solidFill>
           <a:srgbClr val="000000"/>
         </a:solidFill>
@@ -698,11 +714,11 @@
 </file>
 
 <file path=ppt/notesSlides/notesSlide1.xml><?xml version="1.0" encoding="utf-8"?>
-<p:notes xmlns:a="http://schemas.openxmlformats.org/drawingml/2006/main" xmlns:r="http://schemas.openxmlformats.org/officeDocument/2006/relationships" xmlns:mc="http://schemas.openxmlformats.org/markup-compatibility/2006" xmlns:mv="urn:schemas-microsoft-com:mac:vml" xmlns:p="http://schemas.openxmlformats.org/presentationml/2006/main" xmlns:c="http://schemas.openxmlformats.org/drawingml/2006/chart" xmlns:dgm="http://schemas.openxmlformats.org/drawingml/2006/diagram" xmlns:o="urn:schemas-microsoft-com:office:office" xmlns:v="urn:schemas-microsoft-com:vml" xmlns:pvml="urn:schemas-microsoft-com:office:powerpoint" xmlns:com="http://schemas.openxmlformats.org/drawingml/2006/compatibility" xmlns:p14="http://schemas.microsoft.com/office/powerpoint/2010/main" xmlns:p15="http://schemas.microsoft.com/office/powerpoint/2012/main" showMasterPhAnim="0" showMasterSp="0">
+<p:notes xmlns:a="http://schemas.openxmlformats.org/drawingml/2006/main" xmlns:r="http://schemas.openxmlformats.org/officeDocument/2006/relationships" xmlns:p="http://schemas.openxmlformats.org/presentationml/2006/main" showMasterSp="0" showMasterPhAnim="0">
   <p:cSld>
     <p:spTree>
       <p:nvGrpSpPr>
-        <p:cNvPr id="50" name="Shape 50"/>
+        <p:cNvPr id="1" name="Shape 50"/>
         <p:cNvGrpSpPr/>
         <p:nvPr/>
       </p:nvGrpSpPr>
@@ -717,9 +733,11 @@
       <p:sp>
         <p:nvSpPr>
           <p:cNvPr id="51" name="Google Shape;51;p:notes"/>
-          <p:cNvSpPr/>
+          <p:cNvSpPr>
+            <a:spLocks noGrp="1" noRot="1" noChangeAspect="1"/>
+          </p:cNvSpPr>
           <p:nvPr>
-            <p:ph idx="2" type="sldImg"/>
+            <p:ph type="sldImg" idx="2"/>
           </p:nvPr>
         </p:nvSpPr>
         <p:spPr>
@@ -728,9 +746,13 @@
             <a:ext cx="6096075" cy="3429000"/>
           </a:xfrm>
           <a:custGeom>
-            <a:rect b="b" l="l" r="r" t="t"/>
+            <a:avLst/>
+            <a:gdLst/>
+            <a:ahLst/>
+            <a:cxnLst/>
+            <a:rect l="l" t="t" r="r" b="b"/>
             <a:pathLst>
-              <a:path extrusionOk="0" h="120000" w="120000">
+              <a:path w="120000" h="120000" extrusionOk="0">
                 <a:moveTo>
                   <a:pt x="0" y="0"/>
                 </a:moveTo>
@@ -752,9 +774,11 @@
       <p:sp>
         <p:nvSpPr>
           <p:cNvPr id="52" name="Google Shape;52;p:notes"/>
-          <p:cNvSpPr txBox="1"/>
+          <p:cNvSpPr txBox="1">
+            <a:spLocks noGrp="1"/>
+          </p:cNvSpPr>
           <p:nvPr>
-            <p:ph idx="1" type="body"/>
+            <p:ph type="body" idx="1"/>
           </p:nvPr>
         </p:nvSpPr>
         <p:spPr>
@@ -767,12 +791,12 @@
           </a:prstGeom>
         </p:spPr>
         <p:txBody>
-          <a:bodyPr anchorCtr="0" anchor="t" bIns="91425" lIns="91425" spcFirstLastPara="1" rIns="91425" wrap="square" tIns="91425">
+          <a:bodyPr spcFirstLastPara="1" wrap="square" lIns="91425" tIns="91425" rIns="91425" bIns="91425" anchor="t" anchorCtr="0">
             <a:noAutofit/>
           </a:bodyPr>
           <a:lstStyle/>
           <a:p>
-            <a:pPr indent="0" lvl="0" marL="0" rtl="0" algn="l">
+            <a:pPr marL="0" lvl="0" indent="0" algn="l" rtl="0">
               <a:spcBef>
                 <a:spcPts val="0"/>
               </a:spcBef>
@@ -781,9 +805,6 @@
               </a:spcAft>
               <a:buNone/>
             </a:pPr>
-            <a:r>
-              <a:t/>
-            </a:r>
             <a:endParaRPr/>
           </a:p>
         </p:txBody>
@@ -797,11 +818,115 @@
 </file>
 
 <file path=ppt/notesSlides/notesSlide10.xml><?xml version="1.0" encoding="utf-8"?>
-<p:notes xmlns:a="http://schemas.openxmlformats.org/drawingml/2006/main" xmlns:r="http://schemas.openxmlformats.org/officeDocument/2006/relationships" xmlns:mc="http://schemas.openxmlformats.org/markup-compatibility/2006" xmlns:mv="urn:schemas-microsoft-com:mac:vml" xmlns:p="http://schemas.openxmlformats.org/presentationml/2006/main" xmlns:c="http://schemas.openxmlformats.org/drawingml/2006/chart" xmlns:dgm="http://schemas.openxmlformats.org/drawingml/2006/diagram" xmlns:o="urn:schemas-microsoft-com:office:office" xmlns:v="urn:schemas-microsoft-com:vml" xmlns:pvml="urn:schemas-microsoft-com:office:powerpoint" xmlns:com="http://schemas.openxmlformats.org/drawingml/2006/compatibility" xmlns:p14="http://schemas.microsoft.com/office/powerpoint/2010/main" xmlns:p15="http://schemas.microsoft.com/office/powerpoint/2012/main" showMasterPhAnim="0" showMasterSp="0">
+<p:notes xmlns:a="http://schemas.openxmlformats.org/drawingml/2006/main" xmlns:r="http://schemas.openxmlformats.org/officeDocument/2006/relationships" xmlns:p="http://schemas.openxmlformats.org/presentationml/2006/main" showMasterSp="0" showMasterPhAnim="0">
   <p:cSld>
     <p:spTree>
       <p:nvGrpSpPr>
-        <p:cNvPr id="104" name="Shape 104"/>
+        <p:cNvPr id="1" name="Shape 98"/>
+        <p:cNvGrpSpPr/>
+        <p:nvPr/>
+      </p:nvGrpSpPr>
+      <p:grpSpPr>
+        <a:xfrm>
+          <a:off x="0" y="0"/>
+          <a:ext cx="0" cy="0"/>
+          <a:chOff x="0" y="0"/>
+          <a:chExt cx="0" cy="0"/>
+        </a:xfrm>
+      </p:grpSpPr>
+      <p:sp>
+        <p:nvSpPr>
+          <p:cNvPr id="99" name="Google Shape;99;g140b06006f87aab6_40:notes"/>
+          <p:cNvSpPr>
+            <a:spLocks noGrp="1" noRot="1" noChangeAspect="1"/>
+          </p:cNvSpPr>
+          <p:nvPr>
+            <p:ph type="sldImg" idx="2"/>
+          </p:nvPr>
+        </p:nvSpPr>
+        <p:spPr>
+          <a:xfrm>
+            <a:off x="381300" y="685800"/>
+            <a:ext cx="6096000" cy="3429000"/>
+          </a:xfrm>
+          <a:custGeom>
+            <a:avLst/>
+            <a:gdLst/>
+            <a:ahLst/>
+            <a:cxnLst/>
+            <a:rect l="l" t="t" r="r" b="b"/>
+            <a:pathLst>
+              <a:path w="120000" h="120000" extrusionOk="0">
+                <a:moveTo>
+                  <a:pt x="0" y="0"/>
+                </a:moveTo>
+                <a:lnTo>
+                  <a:pt x="120000" y="0"/>
+                </a:lnTo>
+                <a:lnTo>
+                  <a:pt x="120000" y="120000"/>
+                </a:lnTo>
+                <a:lnTo>
+                  <a:pt x="0" y="120000"/>
+                </a:lnTo>
+                <a:close/>
+              </a:path>
+            </a:pathLst>
+          </a:custGeom>
+        </p:spPr>
+      </p:sp>
+      <p:sp>
+        <p:nvSpPr>
+          <p:cNvPr id="100" name="Google Shape;100;g140b06006f87aab6_40:notes"/>
+          <p:cNvSpPr txBox="1">
+            <a:spLocks noGrp="1"/>
+          </p:cNvSpPr>
+          <p:nvPr>
+            <p:ph type="body" idx="1"/>
+          </p:nvPr>
+        </p:nvSpPr>
+        <p:spPr>
+          <a:xfrm>
+            <a:off x="685800" y="4343400"/>
+            <a:ext cx="5486400" cy="4114800"/>
+          </a:xfrm>
+          <a:prstGeom prst="rect">
+            <a:avLst/>
+          </a:prstGeom>
+        </p:spPr>
+        <p:txBody>
+          <a:bodyPr spcFirstLastPara="1" wrap="square" lIns="91425" tIns="91425" rIns="91425" bIns="91425" anchor="t" anchorCtr="0">
+            <a:noAutofit/>
+          </a:bodyPr>
+          <a:lstStyle/>
+          <a:p>
+            <a:pPr marL="0" lvl="0" indent="0" algn="l" rtl="0">
+              <a:spcBef>
+                <a:spcPts val="0"/>
+              </a:spcBef>
+              <a:spcAft>
+                <a:spcPts val="0"/>
+              </a:spcAft>
+              <a:buNone/>
+            </a:pPr>
+            <a:endParaRPr/>
+          </a:p>
+        </p:txBody>
+      </p:sp>
+    </p:spTree>
+  </p:cSld>
+  <p:clrMapOvr>
+    <a:masterClrMapping/>
+  </p:clrMapOvr>
+</p:notes>
+</file>
+
+<file path=ppt/notesSlides/notesSlide11.xml><?xml version="1.0" encoding="utf-8"?>
+<p:notes xmlns:a="http://schemas.openxmlformats.org/drawingml/2006/main" xmlns:r="http://schemas.openxmlformats.org/officeDocument/2006/relationships" xmlns:p="http://schemas.openxmlformats.org/presentationml/2006/main" showMasterSp="0" showMasterPhAnim="0">
+  <p:cSld>
+    <p:spTree>
+      <p:nvGrpSpPr>
+        <p:cNvPr id="1" name="Shape 104"/>
         <p:cNvGrpSpPr/>
         <p:nvPr/>
       </p:nvGrpSpPr>
@@ -816,20 +941,26 @@
       <p:sp>
         <p:nvSpPr>
           <p:cNvPr id="105" name="Google Shape;105;g140b06006f87aab6_45:notes"/>
-          <p:cNvSpPr/>
+          <p:cNvSpPr>
+            <a:spLocks noGrp="1" noRot="1" noChangeAspect="1"/>
+          </p:cNvSpPr>
           <p:nvPr>
-            <p:ph idx="2" type="sldImg"/>
+            <p:ph type="sldImg" idx="2"/>
           </p:nvPr>
         </p:nvSpPr>
         <p:spPr>
           <a:xfrm>
-            <a:off x="381300" y="685800"/>
+            <a:off x="381000" y="685800"/>
             <a:ext cx="6096000" cy="3429000"/>
           </a:xfrm>
           <a:custGeom>
-            <a:rect b="b" l="l" r="r" t="t"/>
+            <a:avLst/>
+            <a:gdLst/>
+            <a:ahLst/>
+            <a:cxnLst/>
+            <a:rect l="l" t="t" r="r" b="b"/>
             <a:pathLst>
-              <a:path extrusionOk="0" h="120000" w="120000">
+              <a:path w="120000" h="120000" extrusionOk="0">
                 <a:moveTo>
                   <a:pt x="0" y="0"/>
                 </a:moveTo>
@@ -851,9 +982,11 @@
       <p:sp>
         <p:nvSpPr>
           <p:cNvPr id="106" name="Google Shape;106;g140b06006f87aab6_45:notes"/>
-          <p:cNvSpPr txBox="1"/>
+          <p:cNvSpPr txBox="1">
+            <a:spLocks noGrp="1"/>
+          </p:cNvSpPr>
           <p:nvPr>
-            <p:ph idx="1" type="body"/>
+            <p:ph type="body" idx="1"/>
           </p:nvPr>
         </p:nvSpPr>
         <p:spPr>
@@ -866,12 +999,12 @@
           </a:prstGeom>
         </p:spPr>
         <p:txBody>
-          <a:bodyPr anchorCtr="0" anchor="t" bIns="91425" lIns="91425" spcFirstLastPara="1" rIns="91425" wrap="square" tIns="91425">
+          <a:bodyPr spcFirstLastPara="1" wrap="square" lIns="91425" tIns="91425" rIns="91425" bIns="91425" anchor="t" anchorCtr="0">
             <a:noAutofit/>
           </a:bodyPr>
           <a:lstStyle/>
           <a:p>
-            <a:pPr indent="0" lvl="0" marL="0" rtl="0" algn="l">
+            <a:pPr marL="0" lvl="0" indent="0" algn="l" rtl="0">
               <a:spcBef>
                 <a:spcPts val="0"/>
               </a:spcBef>
@@ -880,9 +1013,6 @@
               </a:spcAft>
               <a:buNone/>
             </a:pPr>
-            <a:r>
-              <a:t/>
-            </a:r>
             <a:endParaRPr/>
           </a:p>
         </p:txBody>
@@ -895,12 +1025,12 @@
 </p:notes>
 </file>
 
-<file path=ppt/notesSlides/notesSlide11.xml><?xml version="1.0" encoding="utf-8"?>
-<p:notes xmlns:a="http://schemas.openxmlformats.org/drawingml/2006/main" xmlns:r="http://schemas.openxmlformats.org/officeDocument/2006/relationships" xmlns:mc="http://schemas.openxmlformats.org/markup-compatibility/2006" xmlns:mv="urn:schemas-microsoft-com:mac:vml" xmlns:p="http://schemas.openxmlformats.org/presentationml/2006/main" xmlns:c="http://schemas.openxmlformats.org/drawingml/2006/chart" xmlns:dgm="http://schemas.openxmlformats.org/drawingml/2006/diagram" xmlns:o="urn:schemas-microsoft-com:office:office" xmlns:v="urn:schemas-microsoft-com:vml" xmlns:pvml="urn:schemas-microsoft-com:office:powerpoint" xmlns:com="http://schemas.openxmlformats.org/drawingml/2006/compatibility" xmlns:p14="http://schemas.microsoft.com/office/powerpoint/2010/main" xmlns:p15="http://schemas.microsoft.com/office/powerpoint/2012/main" showMasterPhAnim="0" showMasterSp="0">
+<file path=ppt/notesSlides/notesSlide12.xml><?xml version="1.0" encoding="utf-8"?>
+<p:notes xmlns:a="http://schemas.openxmlformats.org/drawingml/2006/main" xmlns:r="http://schemas.openxmlformats.org/officeDocument/2006/relationships" xmlns:p="http://schemas.openxmlformats.org/presentationml/2006/main" showMasterSp="0" showMasterPhAnim="0">
   <p:cSld>
     <p:spTree>
       <p:nvGrpSpPr>
-        <p:cNvPr id="110" name="Shape 110"/>
+        <p:cNvPr id="1" name="Shape 110"/>
         <p:cNvGrpSpPr/>
         <p:nvPr/>
       </p:nvGrpSpPr>
@@ -915,9 +1045,11 @@
       <p:sp>
         <p:nvSpPr>
           <p:cNvPr id="111" name="Google Shape;111;g140b06006f87aab6_50:notes"/>
-          <p:cNvSpPr/>
+          <p:cNvSpPr>
+            <a:spLocks noGrp="1" noRot="1" noChangeAspect="1"/>
+          </p:cNvSpPr>
           <p:nvPr>
-            <p:ph idx="2" type="sldImg"/>
+            <p:ph type="sldImg" idx="2"/>
           </p:nvPr>
         </p:nvSpPr>
         <p:spPr>
@@ -926,9 +1058,13 @@
             <a:ext cx="6096000" cy="3429000"/>
           </a:xfrm>
           <a:custGeom>
-            <a:rect b="b" l="l" r="r" t="t"/>
+            <a:avLst/>
+            <a:gdLst/>
+            <a:ahLst/>
+            <a:cxnLst/>
+            <a:rect l="l" t="t" r="r" b="b"/>
             <a:pathLst>
-              <a:path extrusionOk="0" h="120000" w="120000">
+              <a:path w="120000" h="120000" extrusionOk="0">
                 <a:moveTo>
                   <a:pt x="0" y="0"/>
                 </a:moveTo>
@@ -950,9 +1086,11 @@
       <p:sp>
         <p:nvSpPr>
           <p:cNvPr id="112" name="Google Shape;112;g140b06006f87aab6_50:notes"/>
-          <p:cNvSpPr txBox="1"/>
+          <p:cNvSpPr txBox="1">
+            <a:spLocks noGrp="1"/>
+          </p:cNvSpPr>
           <p:nvPr>
-            <p:ph idx="1" type="body"/>
+            <p:ph type="body" idx="1"/>
           </p:nvPr>
         </p:nvSpPr>
         <p:spPr>
@@ -965,12 +1103,12 @@
           </a:prstGeom>
         </p:spPr>
         <p:txBody>
-          <a:bodyPr anchorCtr="0" anchor="t" bIns="91425" lIns="91425" spcFirstLastPara="1" rIns="91425" wrap="square" tIns="91425">
+          <a:bodyPr spcFirstLastPara="1" wrap="square" lIns="91425" tIns="91425" rIns="91425" bIns="91425" anchor="t" anchorCtr="0">
             <a:noAutofit/>
           </a:bodyPr>
           <a:lstStyle/>
           <a:p>
-            <a:pPr indent="0" lvl="0" marL="0" rtl="0" algn="l">
+            <a:pPr marL="0" lvl="0" indent="0" algn="l" rtl="0">
               <a:spcBef>
                 <a:spcPts val="0"/>
               </a:spcBef>
@@ -979,9 +1117,6 @@
               </a:spcAft>
               <a:buNone/>
             </a:pPr>
-            <a:r>
-              <a:t/>
-            </a:r>
             <a:endParaRPr/>
           </a:p>
         </p:txBody>
@@ -994,12 +1129,12 @@
 </p:notes>
 </file>
 
-<file path=ppt/notesSlides/notesSlide12.xml><?xml version="1.0" encoding="utf-8"?>
-<p:notes xmlns:a="http://schemas.openxmlformats.org/drawingml/2006/main" xmlns:r="http://schemas.openxmlformats.org/officeDocument/2006/relationships" xmlns:mc="http://schemas.openxmlformats.org/markup-compatibility/2006" xmlns:mv="urn:schemas-microsoft-com:mac:vml" xmlns:p="http://schemas.openxmlformats.org/presentationml/2006/main" xmlns:c="http://schemas.openxmlformats.org/drawingml/2006/chart" xmlns:dgm="http://schemas.openxmlformats.org/drawingml/2006/diagram" xmlns:o="urn:schemas-microsoft-com:office:office" xmlns:v="urn:schemas-microsoft-com:vml" xmlns:pvml="urn:schemas-microsoft-com:office:powerpoint" xmlns:com="http://schemas.openxmlformats.org/drawingml/2006/compatibility" xmlns:p14="http://schemas.microsoft.com/office/powerpoint/2010/main" xmlns:p15="http://schemas.microsoft.com/office/powerpoint/2012/main" showMasterPhAnim="0" showMasterSp="0">
+<file path=ppt/notesSlides/notesSlide13.xml><?xml version="1.0" encoding="utf-8"?>
+<p:notes xmlns:a="http://schemas.openxmlformats.org/drawingml/2006/main" xmlns:r="http://schemas.openxmlformats.org/officeDocument/2006/relationships" xmlns:p="http://schemas.openxmlformats.org/presentationml/2006/main" showMasterSp="0" showMasterPhAnim="0">
   <p:cSld>
     <p:spTree>
       <p:nvGrpSpPr>
-        <p:cNvPr id="116" name="Shape 116"/>
+        <p:cNvPr id="1" name="Shape 116"/>
         <p:cNvGrpSpPr/>
         <p:nvPr/>
       </p:nvGrpSpPr>
@@ -1014,9 +1149,11 @@
       <p:sp>
         <p:nvSpPr>
           <p:cNvPr id="117" name="Google Shape;117;g140b06006f87aab6_20:notes"/>
-          <p:cNvSpPr/>
+          <p:cNvSpPr>
+            <a:spLocks noGrp="1" noRot="1" noChangeAspect="1"/>
+          </p:cNvSpPr>
           <p:nvPr>
-            <p:ph idx="2" type="sldImg"/>
+            <p:ph type="sldImg" idx="2"/>
           </p:nvPr>
         </p:nvSpPr>
         <p:spPr>
@@ -1025,9 +1162,13 @@
             <a:ext cx="6096000" cy="3429000"/>
           </a:xfrm>
           <a:custGeom>
-            <a:rect b="b" l="l" r="r" t="t"/>
+            <a:avLst/>
+            <a:gdLst/>
+            <a:ahLst/>
+            <a:cxnLst/>
+            <a:rect l="l" t="t" r="r" b="b"/>
             <a:pathLst>
-              <a:path extrusionOk="0" h="120000" w="120000">
+              <a:path w="120000" h="120000" extrusionOk="0">
                 <a:moveTo>
                   <a:pt x="0" y="0"/>
                 </a:moveTo>
@@ -1049,9 +1190,11 @@
       <p:sp>
         <p:nvSpPr>
           <p:cNvPr id="118" name="Google Shape;118;g140b06006f87aab6_20:notes"/>
-          <p:cNvSpPr txBox="1"/>
+          <p:cNvSpPr txBox="1">
+            <a:spLocks noGrp="1"/>
+          </p:cNvSpPr>
           <p:nvPr>
-            <p:ph idx="1" type="body"/>
+            <p:ph type="body" idx="1"/>
           </p:nvPr>
         </p:nvSpPr>
         <p:spPr>
@@ -1064,12 +1207,12 @@
           </a:prstGeom>
         </p:spPr>
         <p:txBody>
-          <a:bodyPr anchorCtr="0" anchor="t" bIns="91425" lIns="91425" spcFirstLastPara="1" rIns="91425" wrap="square" tIns="91425">
+          <a:bodyPr spcFirstLastPara="1" wrap="square" lIns="91425" tIns="91425" rIns="91425" bIns="91425" anchor="t" anchorCtr="0">
             <a:noAutofit/>
           </a:bodyPr>
           <a:lstStyle/>
           <a:p>
-            <a:pPr indent="0" lvl="0" marL="0" rtl="0" algn="l">
+            <a:pPr marL="0" lvl="0" indent="0" algn="l" rtl="0">
               <a:spcBef>
                 <a:spcPts val="0"/>
               </a:spcBef>
@@ -1078,9 +1221,6 @@
               </a:spcAft>
               <a:buNone/>
             </a:pPr>
-            <a:r>
-              <a:t/>
-            </a:r>
             <a:endParaRPr/>
           </a:p>
         </p:txBody>
@@ -1094,11 +1234,11 @@
 </file>
 
 <file path=ppt/notesSlides/notesSlide2.xml><?xml version="1.0" encoding="utf-8"?>
-<p:notes xmlns:a="http://schemas.openxmlformats.org/drawingml/2006/main" xmlns:r="http://schemas.openxmlformats.org/officeDocument/2006/relationships" xmlns:mc="http://schemas.openxmlformats.org/markup-compatibility/2006" xmlns:mv="urn:schemas-microsoft-com:mac:vml" xmlns:p="http://schemas.openxmlformats.org/presentationml/2006/main" xmlns:c="http://schemas.openxmlformats.org/drawingml/2006/chart" xmlns:dgm="http://schemas.openxmlformats.org/drawingml/2006/diagram" xmlns:o="urn:schemas-microsoft-com:office:office" xmlns:v="urn:schemas-microsoft-com:vml" xmlns:pvml="urn:schemas-microsoft-com:office:powerpoint" xmlns:com="http://schemas.openxmlformats.org/drawingml/2006/compatibility" xmlns:p14="http://schemas.microsoft.com/office/powerpoint/2010/main" xmlns:p15="http://schemas.microsoft.com/office/powerpoint/2012/main" showMasterPhAnim="0" showMasterSp="0">
+<p:notes xmlns:a="http://schemas.openxmlformats.org/drawingml/2006/main" xmlns:r="http://schemas.openxmlformats.org/officeDocument/2006/relationships" xmlns:p="http://schemas.openxmlformats.org/presentationml/2006/main" showMasterSp="0" showMasterPhAnim="0">
   <p:cSld>
     <p:spTree>
       <p:nvGrpSpPr>
-        <p:cNvPr id="56" name="Shape 56"/>
+        <p:cNvPr id="1" name="Shape 56"/>
         <p:cNvGrpSpPr/>
         <p:nvPr/>
       </p:nvGrpSpPr>
@@ -1113,9 +1253,11 @@
       <p:sp>
         <p:nvSpPr>
           <p:cNvPr id="57" name="Google Shape;57;g140b06006f87aab6_0:notes"/>
-          <p:cNvSpPr/>
+          <p:cNvSpPr>
+            <a:spLocks noGrp="1" noRot="1" noChangeAspect="1"/>
+          </p:cNvSpPr>
           <p:nvPr>
-            <p:ph idx="2" type="sldImg"/>
+            <p:ph type="sldImg" idx="2"/>
           </p:nvPr>
         </p:nvSpPr>
         <p:spPr>
@@ -1124,9 +1266,13 @@
             <a:ext cx="6096000" cy="3429000"/>
           </a:xfrm>
           <a:custGeom>
-            <a:rect b="b" l="l" r="r" t="t"/>
+            <a:avLst/>
+            <a:gdLst/>
+            <a:ahLst/>
+            <a:cxnLst/>
+            <a:rect l="l" t="t" r="r" b="b"/>
             <a:pathLst>
-              <a:path extrusionOk="0" h="120000" w="120000">
+              <a:path w="120000" h="120000" extrusionOk="0">
                 <a:moveTo>
                   <a:pt x="0" y="0"/>
                 </a:moveTo>
@@ -1148,9 +1294,11 @@
       <p:sp>
         <p:nvSpPr>
           <p:cNvPr id="58" name="Google Shape;58;g140b06006f87aab6_0:notes"/>
-          <p:cNvSpPr txBox="1"/>
+          <p:cNvSpPr txBox="1">
+            <a:spLocks noGrp="1"/>
+          </p:cNvSpPr>
           <p:nvPr>
-            <p:ph idx="1" type="body"/>
+            <p:ph type="body" idx="1"/>
           </p:nvPr>
         </p:nvSpPr>
         <p:spPr>
@@ -1163,12 +1311,12 @@
           </a:prstGeom>
         </p:spPr>
         <p:txBody>
-          <a:bodyPr anchorCtr="0" anchor="t" bIns="91425" lIns="91425" spcFirstLastPara="1" rIns="91425" wrap="square" tIns="91425">
+          <a:bodyPr spcFirstLastPara="1" wrap="square" lIns="91425" tIns="91425" rIns="91425" bIns="91425" anchor="t" anchorCtr="0">
             <a:noAutofit/>
           </a:bodyPr>
           <a:lstStyle/>
           <a:p>
-            <a:pPr indent="0" lvl="0" marL="0" rtl="0" algn="l">
+            <a:pPr marL="0" lvl="0" indent="0" algn="l" rtl="0">
               <a:spcBef>
                 <a:spcPts val="0"/>
               </a:spcBef>
@@ -1177,9 +1325,6 @@
               </a:spcAft>
               <a:buNone/>
             </a:pPr>
-            <a:r>
-              <a:t/>
-            </a:r>
             <a:endParaRPr/>
           </a:p>
         </p:txBody>
@@ -1193,11 +1338,11 @@
 </file>
 
 <file path=ppt/notesSlides/notesSlide3.xml><?xml version="1.0" encoding="utf-8"?>
-<p:notes xmlns:a="http://schemas.openxmlformats.org/drawingml/2006/main" xmlns:r="http://schemas.openxmlformats.org/officeDocument/2006/relationships" xmlns:mc="http://schemas.openxmlformats.org/markup-compatibility/2006" xmlns:mv="urn:schemas-microsoft-com:mac:vml" xmlns:p="http://schemas.openxmlformats.org/presentationml/2006/main" xmlns:c="http://schemas.openxmlformats.org/drawingml/2006/chart" xmlns:dgm="http://schemas.openxmlformats.org/drawingml/2006/diagram" xmlns:o="urn:schemas-microsoft-com:office:office" xmlns:v="urn:schemas-microsoft-com:vml" xmlns:pvml="urn:schemas-microsoft-com:office:powerpoint" xmlns:com="http://schemas.openxmlformats.org/drawingml/2006/compatibility" xmlns:p14="http://schemas.microsoft.com/office/powerpoint/2010/main" xmlns:p15="http://schemas.microsoft.com/office/powerpoint/2012/main" showMasterPhAnim="0" showMasterSp="0">
+<p:notes xmlns:a="http://schemas.openxmlformats.org/drawingml/2006/main" xmlns:r="http://schemas.openxmlformats.org/officeDocument/2006/relationships" xmlns:p="http://schemas.openxmlformats.org/presentationml/2006/main" showMasterSp="0" showMasterPhAnim="0">
   <p:cSld>
     <p:spTree>
       <p:nvGrpSpPr>
-        <p:cNvPr id="62" name="Shape 62"/>
+        <p:cNvPr id="1" name="Shape 62"/>
         <p:cNvGrpSpPr/>
         <p:nvPr/>
       </p:nvGrpSpPr>
@@ -1212,9 +1357,11 @@
       <p:sp>
         <p:nvSpPr>
           <p:cNvPr id="63" name="Google Shape;63;g140b06006f87aab6_5:notes"/>
-          <p:cNvSpPr/>
+          <p:cNvSpPr>
+            <a:spLocks noGrp="1" noRot="1" noChangeAspect="1"/>
+          </p:cNvSpPr>
           <p:nvPr>
-            <p:ph idx="2" type="sldImg"/>
+            <p:ph type="sldImg" idx="2"/>
           </p:nvPr>
         </p:nvSpPr>
         <p:spPr>
@@ -1223,9 +1370,13 @@
             <a:ext cx="6096000" cy="3429000"/>
           </a:xfrm>
           <a:custGeom>
-            <a:rect b="b" l="l" r="r" t="t"/>
+            <a:avLst/>
+            <a:gdLst/>
+            <a:ahLst/>
+            <a:cxnLst/>
+            <a:rect l="l" t="t" r="r" b="b"/>
             <a:pathLst>
-              <a:path extrusionOk="0" h="120000" w="120000">
+              <a:path w="120000" h="120000" extrusionOk="0">
                 <a:moveTo>
                   <a:pt x="0" y="0"/>
                 </a:moveTo>
@@ -1247,9 +1398,11 @@
       <p:sp>
         <p:nvSpPr>
           <p:cNvPr id="64" name="Google Shape;64;g140b06006f87aab6_5:notes"/>
-          <p:cNvSpPr txBox="1"/>
+          <p:cNvSpPr txBox="1">
+            <a:spLocks noGrp="1"/>
+          </p:cNvSpPr>
           <p:nvPr>
-            <p:ph idx="1" type="body"/>
+            <p:ph type="body" idx="1"/>
           </p:nvPr>
         </p:nvSpPr>
         <p:spPr>
@@ -1262,12 +1415,12 @@
           </a:prstGeom>
         </p:spPr>
         <p:txBody>
-          <a:bodyPr anchorCtr="0" anchor="t" bIns="91425" lIns="91425" spcFirstLastPara="1" rIns="91425" wrap="square" tIns="91425">
+          <a:bodyPr spcFirstLastPara="1" wrap="square" lIns="91425" tIns="91425" rIns="91425" bIns="91425" anchor="t" anchorCtr="0">
             <a:noAutofit/>
           </a:bodyPr>
           <a:lstStyle/>
           <a:p>
-            <a:pPr indent="0" lvl="0" marL="0" rtl="0" algn="l">
+            <a:pPr marL="0" lvl="0" indent="0" algn="l" rtl="0">
               <a:spcBef>
                 <a:spcPts val="0"/>
               </a:spcBef>
@@ -1276,9 +1429,6 @@
               </a:spcAft>
               <a:buNone/>
             </a:pPr>
-            <a:r>
-              <a:t/>
-            </a:r>
             <a:endParaRPr/>
           </a:p>
         </p:txBody>
@@ -1292,11 +1442,11 @@
 </file>
 
 <file path=ppt/notesSlides/notesSlide4.xml><?xml version="1.0" encoding="utf-8"?>
-<p:notes xmlns:a="http://schemas.openxmlformats.org/drawingml/2006/main" xmlns:r="http://schemas.openxmlformats.org/officeDocument/2006/relationships" xmlns:mc="http://schemas.openxmlformats.org/markup-compatibility/2006" xmlns:mv="urn:schemas-microsoft-com:mac:vml" xmlns:p="http://schemas.openxmlformats.org/presentationml/2006/main" xmlns:c="http://schemas.openxmlformats.org/drawingml/2006/chart" xmlns:dgm="http://schemas.openxmlformats.org/drawingml/2006/diagram" xmlns:o="urn:schemas-microsoft-com:office:office" xmlns:v="urn:schemas-microsoft-com:vml" xmlns:pvml="urn:schemas-microsoft-com:office:powerpoint" xmlns:com="http://schemas.openxmlformats.org/drawingml/2006/compatibility" xmlns:p14="http://schemas.microsoft.com/office/powerpoint/2010/main" xmlns:p15="http://schemas.microsoft.com/office/powerpoint/2012/main" showMasterPhAnim="0" showMasterSp="0">
+<p:notes xmlns:a="http://schemas.openxmlformats.org/drawingml/2006/main" xmlns:r="http://schemas.openxmlformats.org/officeDocument/2006/relationships" xmlns:p="http://schemas.openxmlformats.org/presentationml/2006/main" showMasterSp="0" showMasterPhAnim="0">
   <p:cSld>
     <p:spTree>
       <p:nvGrpSpPr>
-        <p:cNvPr id="68" name="Shape 68"/>
+        <p:cNvPr id="1" name="Shape 68"/>
         <p:cNvGrpSpPr/>
         <p:nvPr/>
       </p:nvGrpSpPr>
@@ -1311,20 +1461,26 @@
       <p:sp>
         <p:nvSpPr>
           <p:cNvPr id="69" name="Google Shape;69;g140b06006f87aab6_10:notes"/>
-          <p:cNvSpPr/>
+          <p:cNvSpPr>
+            <a:spLocks noGrp="1" noRot="1" noChangeAspect="1"/>
+          </p:cNvSpPr>
           <p:nvPr>
-            <p:ph idx="2" type="sldImg"/>
+            <p:ph type="sldImg" idx="2"/>
           </p:nvPr>
         </p:nvSpPr>
         <p:spPr>
           <a:xfrm>
-            <a:off x="381300" y="685800"/>
+            <a:off x="381000" y="685800"/>
             <a:ext cx="6096000" cy="3429000"/>
           </a:xfrm>
           <a:custGeom>
-            <a:rect b="b" l="l" r="r" t="t"/>
+            <a:avLst/>
+            <a:gdLst/>
+            <a:ahLst/>
+            <a:cxnLst/>
+            <a:rect l="l" t="t" r="r" b="b"/>
             <a:pathLst>
-              <a:path extrusionOk="0" h="120000" w="120000">
+              <a:path w="120000" h="120000" extrusionOk="0">
                 <a:moveTo>
                   <a:pt x="0" y="0"/>
                 </a:moveTo>
@@ -1346,9 +1502,11 @@
       <p:sp>
         <p:nvSpPr>
           <p:cNvPr id="70" name="Google Shape;70;g140b06006f87aab6_10:notes"/>
-          <p:cNvSpPr txBox="1"/>
+          <p:cNvSpPr txBox="1">
+            <a:spLocks noGrp="1"/>
+          </p:cNvSpPr>
           <p:nvPr>
-            <p:ph idx="1" type="body"/>
+            <p:ph type="body" idx="1"/>
           </p:nvPr>
         </p:nvSpPr>
         <p:spPr>
@@ -1361,12 +1519,12 @@
           </a:prstGeom>
         </p:spPr>
         <p:txBody>
-          <a:bodyPr anchorCtr="0" anchor="t" bIns="91425" lIns="91425" spcFirstLastPara="1" rIns="91425" wrap="square" tIns="91425">
+          <a:bodyPr spcFirstLastPara="1" wrap="square" lIns="91425" tIns="91425" rIns="91425" bIns="91425" anchor="t" anchorCtr="0">
             <a:noAutofit/>
           </a:bodyPr>
           <a:lstStyle/>
           <a:p>
-            <a:pPr indent="0" lvl="0" marL="0" rtl="0" algn="l">
+            <a:pPr marL="0" lvl="0" indent="0" algn="l" rtl="0">
               <a:spcBef>
                 <a:spcPts val="0"/>
               </a:spcBef>
@@ -1375,9 +1533,6 @@
               </a:spcAft>
               <a:buNone/>
             </a:pPr>
-            <a:r>
-              <a:t/>
-            </a:r>
             <a:endParaRPr/>
           </a:p>
         </p:txBody>
@@ -1391,11 +1546,11 @@
 </file>
 
 <file path=ppt/notesSlides/notesSlide5.xml><?xml version="1.0" encoding="utf-8"?>
-<p:notes xmlns:a="http://schemas.openxmlformats.org/drawingml/2006/main" xmlns:r="http://schemas.openxmlformats.org/officeDocument/2006/relationships" xmlns:mc="http://schemas.openxmlformats.org/markup-compatibility/2006" xmlns:mv="urn:schemas-microsoft-com:mac:vml" xmlns:p="http://schemas.openxmlformats.org/presentationml/2006/main" xmlns:c="http://schemas.openxmlformats.org/drawingml/2006/chart" xmlns:dgm="http://schemas.openxmlformats.org/drawingml/2006/diagram" xmlns:o="urn:schemas-microsoft-com:office:office" xmlns:v="urn:schemas-microsoft-com:vml" xmlns:pvml="urn:schemas-microsoft-com:office:powerpoint" xmlns:com="http://schemas.openxmlformats.org/drawingml/2006/compatibility" xmlns:p14="http://schemas.microsoft.com/office/powerpoint/2010/main" xmlns:p15="http://schemas.microsoft.com/office/powerpoint/2012/main" showMasterPhAnim="0" showMasterSp="0">
+<p:notes xmlns:a="http://schemas.openxmlformats.org/drawingml/2006/main" xmlns:r="http://schemas.openxmlformats.org/officeDocument/2006/relationships" xmlns:p="http://schemas.openxmlformats.org/presentationml/2006/main" showMasterSp="0" showMasterPhAnim="0">
   <p:cSld>
     <p:spTree>
       <p:nvGrpSpPr>
-        <p:cNvPr id="74" name="Shape 74"/>
+        <p:cNvPr id="1" name="Shape 74"/>
         <p:cNvGrpSpPr/>
         <p:nvPr/>
       </p:nvGrpSpPr>
@@ -1410,20 +1565,26 @@
       <p:sp>
         <p:nvSpPr>
           <p:cNvPr id="75" name="Google Shape;75;g140b06006f87aab6_15:notes"/>
-          <p:cNvSpPr/>
+          <p:cNvSpPr>
+            <a:spLocks noGrp="1" noRot="1" noChangeAspect="1"/>
+          </p:cNvSpPr>
           <p:nvPr>
-            <p:ph idx="2" type="sldImg"/>
+            <p:ph type="sldImg" idx="2"/>
           </p:nvPr>
         </p:nvSpPr>
         <p:spPr>
           <a:xfrm>
-            <a:off x="381300" y="685800"/>
+            <a:off x="381000" y="685800"/>
             <a:ext cx="6096000" cy="3429000"/>
           </a:xfrm>
           <a:custGeom>
-            <a:rect b="b" l="l" r="r" t="t"/>
+            <a:avLst/>
+            <a:gdLst/>
+            <a:ahLst/>
+            <a:cxnLst/>
+            <a:rect l="l" t="t" r="r" b="b"/>
             <a:pathLst>
-              <a:path extrusionOk="0" h="120000" w="120000">
+              <a:path w="120000" h="120000" extrusionOk="0">
                 <a:moveTo>
                   <a:pt x="0" y="0"/>
                 </a:moveTo>
@@ -1445,9 +1606,11 @@
       <p:sp>
         <p:nvSpPr>
           <p:cNvPr id="76" name="Google Shape;76;g140b06006f87aab6_15:notes"/>
-          <p:cNvSpPr txBox="1"/>
+          <p:cNvSpPr txBox="1">
+            <a:spLocks noGrp="1"/>
+          </p:cNvSpPr>
           <p:nvPr>
-            <p:ph idx="1" type="body"/>
+            <p:ph type="body" idx="1"/>
           </p:nvPr>
         </p:nvSpPr>
         <p:spPr>
@@ -1460,12 +1623,12 @@
           </a:prstGeom>
         </p:spPr>
         <p:txBody>
-          <a:bodyPr anchorCtr="0" anchor="t" bIns="91425" lIns="91425" spcFirstLastPara="1" rIns="91425" wrap="square" tIns="91425">
+          <a:bodyPr spcFirstLastPara="1" wrap="square" lIns="91425" tIns="91425" rIns="91425" bIns="91425" anchor="t" anchorCtr="0">
             <a:noAutofit/>
           </a:bodyPr>
           <a:lstStyle/>
           <a:p>
-            <a:pPr indent="0" lvl="0" marL="0" rtl="0" algn="l">
+            <a:pPr marL="0" lvl="0" indent="0" algn="l" rtl="0">
               <a:spcBef>
                 <a:spcPts val="0"/>
               </a:spcBef>
@@ -1474,9 +1637,6 @@
               </a:spcAft>
               <a:buNone/>
             </a:pPr>
-            <a:r>
-              <a:t/>
-            </a:r>
             <a:endParaRPr/>
           </a:p>
         </p:txBody>
@@ -1490,11 +1650,11 @@
 </file>
 
 <file path=ppt/notesSlides/notesSlide6.xml><?xml version="1.0" encoding="utf-8"?>
-<p:notes xmlns:a="http://schemas.openxmlformats.org/drawingml/2006/main" xmlns:r="http://schemas.openxmlformats.org/officeDocument/2006/relationships" xmlns:mc="http://schemas.openxmlformats.org/markup-compatibility/2006" xmlns:mv="urn:schemas-microsoft-com:mac:vml" xmlns:p="http://schemas.openxmlformats.org/presentationml/2006/main" xmlns:c="http://schemas.openxmlformats.org/drawingml/2006/chart" xmlns:dgm="http://schemas.openxmlformats.org/drawingml/2006/diagram" xmlns:o="urn:schemas-microsoft-com:office:office" xmlns:v="urn:schemas-microsoft-com:vml" xmlns:pvml="urn:schemas-microsoft-com:office:powerpoint" xmlns:com="http://schemas.openxmlformats.org/drawingml/2006/compatibility" xmlns:p14="http://schemas.microsoft.com/office/powerpoint/2010/main" xmlns:p15="http://schemas.microsoft.com/office/powerpoint/2012/main" showMasterPhAnim="0" showMasterSp="0">
+<p:notes xmlns:a="http://schemas.openxmlformats.org/drawingml/2006/main" xmlns:r="http://schemas.openxmlformats.org/officeDocument/2006/relationships" xmlns:p="http://schemas.openxmlformats.org/presentationml/2006/main" showMasterSp="0" showMasterPhAnim="0">
   <p:cSld>
     <p:spTree>
       <p:nvGrpSpPr>
-        <p:cNvPr id="80" name="Shape 80"/>
+        <p:cNvPr id="1" name="Shape 80"/>
         <p:cNvGrpSpPr/>
         <p:nvPr/>
       </p:nvGrpSpPr>
@@ -1509,20 +1669,26 @@
       <p:sp>
         <p:nvSpPr>
           <p:cNvPr id="81" name="Google Shape;81;g140b06006f87aab6_25:notes"/>
-          <p:cNvSpPr/>
+          <p:cNvSpPr>
+            <a:spLocks noGrp="1" noRot="1" noChangeAspect="1"/>
+          </p:cNvSpPr>
           <p:nvPr>
-            <p:ph idx="2" type="sldImg"/>
+            <p:ph type="sldImg" idx="2"/>
           </p:nvPr>
         </p:nvSpPr>
         <p:spPr>
           <a:xfrm>
-            <a:off x="381300" y="685800"/>
+            <a:off x="381000" y="685800"/>
             <a:ext cx="6096000" cy="3429000"/>
           </a:xfrm>
           <a:custGeom>
-            <a:rect b="b" l="l" r="r" t="t"/>
+            <a:avLst/>
+            <a:gdLst/>
+            <a:ahLst/>
+            <a:cxnLst/>
+            <a:rect l="l" t="t" r="r" b="b"/>
             <a:pathLst>
-              <a:path extrusionOk="0" h="120000" w="120000">
+              <a:path w="120000" h="120000" extrusionOk="0">
                 <a:moveTo>
                   <a:pt x="0" y="0"/>
                 </a:moveTo>
@@ -1544,9 +1710,11 @@
       <p:sp>
         <p:nvSpPr>
           <p:cNvPr id="82" name="Google Shape;82;g140b06006f87aab6_25:notes"/>
-          <p:cNvSpPr txBox="1"/>
+          <p:cNvSpPr txBox="1">
+            <a:spLocks noGrp="1"/>
+          </p:cNvSpPr>
           <p:nvPr>
-            <p:ph idx="1" type="body"/>
+            <p:ph type="body" idx="1"/>
           </p:nvPr>
         </p:nvSpPr>
         <p:spPr>
@@ -1559,12 +1727,12 @@
           </a:prstGeom>
         </p:spPr>
         <p:txBody>
-          <a:bodyPr anchorCtr="0" anchor="t" bIns="91425" lIns="91425" spcFirstLastPara="1" rIns="91425" wrap="square" tIns="91425">
+          <a:bodyPr spcFirstLastPara="1" wrap="square" lIns="91425" tIns="91425" rIns="91425" bIns="91425" anchor="t" anchorCtr="0">
             <a:noAutofit/>
           </a:bodyPr>
           <a:lstStyle/>
           <a:p>
-            <a:pPr indent="0" lvl="0" marL="0" rtl="0" algn="l">
+            <a:pPr marL="0" lvl="0" indent="0" algn="l" rtl="0">
               <a:spcBef>
                 <a:spcPts val="0"/>
               </a:spcBef>
@@ -1573,9 +1741,6 @@
               </a:spcAft>
               <a:buNone/>
             </a:pPr>
-            <a:r>
-              <a:t/>
-            </a:r>
             <a:endParaRPr/>
           </a:p>
         </p:txBody>
@@ -1589,11 +1754,11 @@
 </file>
 
 <file path=ppt/notesSlides/notesSlide7.xml><?xml version="1.0" encoding="utf-8"?>
-<p:notes xmlns:a="http://schemas.openxmlformats.org/drawingml/2006/main" xmlns:r="http://schemas.openxmlformats.org/officeDocument/2006/relationships" xmlns:mc="http://schemas.openxmlformats.org/markup-compatibility/2006" xmlns:mv="urn:schemas-microsoft-com:mac:vml" xmlns:p="http://schemas.openxmlformats.org/presentationml/2006/main" xmlns:c="http://schemas.openxmlformats.org/drawingml/2006/chart" xmlns:dgm="http://schemas.openxmlformats.org/drawingml/2006/diagram" xmlns:o="urn:schemas-microsoft-com:office:office" xmlns:v="urn:schemas-microsoft-com:vml" xmlns:pvml="urn:schemas-microsoft-com:office:powerpoint" xmlns:com="http://schemas.openxmlformats.org/drawingml/2006/compatibility" xmlns:p14="http://schemas.microsoft.com/office/powerpoint/2010/main" xmlns:p15="http://schemas.microsoft.com/office/powerpoint/2012/main" showMasterPhAnim="0" showMasterSp="0">
+<p:notes xmlns:a="http://schemas.openxmlformats.org/drawingml/2006/main" xmlns:r="http://schemas.openxmlformats.org/officeDocument/2006/relationships" xmlns:p="http://schemas.openxmlformats.org/presentationml/2006/main" showMasterSp="0" showMasterPhAnim="0">
   <p:cSld>
     <p:spTree>
       <p:nvGrpSpPr>
-        <p:cNvPr id="86" name="Shape 86"/>
+        <p:cNvPr id="1" name="Shape 86"/>
         <p:cNvGrpSpPr/>
         <p:nvPr/>
       </p:nvGrpSpPr>
@@ -1608,20 +1773,26 @@
       <p:sp>
         <p:nvSpPr>
           <p:cNvPr id="87" name="Google Shape;87;g140b06006f87aab6_30:notes"/>
-          <p:cNvSpPr/>
+          <p:cNvSpPr>
+            <a:spLocks noGrp="1" noRot="1" noChangeAspect="1"/>
+          </p:cNvSpPr>
           <p:nvPr>
-            <p:ph idx="2" type="sldImg"/>
+            <p:ph type="sldImg" idx="2"/>
           </p:nvPr>
         </p:nvSpPr>
         <p:spPr>
           <a:xfrm>
-            <a:off x="381300" y="685800"/>
+            <a:off x="381000" y="685800"/>
             <a:ext cx="6096000" cy="3429000"/>
           </a:xfrm>
           <a:custGeom>
-            <a:rect b="b" l="l" r="r" t="t"/>
+            <a:avLst/>
+            <a:gdLst/>
+            <a:ahLst/>
+            <a:cxnLst/>
+            <a:rect l="l" t="t" r="r" b="b"/>
             <a:pathLst>
-              <a:path extrusionOk="0" h="120000" w="120000">
+              <a:path w="120000" h="120000" extrusionOk="0">
                 <a:moveTo>
                   <a:pt x="0" y="0"/>
                 </a:moveTo>
@@ -1643,9 +1814,11 @@
       <p:sp>
         <p:nvSpPr>
           <p:cNvPr id="88" name="Google Shape;88;g140b06006f87aab6_30:notes"/>
-          <p:cNvSpPr txBox="1"/>
+          <p:cNvSpPr txBox="1">
+            <a:spLocks noGrp="1"/>
+          </p:cNvSpPr>
           <p:nvPr>
-            <p:ph idx="1" type="body"/>
+            <p:ph type="body" idx="1"/>
           </p:nvPr>
         </p:nvSpPr>
         <p:spPr>
@@ -1658,12 +1831,12 @@
           </a:prstGeom>
         </p:spPr>
         <p:txBody>
-          <a:bodyPr anchorCtr="0" anchor="t" bIns="91425" lIns="91425" spcFirstLastPara="1" rIns="91425" wrap="square" tIns="91425">
+          <a:bodyPr spcFirstLastPara="1" wrap="square" lIns="91425" tIns="91425" rIns="91425" bIns="91425" anchor="t" anchorCtr="0">
             <a:noAutofit/>
           </a:bodyPr>
           <a:lstStyle/>
           <a:p>
-            <a:pPr indent="0" lvl="0" marL="0" rtl="0" algn="l">
+            <a:pPr marL="0" lvl="0" indent="0" algn="l" rtl="0">
               <a:spcBef>
                 <a:spcPts val="0"/>
               </a:spcBef>
@@ -1672,9 +1845,6 @@
               </a:spcAft>
               <a:buNone/>
             </a:pPr>
-            <a:r>
-              <a:t/>
-            </a:r>
             <a:endParaRPr/>
           </a:p>
         </p:txBody>
@@ -1688,11 +1858,120 @@
 </file>
 
 <file path=ppt/notesSlides/notesSlide8.xml><?xml version="1.0" encoding="utf-8"?>
-<p:notes xmlns:a="http://schemas.openxmlformats.org/drawingml/2006/main" xmlns:r="http://schemas.openxmlformats.org/officeDocument/2006/relationships" xmlns:mc="http://schemas.openxmlformats.org/markup-compatibility/2006" xmlns:mv="urn:schemas-microsoft-com:mac:vml" xmlns:p="http://schemas.openxmlformats.org/presentationml/2006/main" xmlns:c="http://schemas.openxmlformats.org/drawingml/2006/chart" xmlns:dgm="http://schemas.openxmlformats.org/drawingml/2006/diagram" xmlns:o="urn:schemas-microsoft-com:office:office" xmlns:v="urn:schemas-microsoft-com:vml" xmlns:pvml="urn:schemas-microsoft-com:office:powerpoint" xmlns:com="http://schemas.openxmlformats.org/drawingml/2006/compatibility" xmlns:p14="http://schemas.microsoft.com/office/powerpoint/2010/main" xmlns:p15="http://schemas.microsoft.com/office/powerpoint/2012/main" showMasterPhAnim="0" showMasterSp="0">
+<p:notes xmlns:a="http://schemas.openxmlformats.org/drawingml/2006/main" xmlns:r="http://schemas.openxmlformats.org/officeDocument/2006/relationships" xmlns:p="http://schemas.openxmlformats.org/presentationml/2006/main" showMasterSp="0" showMasterPhAnim="0">
   <p:cSld>
     <p:spTree>
       <p:nvGrpSpPr>
-        <p:cNvPr id="92" name="Shape 92"/>
+        <p:cNvPr id="1" name="Shape 86"/>
+        <p:cNvGrpSpPr/>
+        <p:nvPr/>
+      </p:nvGrpSpPr>
+      <p:grpSpPr>
+        <a:xfrm>
+          <a:off x="0" y="0"/>
+          <a:ext cx="0" cy="0"/>
+          <a:chOff x="0" y="0"/>
+          <a:chExt cx="0" cy="0"/>
+        </a:xfrm>
+      </p:grpSpPr>
+      <p:sp>
+        <p:nvSpPr>
+          <p:cNvPr id="87" name="Google Shape;87;g140b06006f87aab6_30:notes"/>
+          <p:cNvSpPr>
+            <a:spLocks noGrp="1" noRot="1" noChangeAspect="1"/>
+          </p:cNvSpPr>
+          <p:nvPr>
+            <p:ph type="sldImg" idx="2"/>
+          </p:nvPr>
+        </p:nvSpPr>
+        <p:spPr>
+          <a:xfrm>
+            <a:off x="381000" y="685800"/>
+            <a:ext cx="6096000" cy="3429000"/>
+          </a:xfrm>
+          <a:custGeom>
+            <a:avLst/>
+            <a:gdLst/>
+            <a:ahLst/>
+            <a:cxnLst/>
+            <a:rect l="l" t="t" r="r" b="b"/>
+            <a:pathLst>
+              <a:path w="120000" h="120000" extrusionOk="0">
+                <a:moveTo>
+                  <a:pt x="0" y="0"/>
+                </a:moveTo>
+                <a:lnTo>
+                  <a:pt x="120000" y="0"/>
+                </a:lnTo>
+                <a:lnTo>
+                  <a:pt x="120000" y="120000"/>
+                </a:lnTo>
+                <a:lnTo>
+                  <a:pt x="0" y="120000"/>
+                </a:lnTo>
+                <a:close/>
+              </a:path>
+            </a:pathLst>
+          </a:custGeom>
+        </p:spPr>
+      </p:sp>
+      <p:sp>
+        <p:nvSpPr>
+          <p:cNvPr id="88" name="Google Shape;88;g140b06006f87aab6_30:notes"/>
+          <p:cNvSpPr txBox="1">
+            <a:spLocks noGrp="1"/>
+          </p:cNvSpPr>
+          <p:nvPr>
+            <p:ph type="body" idx="1"/>
+          </p:nvPr>
+        </p:nvSpPr>
+        <p:spPr>
+          <a:xfrm>
+            <a:off x="685800" y="4343400"/>
+            <a:ext cx="5486400" cy="4114800"/>
+          </a:xfrm>
+          <a:prstGeom prst="rect">
+            <a:avLst/>
+          </a:prstGeom>
+        </p:spPr>
+        <p:txBody>
+          <a:bodyPr spcFirstLastPara="1" wrap="square" lIns="91425" tIns="91425" rIns="91425" bIns="91425" anchor="t" anchorCtr="0">
+            <a:noAutofit/>
+          </a:bodyPr>
+          <a:lstStyle/>
+          <a:p>
+            <a:pPr marL="0" lvl="0" indent="0" algn="l" rtl="0">
+              <a:spcBef>
+                <a:spcPts val="0"/>
+              </a:spcBef>
+              <a:spcAft>
+                <a:spcPts val="0"/>
+              </a:spcAft>
+              <a:buNone/>
+            </a:pPr>
+            <a:endParaRPr/>
+          </a:p>
+        </p:txBody>
+      </p:sp>
+    </p:spTree>
+    <p:extLst>
+      <p:ext uri="{BB962C8B-B14F-4D97-AF65-F5344CB8AC3E}">
+        <p14:creationId xmlns:p14="http://schemas.microsoft.com/office/powerpoint/2010/main" val="475752809"/>
+      </p:ext>
+    </p:extLst>
+  </p:cSld>
+  <p:clrMapOvr>
+    <a:masterClrMapping/>
+  </p:clrMapOvr>
+</p:notes>
+</file>
+
+<file path=ppt/notesSlides/notesSlide9.xml><?xml version="1.0" encoding="utf-8"?>
+<p:notes xmlns:a="http://schemas.openxmlformats.org/drawingml/2006/main" xmlns:r="http://schemas.openxmlformats.org/officeDocument/2006/relationships" xmlns:p="http://schemas.openxmlformats.org/presentationml/2006/main" showMasterSp="0" showMasterPhAnim="0">
+  <p:cSld>
+    <p:spTree>
+      <p:nvGrpSpPr>
+        <p:cNvPr id="1" name="Shape 92"/>
         <p:cNvGrpSpPr/>
         <p:nvPr/>
       </p:nvGrpSpPr>
@@ -1707,20 +1986,26 @@
       <p:sp>
         <p:nvSpPr>
           <p:cNvPr id="93" name="Google Shape;93;g140b06006f87aab6_35:notes"/>
-          <p:cNvSpPr/>
+          <p:cNvSpPr>
+            <a:spLocks noGrp="1" noRot="1" noChangeAspect="1"/>
+          </p:cNvSpPr>
           <p:nvPr>
-            <p:ph idx="2" type="sldImg"/>
+            <p:ph type="sldImg" idx="2"/>
           </p:nvPr>
         </p:nvSpPr>
         <p:spPr>
           <a:xfrm>
-            <a:off x="381300" y="685800"/>
+            <a:off x="381000" y="685800"/>
             <a:ext cx="6096000" cy="3429000"/>
           </a:xfrm>
           <a:custGeom>
-            <a:rect b="b" l="l" r="r" t="t"/>
+            <a:avLst/>
+            <a:gdLst/>
+            <a:ahLst/>
+            <a:cxnLst/>
+            <a:rect l="l" t="t" r="r" b="b"/>
             <a:pathLst>
-              <a:path extrusionOk="0" h="120000" w="120000">
+              <a:path w="120000" h="120000" extrusionOk="0">
                 <a:moveTo>
                   <a:pt x="0" y="0"/>
                 </a:moveTo>
@@ -1742,9 +2027,11 @@
       <p:sp>
         <p:nvSpPr>
           <p:cNvPr id="94" name="Google Shape;94;g140b06006f87aab6_35:notes"/>
-          <p:cNvSpPr txBox="1"/>
+          <p:cNvSpPr txBox="1">
+            <a:spLocks noGrp="1"/>
+          </p:cNvSpPr>
           <p:nvPr>
-            <p:ph idx="1" type="body"/>
+            <p:ph type="body" idx="1"/>
           </p:nvPr>
         </p:nvSpPr>
         <p:spPr>
@@ -1757,12 +2044,12 @@
           </a:prstGeom>
         </p:spPr>
         <p:txBody>
-          <a:bodyPr anchorCtr="0" anchor="t" bIns="91425" lIns="91425" spcFirstLastPara="1" rIns="91425" wrap="square" tIns="91425">
+          <a:bodyPr spcFirstLastPara="1" wrap="square" lIns="91425" tIns="91425" rIns="91425" bIns="91425" anchor="t" anchorCtr="0">
             <a:noAutofit/>
           </a:bodyPr>
           <a:lstStyle/>
           <a:p>
-            <a:pPr indent="0" lvl="0" marL="0" rtl="0" algn="l">
+            <a:pPr marL="0" lvl="0" indent="0" algn="l" rtl="0">
               <a:spcBef>
                 <a:spcPts val="0"/>
               </a:spcBef>
@@ -1771,108 +2058,6 @@
               </a:spcAft>
               <a:buNone/>
             </a:pPr>
-            <a:r>
-              <a:t/>
-            </a:r>
-            <a:endParaRPr/>
-          </a:p>
-        </p:txBody>
-      </p:sp>
-    </p:spTree>
-  </p:cSld>
-  <p:clrMapOvr>
-    <a:masterClrMapping/>
-  </p:clrMapOvr>
-</p:notes>
-</file>
-
-<file path=ppt/notesSlides/notesSlide9.xml><?xml version="1.0" encoding="utf-8"?>
-<p:notes xmlns:a="http://schemas.openxmlformats.org/drawingml/2006/main" xmlns:r="http://schemas.openxmlformats.org/officeDocument/2006/relationships" xmlns:mc="http://schemas.openxmlformats.org/markup-compatibility/2006" xmlns:mv="urn:schemas-microsoft-com:mac:vml" xmlns:p="http://schemas.openxmlformats.org/presentationml/2006/main" xmlns:c="http://schemas.openxmlformats.org/drawingml/2006/chart" xmlns:dgm="http://schemas.openxmlformats.org/drawingml/2006/diagram" xmlns:o="urn:schemas-microsoft-com:office:office" xmlns:v="urn:schemas-microsoft-com:vml" xmlns:pvml="urn:schemas-microsoft-com:office:powerpoint" xmlns:com="http://schemas.openxmlformats.org/drawingml/2006/compatibility" xmlns:p14="http://schemas.microsoft.com/office/powerpoint/2010/main" xmlns:p15="http://schemas.microsoft.com/office/powerpoint/2012/main" showMasterPhAnim="0" showMasterSp="0">
-  <p:cSld>
-    <p:spTree>
-      <p:nvGrpSpPr>
-        <p:cNvPr id="98" name="Shape 98"/>
-        <p:cNvGrpSpPr/>
-        <p:nvPr/>
-      </p:nvGrpSpPr>
-      <p:grpSpPr>
-        <a:xfrm>
-          <a:off x="0" y="0"/>
-          <a:ext cx="0" cy="0"/>
-          <a:chOff x="0" y="0"/>
-          <a:chExt cx="0" cy="0"/>
-        </a:xfrm>
-      </p:grpSpPr>
-      <p:sp>
-        <p:nvSpPr>
-          <p:cNvPr id="99" name="Google Shape;99;g140b06006f87aab6_40:notes"/>
-          <p:cNvSpPr/>
-          <p:nvPr>
-            <p:ph idx="2" type="sldImg"/>
-          </p:nvPr>
-        </p:nvSpPr>
-        <p:spPr>
-          <a:xfrm>
-            <a:off x="381300" y="685800"/>
-            <a:ext cx="6096000" cy="3429000"/>
-          </a:xfrm>
-          <a:custGeom>
-            <a:rect b="b" l="l" r="r" t="t"/>
-            <a:pathLst>
-              <a:path extrusionOk="0" h="120000" w="120000">
-                <a:moveTo>
-                  <a:pt x="0" y="0"/>
-                </a:moveTo>
-                <a:lnTo>
-                  <a:pt x="120000" y="0"/>
-                </a:lnTo>
-                <a:lnTo>
-                  <a:pt x="120000" y="120000"/>
-                </a:lnTo>
-                <a:lnTo>
-                  <a:pt x="0" y="120000"/>
-                </a:lnTo>
-                <a:close/>
-              </a:path>
-            </a:pathLst>
-          </a:custGeom>
-        </p:spPr>
-      </p:sp>
-      <p:sp>
-        <p:nvSpPr>
-          <p:cNvPr id="100" name="Google Shape;100;g140b06006f87aab6_40:notes"/>
-          <p:cNvSpPr txBox="1"/>
-          <p:nvPr>
-            <p:ph idx="1" type="body"/>
-          </p:nvPr>
-        </p:nvSpPr>
-        <p:spPr>
-          <a:xfrm>
-            <a:off x="685800" y="4343400"/>
-            <a:ext cx="5486400" cy="4114800"/>
-          </a:xfrm>
-          <a:prstGeom prst="rect">
-            <a:avLst/>
-          </a:prstGeom>
-        </p:spPr>
-        <p:txBody>
-          <a:bodyPr anchorCtr="0" anchor="t" bIns="91425" lIns="91425" spcFirstLastPara="1" rIns="91425" wrap="square" tIns="91425">
-            <a:noAutofit/>
-          </a:bodyPr>
-          <a:lstStyle/>
-          <a:p>
-            <a:pPr indent="0" lvl="0" marL="0" rtl="0" algn="l">
-              <a:spcBef>
-                <a:spcPts val="0"/>
-              </a:spcBef>
-              <a:spcAft>
-                <a:spcPts val="0"/>
-              </a:spcAft>
-              <a:buNone/>
-            </a:pPr>
-            <a:r>
-              <a:t/>
-            </a:r>
             <a:endParaRPr/>
           </a:p>
         </p:txBody>
@@ -1886,11 +2071,11 @@
 </file>
 
 <file path=ppt/slideLayouts/slideLayout1.xml><?xml version="1.0" encoding="utf-8"?>
-<p:sldLayout xmlns:a="http://schemas.openxmlformats.org/drawingml/2006/main" xmlns:r="http://schemas.openxmlformats.org/officeDocument/2006/relationships" xmlns:mc="http://schemas.openxmlformats.org/markup-compatibility/2006" xmlns:mv="urn:schemas-microsoft-com:mac:vml" xmlns:p="http://schemas.openxmlformats.org/presentationml/2006/main" xmlns:c="http://schemas.openxmlformats.org/drawingml/2006/chart" xmlns:dgm="http://schemas.openxmlformats.org/drawingml/2006/diagram" xmlns:o="urn:schemas-microsoft-com:office:office" xmlns:v="urn:schemas-microsoft-com:vml" xmlns:pvml="urn:schemas-microsoft-com:office:powerpoint" xmlns:com="http://schemas.openxmlformats.org/drawingml/2006/compatibility" xmlns:p14="http://schemas.microsoft.com/office/powerpoint/2010/main" xmlns:p15="http://schemas.microsoft.com/office/powerpoint/2012/main" matchingName="Title slide" type="title">
+<p:sldLayout xmlns:a="http://schemas.openxmlformats.org/drawingml/2006/main" xmlns:r="http://schemas.openxmlformats.org/officeDocument/2006/relationships" xmlns:p="http://schemas.openxmlformats.org/presentationml/2006/main" matchingName="Title slide" type="title">
   <p:cSld name="TITLE">
     <p:spTree>
       <p:nvGrpSpPr>
-        <p:cNvPr id="9" name="Shape 9"/>
+        <p:cNvPr id="1" name="Shape 9"/>
         <p:cNvGrpSpPr/>
         <p:nvPr/>
       </p:nvGrpSpPr>
@@ -1905,7 +2090,9 @@
       <p:sp>
         <p:nvSpPr>
           <p:cNvPr id="10" name="Google Shape;10;p2"/>
-          <p:cNvSpPr txBox="1"/>
+          <p:cNvSpPr txBox="1">
+            <a:spLocks noGrp="1"/>
+          </p:cNvSpPr>
           <p:nvPr>
             <p:ph type="ctrTitle"/>
           </p:nvPr>
@@ -1920,7 +2107,7 @@
           </a:prstGeom>
         </p:spPr>
         <p:txBody>
-          <a:bodyPr anchorCtr="0" anchor="b" bIns="91425" lIns="91425" spcFirstLastPara="1" rIns="91425" wrap="square" tIns="91425">
+          <a:bodyPr spcFirstLastPara="1" wrap="square" lIns="91425" tIns="91425" rIns="91425" bIns="91425" anchor="b" anchorCtr="0">
             <a:noAutofit/>
           </a:bodyPr>
           <a:lstStyle>
@@ -2024,15 +2211,19 @@
               <a:defRPr sz="5200"/>
             </a:lvl9pPr>
           </a:lstStyle>
-          <a:p/>
+          <a:p>
+            <a:endParaRPr/>
+          </a:p>
         </p:txBody>
       </p:sp>
       <p:sp>
         <p:nvSpPr>
           <p:cNvPr id="11" name="Google Shape;11;p2"/>
-          <p:cNvSpPr txBox="1"/>
+          <p:cNvSpPr txBox="1">
+            <a:spLocks noGrp="1"/>
+          </p:cNvSpPr>
           <p:nvPr>
-            <p:ph idx="1" type="subTitle"/>
+            <p:ph type="subTitle" idx="1"/>
           </p:nvPr>
         </p:nvSpPr>
         <p:spPr>
@@ -2045,7 +2236,7 @@
           </a:prstGeom>
         </p:spPr>
         <p:txBody>
-          <a:bodyPr anchorCtr="0" anchor="t" bIns="91425" lIns="91425" spcFirstLastPara="1" rIns="91425" wrap="square" tIns="91425">
+          <a:bodyPr spcFirstLastPara="1" wrap="square" lIns="91425" tIns="91425" rIns="91425" bIns="91425" anchor="t" anchorCtr="0">
             <a:noAutofit/>
           </a:bodyPr>
           <a:lstStyle>
@@ -2176,15 +2367,19 @@
               <a:defRPr sz="2800"/>
             </a:lvl9pPr>
           </a:lstStyle>
-          <a:p/>
+          <a:p>
+            <a:endParaRPr/>
+          </a:p>
         </p:txBody>
       </p:sp>
       <p:sp>
         <p:nvSpPr>
           <p:cNvPr id="12" name="Google Shape;12;p2"/>
-          <p:cNvSpPr txBox="1"/>
+          <p:cNvSpPr txBox="1">
+            <a:spLocks noGrp="1"/>
+          </p:cNvSpPr>
           <p:nvPr>
-            <p:ph idx="12" type="sldNum"/>
+            <p:ph type="sldNum" idx="12"/>
           </p:nvPr>
         </p:nvSpPr>
         <p:spPr>
@@ -2197,7 +2392,7 @@
           </a:prstGeom>
         </p:spPr>
         <p:txBody>
-          <a:bodyPr anchorCtr="0" anchor="ctr" bIns="91425" lIns="91425" spcFirstLastPara="1" rIns="91425" wrap="square" tIns="91425">
+          <a:bodyPr spcFirstLastPara="1" wrap="square" lIns="91425" tIns="91425" rIns="91425" bIns="91425" anchor="ctr" anchorCtr="0">
             <a:noAutofit/>
           </a:bodyPr>
           <a:lstStyle>
@@ -2239,7 +2434,7 @@
             </a:lvl9pPr>
           </a:lstStyle>
           <a:p>
-            <a:pPr indent="0" lvl="0" marL="0" rtl="0" algn="r">
+            <a:pPr marL="0" lvl="0" indent="0" algn="r" rtl="0">
               <a:spcBef>
                 <a:spcPts val="0"/>
               </a:spcBef>
@@ -2265,11 +2460,11 @@
 </file>
 
 <file path=ppt/slideLayouts/slideLayout10.xml><?xml version="1.0" encoding="utf-8"?>
-<p:sldLayout xmlns:a="http://schemas.openxmlformats.org/drawingml/2006/main" xmlns:r="http://schemas.openxmlformats.org/officeDocument/2006/relationships" xmlns:mc="http://schemas.openxmlformats.org/markup-compatibility/2006" xmlns:mv="urn:schemas-microsoft-com:mac:vml" xmlns:p="http://schemas.openxmlformats.org/presentationml/2006/main" xmlns:c="http://schemas.openxmlformats.org/drawingml/2006/chart" xmlns:dgm="http://schemas.openxmlformats.org/drawingml/2006/diagram" xmlns:o="urn:schemas-microsoft-com:office:office" xmlns:v="urn:schemas-microsoft-com:vml" xmlns:pvml="urn:schemas-microsoft-com:office:powerpoint" xmlns:com="http://schemas.openxmlformats.org/drawingml/2006/compatibility" xmlns:p14="http://schemas.microsoft.com/office/powerpoint/2010/main" xmlns:p15="http://schemas.microsoft.com/office/powerpoint/2012/main" matchingName="Big number">
+<p:sldLayout xmlns:a="http://schemas.openxmlformats.org/drawingml/2006/main" xmlns:r="http://schemas.openxmlformats.org/officeDocument/2006/relationships" xmlns:p="http://schemas.openxmlformats.org/presentationml/2006/main" matchingName="Big number">
   <p:cSld name="BIG_NUMBER">
     <p:spTree>
       <p:nvGrpSpPr>
-        <p:cNvPr id="44" name="Shape 44"/>
+        <p:cNvPr id="1" name="Shape 44"/>
         <p:cNvGrpSpPr/>
         <p:nvPr/>
       </p:nvGrpSpPr>
@@ -2284,9 +2479,11 @@
       <p:sp>
         <p:nvSpPr>
           <p:cNvPr id="45" name="Google Shape;45;p11"/>
-          <p:cNvSpPr txBox="1"/>
+          <p:cNvSpPr txBox="1">
+            <a:spLocks noGrp="1"/>
+          </p:cNvSpPr>
           <p:nvPr>
-            <p:ph hasCustomPrompt="1" type="title"/>
+            <p:ph type="title" hasCustomPrompt="1"/>
           </p:nvPr>
         </p:nvSpPr>
         <p:spPr>
@@ -2299,7 +2496,7 @@
           </a:prstGeom>
         </p:spPr>
         <p:txBody>
-          <a:bodyPr anchorCtr="0" anchor="b" bIns="91425" lIns="91425" spcFirstLastPara="1" rIns="91425" wrap="square" tIns="91425">
+          <a:bodyPr spcFirstLastPara="1" wrap="square" lIns="91425" tIns="91425" rIns="91425" bIns="91425" anchor="b" anchorCtr="0">
             <a:noAutofit/>
           </a:bodyPr>
           <a:lstStyle>
@@ -2413,9 +2610,11 @@
       <p:sp>
         <p:nvSpPr>
           <p:cNvPr id="46" name="Google Shape;46;p11"/>
-          <p:cNvSpPr txBox="1"/>
+          <p:cNvSpPr txBox="1">
+            <a:spLocks noGrp="1"/>
+          </p:cNvSpPr>
           <p:nvPr>
-            <p:ph idx="1" type="body"/>
+            <p:ph type="body" idx="1"/>
           </p:nvPr>
         </p:nvSpPr>
         <p:spPr>
@@ -2428,11 +2627,11 @@
           </a:prstGeom>
         </p:spPr>
         <p:txBody>
-          <a:bodyPr anchorCtr="0" anchor="t" bIns="91425" lIns="91425" spcFirstLastPara="1" rIns="91425" wrap="square" tIns="91425">
+          <a:bodyPr spcFirstLastPara="1" wrap="square" lIns="91425" tIns="91425" rIns="91425" bIns="91425" anchor="t" anchorCtr="0">
             <a:noAutofit/>
           </a:bodyPr>
           <a:lstStyle>
-            <a:lvl1pPr indent="-342900" lvl="0" marL="457200" algn="ctr">
+            <a:lvl1pPr marL="457200" lvl="0" indent="-342900" algn="ctr">
               <a:spcBef>
                 <a:spcPts val="0"/>
               </a:spcBef>
@@ -2443,7 +2642,7 @@
               <a:buChar char="●"/>
               <a:defRPr/>
             </a:lvl1pPr>
-            <a:lvl2pPr indent="-317500" lvl="1" marL="914400" algn="ctr">
+            <a:lvl2pPr marL="914400" lvl="1" indent="-317500" algn="ctr">
               <a:spcBef>
                 <a:spcPts val="1600"/>
               </a:spcBef>
@@ -2454,7 +2653,7 @@
               <a:buChar char="○"/>
               <a:defRPr/>
             </a:lvl2pPr>
-            <a:lvl3pPr indent="-317500" lvl="2" marL="1371600" algn="ctr">
+            <a:lvl3pPr marL="1371600" lvl="2" indent="-317500" algn="ctr">
               <a:spcBef>
                 <a:spcPts val="1600"/>
               </a:spcBef>
@@ -2465,7 +2664,7 @@
               <a:buChar char="■"/>
               <a:defRPr/>
             </a:lvl3pPr>
-            <a:lvl4pPr indent="-317500" lvl="3" marL="1828800" algn="ctr">
+            <a:lvl4pPr marL="1828800" lvl="3" indent="-317500" algn="ctr">
               <a:spcBef>
                 <a:spcPts val="1600"/>
               </a:spcBef>
@@ -2476,7 +2675,7 @@
               <a:buChar char="●"/>
               <a:defRPr/>
             </a:lvl4pPr>
-            <a:lvl5pPr indent="-317500" lvl="4" marL="2286000" algn="ctr">
+            <a:lvl5pPr marL="2286000" lvl="4" indent="-317500" algn="ctr">
               <a:spcBef>
                 <a:spcPts val="1600"/>
               </a:spcBef>
@@ -2487,7 +2686,7 @@
               <a:buChar char="○"/>
               <a:defRPr/>
             </a:lvl5pPr>
-            <a:lvl6pPr indent="-317500" lvl="5" marL="2743200" algn="ctr">
+            <a:lvl6pPr marL="2743200" lvl="5" indent="-317500" algn="ctr">
               <a:spcBef>
                 <a:spcPts val="1600"/>
               </a:spcBef>
@@ -2498,7 +2697,7 @@
               <a:buChar char="■"/>
               <a:defRPr/>
             </a:lvl6pPr>
-            <a:lvl7pPr indent="-317500" lvl="6" marL="3200400" algn="ctr">
+            <a:lvl7pPr marL="3200400" lvl="6" indent="-317500" algn="ctr">
               <a:spcBef>
                 <a:spcPts val="1600"/>
               </a:spcBef>
@@ -2509,7 +2708,7 @@
               <a:buChar char="●"/>
               <a:defRPr/>
             </a:lvl7pPr>
-            <a:lvl8pPr indent="-317500" lvl="7" marL="3657600" algn="ctr">
+            <a:lvl8pPr marL="3657600" lvl="7" indent="-317500" algn="ctr">
               <a:spcBef>
                 <a:spcPts val="1600"/>
               </a:spcBef>
@@ -2520,7 +2719,7 @@
               <a:buChar char="○"/>
               <a:defRPr/>
             </a:lvl8pPr>
-            <a:lvl9pPr indent="-317500" lvl="8" marL="4114800" algn="ctr">
+            <a:lvl9pPr marL="4114800" lvl="8" indent="-317500" algn="ctr">
               <a:spcBef>
                 <a:spcPts val="1600"/>
               </a:spcBef>
@@ -2532,15 +2731,19 @@
               <a:defRPr/>
             </a:lvl9pPr>
           </a:lstStyle>
-          <a:p/>
+          <a:p>
+            <a:endParaRPr/>
+          </a:p>
         </p:txBody>
       </p:sp>
       <p:sp>
         <p:nvSpPr>
           <p:cNvPr id="47" name="Google Shape;47;p11"/>
-          <p:cNvSpPr txBox="1"/>
+          <p:cNvSpPr txBox="1">
+            <a:spLocks noGrp="1"/>
+          </p:cNvSpPr>
           <p:nvPr>
-            <p:ph idx="12" type="sldNum"/>
+            <p:ph type="sldNum" idx="12"/>
           </p:nvPr>
         </p:nvSpPr>
         <p:spPr>
@@ -2553,7 +2756,7 @@
           </a:prstGeom>
         </p:spPr>
         <p:txBody>
-          <a:bodyPr anchorCtr="0" anchor="ctr" bIns="91425" lIns="91425" spcFirstLastPara="1" rIns="91425" wrap="square" tIns="91425">
+          <a:bodyPr spcFirstLastPara="1" wrap="square" lIns="91425" tIns="91425" rIns="91425" bIns="91425" anchor="ctr" anchorCtr="0">
             <a:noAutofit/>
           </a:bodyPr>
           <a:lstStyle>
@@ -2595,7 +2798,7 @@
             </a:lvl9pPr>
           </a:lstStyle>
           <a:p>
-            <a:pPr indent="0" lvl="0" marL="0" rtl="0" algn="r">
+            <a:pPr marL="0" lvl="0" indent="0" algn="r" rtl="0">
               <a:spcBef>
                 <a:spcPts val="0"/>
               </a:spcBef>
@@ -2621,11 +2824,11 @@
 </file>
 
 <file path=ppt/slideLayouts/slideLayout11.xml><?xml version="1.0" encoding="utf-8"?>
-<p:sldLayout xmlns:a="http://schemas.openxmlformats.org/drawingml/2006/main" xmlns:r="http://schemas.openxmlformats.org/officeDocument/2006/relationships" xmlns:mc="http://schemas.openxmlformats.org/markup-compatibility/2006" xmlns:mv="urn:schemas-microsoft-com:mac:vml" xmlns:p="http://schemas.openxmlformats.org/presentationml/2006/main" xmlns:c="http://schemas.openxmlformats.org/drawingml/2006/chart" xmlns:dgm="http://schemas.openxmlformats.org/drawingml/2006/diagram" xmlns:o="urn:schemas-microsoft-com:office:office" xmlns:v="urn:schemas-microsoft-com:vml" xmlns:pvml="urn:schemas-microsoft-com:office:powerpoint" xmlns:com="http://schemas.openxmlformats.org/drawingml/2006/compatibility" xmlns:p14="http://schemas.microsoft.com/office/powerpoint/2010/main" xmlns:p15="http://schemas.microsoft.com/office/powerpoint/2012/main" matchingName="Blank" type="blank">
+<p:sldLayout xmlns:a="http://schemas.openxmlformats.org/drawingml/2006/main" xmlns:r="http://schemas.openxmlformats.org/officeDocument/2006/relationships" xmlns:p="http://schemas.openxmlformats.org/presentationml/2006/main" matchingName="Blank" type="blank">
   <p:cSld name="BLANK">
     <p:spTree>
       <p:nvGrpSpPr>
-        <p:cNvPr id="48" name="Shape 48"/>
+        <p:cNvPr id="1" name="Shape 48"/>
         <p:cNvGrpSpPr/>
         <p:nvPr/>
       </p:nvGrpSpPr>
@@ -2640,9 +2843,11 @@
       <p:sp>
         <p:nvSpPr>
           <p:cNvPr id="49" name="Google Shape;49;p12"/>
-          <p:cNvSpPr txBox="1"/>
+          <p:cNvSpPr txBox="1">
+            <a:spLocks noGrp="1"/>
+          </p:cNvSpPr>
           <p:nvPr>
-            <p:ph idx="12" type="sldNum"/>
+            <p:ph type="sldNum" idx="12"/>
           </p:nvPr>
         </p:nvSpPr>
         <p:spPr>
@@ -2655,7 +2860,7 @@
           </a:prstGeom>
         </p:spPr>
         <p:txBody>
-          <a:bodyPr anchorCtr="0" anchor="ctr" bIns="91425" lIns="91425" spcFirstLastPara="1" rIns="91425" wrap="square" tIns="91425">
+          <a:bodyPr spcFirstLastPara="1" wrap="square" lIns="91425" tIns="91425" rIns="91425" bIns="91425" anchor="ctr" anchorCtr="0">
             <a:noAutofit/>
           </a:bodyPr>
           <a:lstStyle>
@@ -2697,7 +2902,7 @@
             </a:lvl9pPr>
           </a:lstStyle>
           <a:p>
-            <a:pPr indent="0" lvl="0" marL="0" rtl="0" algn="r">
+            <a:pPr marL="0" lvl="0" indent="0" algn="r" rtl="0">
               <a:spcBef>
                 <a:spcPts val="0"/>
               </a:spcBef>
@@ -2723,11 +2928,11 @@
 </file>
 
 <file path=ppt/slideLayouts/slideLayout2.xml><?xml version="1.0" encoding="utf-8"?>
-<p:sldLayout xmlns:a="http://schemas.openxmlformats.org/drawingml/2006/main" xmlns:r="http://schemas.openxmlformats.org/officeDocument/2006/relationships" xmlns:mc="http://schemas.openxmlformats.org/markup-compatibility/2006" xmlns:mv="urn:schemas-microsoft-com:mac:vml" xmlns:p="http://schemas.openxmlformats.org/presentationml/2006/main" xmlns:c="http://schemas.openxmlformats.org/drawingml/2006/chart" xmlns:dgm="http://schemas.openxmlformats.org/drawingml/2006/diagram" xmlns:o="urn:schemas-microsoft-com:office:office" xmlns:v="urn:schemas-microsoft-com:vml" xmlns:pvml="urn:schemas-microsoft-com:office:powerpoint" xmlns:com="http://schemas.openxmlformats.org/drawingml/2006/compatibility" xmlns:p14="http://schemas.microsoft.com/office/powerpoint/2010/main" xmlns:p15="http://schemas.microsoft.com/office/powerpoint/2012/main" matchingName="Section header" type="secHead">
+<p:sldLayout xmlns:a="http://schemas.openxmlformats.org/drawingml/2006/main" xmlns:r="http://schemas.openxmlformats.org/officeDocument/2006/relationships" xmlns:p="http://schemas.openxmlformats.org/presentationml/2006/main" matchingName="Section header" type="secHead">
   <p:cSld name="SECTION_HEADER">
     <p:spTree>
       <p:nvGrpSpPr>
-        <p:cNvPr id="13" name="Shape 13"/>
+        <p:cNvPr id="1" name="Shape 13"/>
         <p:cNvGrpSpPr/>
         <p:nvPr/>
       </p:nvGrpSpPr>
@@ -2742,7 +2947,9 @@
       <p:sp>
         <p:nvSpPr>
           <p:cNvPr id="14" name="Google Shape;14;p3"/>
-          <p:cNvSpPr txBox="1"/>
+          <p:cNvSpPr txBox="1">
+            <a:spLocks noGrp="1"/>
+          </p:cNvSpPr>
           <p:nvPr>
             <p:ph type="title"/>
           </p:nvPr>
@@ -2757,7 +2964,7 @@
           </a:prstGeom>
         </p:spPr>
         <p:txBody>
-          <a:bodyPr anchorCtr="0" anchor="ctr" bIns="91425" lIns="91425" spcFirstLastPara="1" rIns="91425" wrap="square" tIns="91425">
+          <a:bodyPr spcFirstLastPara="1" wrap="square" lIns="91425" tIns="91425" rIns="91425" bIns="91425" anchor="ctr" anchorCtr="0">
             <a:noAutofit/>
           </a:bodyPr>
           <a:lstStyle>
@@ -2861,15 +3068,19 @@
               <a:defRPr sz="3600"/>
             </a:lvl9pPr>
           </a:lstStyle>
-          <a:p/>
+          <a:p>
+            <a:endParaRPr/>
+          </a:p>
         </p:txBody>
       </p:sp>
       <p:sp>
         <p:nvSpPr>
           <p:cNvPr id="15" name="Google Shape;15;p3"/>
-          <p:cNvSpPr txBox="1"/>
+          <p:cNvSpPr txBox="1">
+            <a:spLocks noGrp="1"/>
+          </p:cNvSpPr>
           <p:nvPr>
-            <p:ph idx="12" type="sldNum"/>
+            <p:ph type="sldNum" idx="12"/>
           </p:nvPr>
         </p:nvSpPr>
         <p:spPr>
@@ -2882,7 +3093,7 @@
           </a:prstGeom>
         </p:spPr>
         <p:txBody>
-          <a:bodyPr anchorCtr="0" anchor="ctr" bIns="91425" lIns="91425" spcFirstLastPara="1" rIns="91425" wrap="square" tIns="91425">
+          <a:bodyPr spcFirstLastPara="1" wrap="square" lIns="91425" tIns="91425" rIns="91425" bIns="91425" anchor="ctr" anchorCtr="0">
             <a:noAutofit/>
           </a:bodyPr>
           <a:lstStyle>
@@ -2924,7 +3135,7 @@
             </a:lvl9pPr>
           </a:lstStyle>
           <a:p>
-            <a:pPr indent="0" lvl="0" marL="0" rtl="0" algn="r">
+            <a:pPr marL="0" lvl="0" indent="0" algn="r" rtl="0">
               <a:spcBef>
                 <a:spcPts val="0"/>
               </a:spcBef>
@@ -2950,11 +3161,11 @@
 </file>
 
 <file path=ppt/slideLayouts/slideLayout3.xml><?xml version="1.0" encoding="utf-8"?>
-<p:sldLayout xmlns:a="http://schemas.openxmlformats.org/drawingml/2006/main" xmlns:r="http://schemas.openxmlformats.org/officeDocument/2006/relationships" xmlns:mc="http://schemas.openxmlformats.org/markup-compatibility/2006" xmlns:mv="urn:schemas-microsoft-com:mac:vml" xmlns:p="http://schemas.openxmlformats.org/presentationml/2006/main" xmlns:c="http://schemas.openxmlformats.org/drawingml/2006/chart" xmlns:dgm="http://schemas.openxmlformats.org/drawingml/2006/diagram" xmlns:o="urn:schemas-microsoft-com:office:office" xmlns:v="urn:schemas-microsoft-com:vml" xmlns:pvml="urn:schemas-microsoft-com:office:powerpoint" xmlns:com="http://schemas.openxmlformats.org/drawingml/2006/compatibility" xmlns:p14="http://schemas.microsoft.com/office/powerpoint/2010/main" xmlns:p15="http://schemas.microsoft.com/office/powerpoint/2012/main" matchingName="Title and body" type="tx">
+<p:sldLayout xmlns:a="http://schemas.openxmlformats.org/drawingml/2006/main" xmlns:r="http://schemas.openxmlformats.org/officeDocument/2006/relationships" xmlns:p="http://schemas.openxmlformats.org/presentationml/2006/main" matchingName="Title and body" type="tx">
   <p:cSld name="TITLE_AND_BODY">
     <p:spTree>
       <p:nvGrpSpPr>
-        <p:cNvPr id="16" name="Shape 16"/>
+        <p:cNvPr id="1" name="Shape 16"/>
         <p:cNvGrpSpPr/>
         <p:nvPr/>
       </p:nvGrpSpPr>
@@ -2969,7 +3180,9 @@
       <p:sp>
         <p:nvSpPr>
           <p:cNvPr id="17" name="Google Shape;17;p4"/>
-          <p:cNvSpPr txBox="1"/>
+          <p:cNvSpPr txBox="1">
+            <a:spLocks noGrp="1"/>
+          </p:cNvSpPr>
           <p:nvPr>
             <p:ph type="title"/>
           </p:nvPr>
@@ -2984,7 +3197,7 @@
           </a:prstGeom>
         </p:spPr>
         <p:txBody>
-          <a:bodyPr anchorCtr="0" anchor="t" bIns="91425" lIns="91425" spcFirstLastPara="1" rIns="91425" wrap="square" tIns="91425">
+          <a:bodyPr spcFirstLastPara="1" wrap="square" lIns="91425" tIns="91425" rIns="91425" bIns="91425" anchor="t" anchorCtr="0">
             <a:noAutofit/>
           </a:bodyPr>
           <a:lstStyle>
@@ -3088,15 +3301,19 @@
               <a:defRPr/>
             </a:lvl9pPr>
           </a:lstStyle>
-          <a:p/>
+          <a:p>
+            <a:endParaRPr/>
+          </a:p>
         </p:txBody>
       </p:sp>
       <p:sp>
         <p:nvSpPr>
           <p:cNvPr id="18" name="Google Shape;18;p4"/>
-          <p:cNvSpPr txBox="1"/>
+          <p:cNvSpPr txBox="1">
+            <a:spLocks noGrp="1"/>
+          </p:cNvSpPr>
           <p:nvPr>
-            <p:ph idx="1" type="body"/>
+            <p:ph type="body" idx="1"/>
           </p:nvPr>
         </p:nvSpPr>
         <p:spPr>
@@ -3109,11 +3326,11 @@
           </a:prstGeom>
         </p:spPr>
         <p:txBody>
-          <a:bodyPr anchorCtr="0" anchor="t" bIns="91425" lIns="91425" spcFirstLastPara="1" rIns="91425" wrap="square" tIns="91425">
+          <a:bodyPr spcFirstLastPara="1" wrap="square" lIns="91425" tIns="91425" rIns="91425" bIns="91425" anchor="t" anchorCtr="0">
             <a:noAutofit/>
           </a:bodyPr>
           <a:lstStyle>
-            <a:lvl1pPr indent="-342900" lvl="0" marL="457200">
+            <a:lvl1pPr marL="457200" lvl="0" indent="-342900">
               <a:spcBef>
                 <a:spcPts val="0"/>
               </a:spcBef>
@@ -3124,7 +3341,7 @@
               <a:buChar char="●"/>
               <a:defRPr/>
             </a:lvl1pPr>
-            <a:lvl2pPr indent="-317500" lvl="1" marL="914400">
+            <a:lvl2pPr marL="914400" lvl="1" indent="-317500">
               <a:spcBef>
                 <a:spcPts val="1600"/>
               </a:spcBef>
@@ -3135,7 +3352,7 @@
               <a:buChar char="○"/>
               <a:defRPr/>
             </a:lvl2pPr>
-            <a:lvl3pPr indent="-317500" lvl="2" marL="1371600">
+            <a:lvl3pPr marL="1371600" lvl="2" indent="-317500">
               <a:spcBef>
                 <a:spcPts val="1600"/>
               </a:spcBef>
@@ -3146,7 +3363,7 @@
               <a:buChar char="■"/>
               <a:defRPr/>
             </a:lvl3pPr>
-            <a:lvl4pPr indent="-317500" lvl="3" marL="1828800">
+            <a:lvl4pPr marL="1828800" lvl="3" indent="-317500">
               <a:spcBef>
                 <a:spcPts val="1600"/>
               </a:spcBef>
@@ -3157,7 +3374,7 @@
               <a:buChar char="●"/>
               <a:defRPr/>
             </a:lvl4pPr>
-            <a:lvl5pPr indent="-317500" lvl="4" marL="2286000">
+            <a:lvl5pPr marL="2286000" lvl="4" indent="-317500">
               <a:spcBef>
                 <a:spcPts val="1600"/>
               </a:spcBef>
@@ -3168,7 +3385,7 @@
               <a:buChar char="○"/>
               <a:defRPr/>
             </a:lvl5pPr>
-            <a:lvl6pPr indent="-317500" lvl="5" marL="2743200">
+            <a:lvl6pPr marL="2743200" lvl="5" indent="-317500">
               <a:spcBef>
                 <a:spcPts val="1600"/>
               </a:spcBef>
@@ -3179,7 +3396,7 @@
               <a:buChar char="■"/>
               <a:defRPr/>
             </a:lvl6pPr>
-            <a:lvl7pPr indent="-317500" lvl="6" marL="3200400">
+            <a:lvl7pPr marL="3200400" lvl="6" indent="-317500">
               <a:spcBef>
                 <a:spcPts val="1600"/>
               </a:spcBef>
@@ -3190,7 +3407,7 @@
               <a:buChar char="●"/>
               <a:defRPr/>
             </a:lvl7pPr>
-            <a:lvl8pPr indent="-317500" lvl="7" marL="3657600">
+            <a:lvl8pPr marL="3657600" lvl="7" indent="-317500">
               <a:spcBef>
                 <a:spcPts val="1600"/>
               </a:spcBef>
@@ -3201,7 +3418,7 @@
               <a:buChar char="○"/>
               <a:defRPr/>
             </a:lvl8pPr>
-            <a:lvl9pPr indent="-317500" lvl="8" marL="4114800">
+            <a:lvl9pPr marL="4114800" lvl="8" indent="-317500">
               <a:spcBef>
                 <a:spcPts val="1600"/>
               </a:spcBef>
@@ -3213,15 +3430,19 @@
               <a:defRPr/>
             </a:lvl9pPr>
           </a:lstStyle>
-          <a:p/>
+          <a:p>
+            <a:endParaRPr/>
+          </a:p>
         </p:txBody>
       </p:sp>
       <p:sp>
         <p:nvSpPr>
           <p:cNvPr id="19" name="Google Shape;19;p4"/>
-          <p:cNvSpPr txBox="1"/>
+          <p:cNvSpPr txBox="1">
+            <a:spLocks noGrp="1"/>
+          </p:cNvSpPr>
           <p:nvPr>
-            <p:ph idx="12" type="sldNum"/>
+            <p:ph type="sldNum" idx="12"/>
           </p:nvPr>
         </p:nvSpPr>
         <p:spPr>
@@ -3234,7 +3455,7 @@
           </a:prstGeom>
         </p:spPr>
         <p:txBody>
-          <a:bodyPr anchorCtr="0" anchor="ctr" bIns="91425" lIns="91425" spcFirstLastPara="1" rIns="91425" wrap="square" tIns="91425">
+          <a:bodyPr spcFirstLastPara="1" wrap="square" lIns="91425" tIns="91425" rIns="91425" bIns="91425" anchor="ctr" anchorCtr="0">
             <a:noAutofit/>
           </a:bodyPr>
           <a:lstStyle>
@@ -3276,7 +3497,7 @@
             </a:lvl9pPr>
           </a:lstStyle>
           <a:p>
-            <a:pPr indent="0" lvl="0" marL="0" rtl="0" algn="r">
+            <a:pPr marL="0" lvl="0" indent="0" algn="r" rtl="0">
               <a:spcBef>
                 <a:spcPts val="0"/>
               </a:spcBef>
@@ -3302,11 +3523,11 @@
 </file>
 
 <file path=ppt/slideLayouts/slideLayout4.xml><?xml version="1.0" encoding="utf-8"?>
-<p:sldLayout xmlns:a="http://schemas.openxmlformats.org/drawingml/2006/main" xmlns:r="http://schemas.openxmlformats.org/officeDocument/2006/relationships" xmlns:mc="http://schemas.openxmlformats.org/markup-compatibility/2006" xmlns:mv="urn:schemas-microsoft-com:mac:vml" xmlns:p="http://schemas.openxmlformats.org/presentationml/2006/main" xmlns:c="http://schemas.openxmlformats.org/drawingml/2006/chart" xmlns:dgm="http://schemas.openxmlformats.org/drawingml/2006/diagram" xmlns:o="urn:schemas-microsoft-com:office:office" xmlns:v="urn:schemas-microsoft-com:vml" xmlns:pvml="urn:schemas-microsoft-com:office:powerpoint" xmlns:com="http://schemas.openxmlformats.org/drawingml/2006/compatibility" xmlns:p14="http://schemas.microsoft.com/office/powerpoint/2010/main" xmlns:p15="http://schemas.microsoft.com/office/powerpoint/2012/main" matchingName="Title and two columns" type="twoColTx">
+<p:sldLayout xmlns:a="http://schemas.openxmlformats.org/drawingml/2006/main" xmlns:r="http://schemas.openxmlformats.org/officeDocument/2006/relationships" xmlns:p="http://schemas.openxmlformats.org/presentationml/2006/main" matchingName="Title and two columns" type="twoColTx">
   <p:cSld name="TITLE_AND_TWO_COLUMNS">
     <p:spTree>
       <p:nvGrpSpPr>
-        <p:cNvPr id="20" name="Shape 20"/>
+        <p:cNvPr id="1" name="Shape 20"/>
         <p:cNvGrpSpPr/>
         <p:nvPr/>
       </p:nvGrpSpPr>
@@ -3321,7 +3542,9 @@
       <p:sp>
         <p:nvSpPr>
           <p:cNvPr id="21" name="Google Shape;21;p5"/>
-          <p:cNvSpPr txBox="1"/>
+          <p:cNvSpPr txBox="1">
+            <a:spLocks noGrp="1"/>
+          </p:cNvSpPr>
           <p:nvPr>
             <p:ph type="title"/>
           </p:nvPr>
@@ -3336,7 +3559,7 @@
           </a:prstGeom>
         </p:spPr>
         <p:txBody>
-          <a:bodyPr anchorCtr="0" anchor="t" bIns="91425" lIns="91425" spcFirstLastPara="1" rIns="91425" wrap="square" tIns="91425">
+          <a:bodyPr spcFirstLastPara="1" wrap="square" lIns="91425" tIns="91425" rIns="91425" bIns="91425" anchor="t" anchorCtr="0">
             <a:noAutofit/>
           </a:bodyPr>
           <a:lstStyle>
@@ -3440,15 +3663,19 @@
               <a:defRPr/>
             </a:lvl9pPr>
           </a:lstStyle>
-          <a:p/>
+          <a:p>
+            <a:endParaRPr/>
+          </a:p>
         </p:txBody>
       </p:sp>
       <p:sp>
         <p:nvSpPr>
           <p:cNvPr id="22" name="Google Shape;22;p5"/>
-          <p:cNvSpPr txBox="1"/>
+          <p:cNvSpPr txBox="1">
+            <a:spLocks noGrp="1"/>
+          </p:cNvSpPr>
           <p:nvPr>
-            <p:ph idx="1" type="body"/>
+            <p:ph type="body" idx="1"/>
           </p:nvPr>
         </p:nvSpPr>
         <p:spPr>
@@ -3461,11 +3688,11 @@
           </a:prstGeom>
         </p:spPr>
         <p:txBody>
-          <a:bodyPr anchorCtr="0" anchor="t" bIns="91425" lIns="91425" spcFirstLastPara="1" rIns="91425" wrap="square" tIns="91425">
+          <a:bodyPr spcFirstLastPara="1" wrap="square" lIns="91425" tIns="91425" rIns="91425" bIns="91425" anchor="t" anchorCtr="0">
             <a:noAutofit/>
           </a:bodyPr>
           <a:lstStyle>
-            <a:lvl1pPr indent="-317500" lvl="0" marL="457200">
+            <a:lvl1pPr marL="457200" lvl="0" indent="-317500">
               <a:spcBef>
                 <a:spcPts val="0"/>
               </a:spcBef>
@@ -3476,7 +3703,7 @@
               <a:buChar char="●"/>
               <a:defRPr sz="1400"/>
             </a:lvl1pPr>
-            <a:lvl2pPr indent="-304800" lvl="1" marL="914400">
+            <a:lvl2pPr marL="914400" lvl="1" indent="-304800">
               <a:spcBef>
                 <a:spcPts val="1600"/>
               </a:spcBef>
@@ -3487,7 +3714,7 @@
               <a:buChar char="○"/>
               <a:defRPr sz="1200"/>
             </a:lvl2pPr>
-            <a:lvl3pPr indent="-304800" lvl="2" marL="1371600">
+            <a:lvl3pPr marL="1371600" lvl="2" indent="-304800">
               <a:spcBef>
                 <a:spcPts val="1600"/>
               </a:spcBef>
@@ -3498,7 +3725,7 @@
               <a:buChar char="■"/>
               <a:defRPr sz="1200"/>
             </a:lvl3pPr>
-            <a:lvl4pPr indent="-304800" lvl="3" marL="1828800">
+            <a:lvl4pPr marL="1828800" lvl="3" indent="-304800">
               <a:spcBef>
                 <a:spcPts val="1600"/>
               </a:spcBef>
@@ -3509,7 +3736,7 @@
               <a:buChar char="●"/>
               <a:defRPr sz="1200"/>
             </a:lvl4pPr>
-            <a:lvl5pPr indent="-304800" lvl="4" marL="2286000">
+            <a:lvl5pPr marL="2286000" lvl="4" indent="-304800">
               <a:spcBef>
                 <a:spcPts val="1600"/>
               </a:spcBef>
@@ -3520,7 +3747,7 @@
               <a:buChar char="○"/>
               <a:defRPr sz="1200"/>
             </a:lvl5pPr>
-            <a:lvl6pPr indent="-304800" lvl="5" marL="2743200">
+            <a:lvl6pPr marL="2743200" lvl="5" indent="-304800">
               <a:spcBef>
                 <a:spcPts val="1600"/>
               </a:spcBef>
@@ -3531,7 +3758,7 @@
               <a:buChar char="■"/>
               <a:defRPr sz="1200"/>
             </a:lvl6pPr>
-            <a:lvl7pPr indent="-304800" lvl="6" marL="3200400">
+            <a:lvl7pPr marL="3200400" lvl="6" indent="-304800">
               <a:spcBef>
                 <a:spcPts val="1600"/>
               </a:spcBef>
@@ -3542,7 +3769,7 @@
               <a:buChar char="●"/>
               <a:defRPr sz="1200"/>
             </a:lvl7pPr>
-            <a:lvl8pPr indent="-304800" lvl="7" marL="3657600">
+            <a:lvl8pPr marL="3657600" lvl="7" indent="-304800">
               <a:spcBef>
                 <a:spcPts val="1600"/>
               </a:spcBef>
@@ -3553,7 +3780,7 @@
               <a:buChar char="○"/>
               <a:defRPr sz="1200"/>
             </a:lvl8pPr>
-            <a:lvl9pPr indent="-304800" lvl="8" marL="4114800">
+            <a:lvl9pPr marL="4114800" lvl="8" indent="-304800">
               <a:spcBef>
                 <a:spcPts val="1600"/>
               </a:spcBef>
@@ -3565,15 +3792,19 @@
               <a:defRPr sz="1200"/>
             </a:lvl9pPr>
           </a:lstStyle>
-          <a:p/>
+          <a:p>
+            <a:endParaRPr/>
+          </a:p>
         </p:txBody>
       </p:sp>
       <p:sp>
         <p:nvSpPr>
           <p:cNvPr id="23" name="Google Shape;23;p5"/>
-          <p:cNvSpPr txBox="1"/>
+          <p:cNvSpPr txBox="1">
+            <a:spLocks noGrp="1"/>
+          </p:cNvSpPr>
           <p:nvPr>
-            <p:ph idx="2" type="body"/>
+            <p:ph type="body" idx="2"/>
           </p:nvPr>
         </p:nvSpPr>
         <p:spPr>
@@ -3586,11 +3817,11 @@
           </a:prstGeom>
         </p:spPr>
         <p:txBody>
-          <a:bodyPr anchorCtr="0" anchor="t" bIns="91425" lIns="91425" spcFirstLastPara="1" rIns="91425" wrap="square" tIns="91425">
+          <a:bodyPr spcFirstLastPara="1" wrap="square" lIns="91425" tIns="91425" rIns="91425" bIns="91425" anchor="t" anchorCtr="0">
             <a:noAutofit/>
           </a:bodyPr>
           <a:lstStyle>
-            <a:lvl1pPr indent="-317500" lvl="0" marL="457200">
+            <a:lvl1pPr marL="457200" lvl="0" indent="-317500">
               <a:spcBef>
                 <a:spcPts val="0"/>
               </a:spcBef>
@@ -3601,7 +3832,7 @@
               <a:buChar char="●"/>
               <a:defRPr sz="1400"/>
             </a:lvl1pPr>
-            <a:lvl2pPr indent="-304800" lvl="1" marL="914400">
+            <a:lvl2pPr marL="914400" lvl="1" indent="-304800">
               <a:spcBef>
                 <a:spcPts val="1600"/>
               </a:spcBef>
@@ -3612,7 +3843,7 @@
               <a:buChar char="○"/>
               <a:defRPr sz="1200"/>
             </a:lvl2pPr>
-            <a:lvl3pPr indent="-304800" lvl="2" marL="1371600">
+            <a:lvl3pPr marL="1371600" lvl="2" indent="-304800">
               <a:spcBef>
                 <a:spcPts val="1600"/>
               </a:spcBef>
@@ -3623,7 +3854,7 @@
               <a:buChar char="■"/>
               <a:defRPr sz="1200"/>
             </a:lvl3pPr>
-            <a:lvl4pPr indent="-304800" lvl="3" marL="1828800">
+            <a:lvl4pPr marL="1828800" lvl="3" indent="-304800">
               <a:spcBef>
                 <a:spcPts val="1600"/>
               </a:spcBef>
@@ -3634,7 +3865,7 @@
               <a:buChar char="●"/>
               <a:defRPr sz="1200"/>
             </a:lvl4pPr>
-            <a:lvl5pPr indent="-304800" lvl="4" marL="2286000">
+            <a:lvl5pPr marL="2286000" lvl="4" indent="-304800">
               <a:spcBef>
                 <a:spcPts val="1600"/>
               </a:spcBef>
@@ -3645,7 +3876,7 @@
               <a:buChar char="○"/>
               <a:defRPr sz="1200"/>
             </a:lvl5pPr>
-            <a:lvl6pPr indent="-304800" lvl="5" marL="2743200">
+            <a:lvl6pPr marL="2743200" lvl="5" indent="-304800">
               <a:spcBef>
                 <a:spcPts val="1600"/>
               </a:spcBef>
@@ -3656,7 +3887,7 @@
               <a:buChar char="■"/>
               <a:defRPr sz="1200"/>
             </a:lvl6pPr>
-            <a:lvl7pPr indent="-304800" lvl="6" marL="3200400">
+            <a:lvl7pPr marL="3200400" lvl="6" indent="-304800">
               <a:spcBef>
                 <a:spcPts val="1600"/>
               </a:spcBef>
@@ -3667,7 +3898,7 @@
               <a:buChar char="●"/>
               <a:defRPr sz="1200"/>
             </a:lvl7pPr>
-            <a:lvl8pPr indent="-304800" lvl="7" marL="3657600">
+            <a:lvl8pPr marL="3657600" lvl="7" indent="-304800">
               <a:spcBef>
                 <a:spcPts val="1600"/>
               </a:spcBef>
@@ -3678,7 +3909,7 @@
               <a:buChar char="○"/>
               <a:defRPr sz="1200"/>
             </a:lvl8pPr>
-            <a:lvl9pPr indent="-304800" lvl="8" marL="4114800">
+            <a:lvl9pPr marL="4114800" lvl="8" indent="-304800">
               <a:spcBef>
                 <a:spcPts val="1600"/>
               </a:spcBef>
@@ -3690,15 +3921,19 @@
               <a:defRPr sz="1200"/>
             </a:lvl9pPr>
           </a:lstStyle>
-          <a:p/>
+          <a:p>
+            <a:endParaRPr/>
+          </a:p>
         </p:txBody>
       </p:sp>
       <p:sp>
         <p:nvSpPr>
           <p:cNvPr id="24" name="Google Shape;24;p5"/>
-          <p:cNvSpPr txBox="1"/>
+          <p:cNvSpPr txBox="1">
+            <a:spLocks noGrp="1"/>
+          </p:cNvSpPr>
           <p:nvPr>
-            <p:ph idx="12" type="sldNum"/>
+            <p:ph type="sldNum" idx="12"/>
           </p:nvPr>
         </p:nvSpPr>
         <p:spPr>
@@ -3711,7 +3946,7 @@
           </a:prstGeom>
         </p:spPr>
         <p:txBody>
-          <a:bodyPr anchorCtr="0" anchor="ctr" bIns="91425" lIns="91425" spcFirstLastPara="1" rIns="91425" wrap="square" tIns="91425">
+          <a:bodyPr spcFirstLastPara="1" wrap="square" lIns="91425" tIns="91425" rIns="91425" bIns="91425" anchor="ctr" anchorCtr="0">
             <a:noAutofit/>
           </a:bodyPr>
           <a:lstStyle>
@@ -3753,7 +3988,7 @@
             </a:lvl9pPr>
           </a:lstStyle>
           <a:p>
-            <a:pPr indent="0" lvl="0" marL="0" rtl="0" algn="r">
+            <a:pPr marL="0" lvl="0" indent="0" algn="r" rtl="0">
               <a:spcBef>
                 <a:spcPts val="0"/>
               </a:spcBef>
@@ -3779,11 +4014,11 @@
 </file>
 
 <file path=ppt/slideLayouts/slideLayout5.xml><?xml version="1.0" encoding="utf-8"?>
-<p:sldLayout xmlns:a="http://schemas.openxmlformats.org/drawingml/2006/main" xmlns:r="http://schemas.openxmlformats.org/officeDocument/2006/relationships" xmlns:mc="http://schemas.openxmlformats.org/markup-compatibility/2006" xmlns:mv="urn:schemas-microsoft-com:mac:vml" xmlns:p="http://schemas.openxmlformats.org/presentationml/2006/main" xmlns:c="http://schemas.openxmlformats.org/drawingml/2006/chart" xmlns:dgm="http://schemas.openxmlformats.org/drawingml/2006/diagram" xmlns:o="urn:schemas-microsoft-com:office:office" xmlns:v="urn:schemas-microsoft-com:vml" xmlns:pvml="urn:schemas-microsoft-com:office:powerpoint" xmlns:com="http://schemas.openxmlformats.org/drawingml/2006/compatibility" xmlns:p14="http://schemas.microsoft.com/office/powerpoint/2010/main" xmlns:p15="http://schemas.microsoft.com/office/powerpoint/2012/main" matchingName="Title only" type="titleOnly">
+<p:sldLayout xmlns:a="http://schemas.openxmlformats.org/drawingml/2006/main" xmlns:r="http://schemas.openxmlformats.org/officeDocument/2006/relationships" xmlns:p="http://schemas.openxmlformats.org/presentationml/2006/main" matchingName="Title only" type="titleOnly">
   <p:cSld name="TITLE_ONLY">
     <p:spTree>
       <p:nvGrpSpPr>
-        <p:cNvPr id="25" name="Shape 25"/>
+        <p:cNvPr id="1" name="Shape 25"/>
         <p:cNvGrpSpPr/>
         <p:nvPr/>
       </p:nvGrpSpPr>
@@ -3798,7 +4033,9 @@
       <p:sp>
         <p:nvSpPr>
           <p:cNvPr id="26" name="Google Shape;26;p6"/>
-          <p:cNvSpPr txBox="1"/>
+          <p:cNvSpPr txBox="1">
+            <a:spLocks noGrp="1"/>
+          </p:cNvSpPr>
           <p:nvPr>
             <p:ph type="title"/>
           </p:nvPr>
@@ -3813,7 +4050,7 @@
           </a:prstGeom>
         </p:spPr>
         <p:txBody>
-          <a:bodyPr anchorCtr="0" anchor="t" bIns="91425" lIns="91425" spcFirstLastPara="1" rIns="91425" wrap="square" tIns="91425">
+          <a:bodyPr spcFirstLastPara="1" wrap="square" lIns="91425" tIns="91425" rIns="91425" bIns="91425" anchor="t" anchorCtr="0">
             <a:noAutofit/>
           </a:bodyPr>
           <a:lstStyle>
@@ -3917,15 +4154,19 @@
               <a:defRPr/>
             </a:lvl9pPr>
           </a:lstStyle>
-          <a:p/>
+          <a:p>
+            <a:endParaRPr/>
+          </a:p>
         </p:txBody>
       </p:sp>
       <p:sp>
         <p:nvSpPr>
           <p:cNvPr id="27" name="Google Shape;27;p6"/>
-          <p:cNvSpPr txBox="1"/>
+          <p:cNvSpPr txBox="1">
+            <a:spLocks noGrp="1"/>
+          </p:cNvSpPr>
           <p:nvPr>
-            <p:ph idx="12" type="sldNum"/>
+            <p:ph type="sldNum" idx="12"/>
           </p:nvPr>
         </p:nvSpPr>
         <p:spPr>
@@ -3938,7 +4179,7 @@
           </a:prstGeom>
         </p:spPr>
         <p:txBody>
-          <a:bodyPr anchorCtr="0" anchor="ctr" bIns="91425" lIns="91425" spcFirstLastPara="1" rIns="91425" wrap="square" tIns="91425">
+          <a:bodyPr spcFirstLastPara="1" wrap="square" lIns="91425" tIns="91425" rIns="91425" bIns="91425" anchor="ctr" anchorCtr="0">
             <a:noAutofit/>
           </a:bodyPr>
           <a:lstStyle>
@@ -3980,7 +4221,7 @@
             </a:lvl9pPr>
           </a:lstStyle>
           <a:p>
-            <a:pPr indent="0" lvl="0" marL="0" rtl="0" algn="r">
+            <a:pPr marL="0" lvl="0" indent="0" algn="r" rtl="0">
               <a:spcBef>
                 <a:spcPts val="0"/>
               </a:spcBef>
@@ -4006,11 +4247,11 @@
 </file>
 
 <file path=ppt/slideLayouts/slideLayout6.xml><?xml version="1.0" encoding="utf-8"?>
-<p:sldLayout xmlns:a="http://schemas.openxmlformats.org/drawingml/2006/main" xmlns:r="http://schemas.openxmlformats.org/officeDocument/2006/relationships" xmlns:mc="http://schemas.openxmlformats.org/markup-compatibility/2006" xmlns:mv="urn:schemas-microsoft-com:mac:vml" xmlns:p="http://schemas.openxmlformats.org/presentationml/2006/main" xmlns:c="http://schemas.openxmlformats.org/drawingml/2006/chart" xmlns:dgm="http://schemas.openxmlformats.org/drawingml/2006/diagram" xmlns:o="urn:schemas-microsoft-com:office:office" xmlns:v="urn:schemas-microsoft-com:vml" xmlns:pvml="urn:schemas-microsoft-com:office:powerpoint" xmlns:com="http://schemas.openxmlformats.org/drawingml/2006/compatibility" xmlns:p14="http://schemas.microsoft.com/office/powerpoint/2010/main" xmlns:p15="http://schemas.microsoft.com/office/powerpoint/2012/main" matchingName="One column text">
+<p:sldLayout xmlns:a="http://schemas.openxmlformats.org/drawingml/2006/main" xmlns:r="http://schemas.openxmlformats.org/officeDocument/2006/relationships" xmlns:p="http://schemas.openxmlformats.org/presentationml/2006/main" matchingName="One column text">
   <p:cSld name="ONE_COLUMN_TEXT">
     <p:spTree>
       <p:nvGrpSpPr>
-        <p:cNvPr id="28" name="Shape 28"/>
+        <p:cNvPr id="1" name="Shape 28"/>
         <p:cNvGrpSpPr/>
         <p:nvPr/>
       </p:nvGrpSpPr>
@@ -4025,7 +4266,9 @@
       <p:sp>
         <p:nvSpPr>
           <p:cNvPr id="29" name="Google Shape;29;p7"/>
-          <p:cNvSpPr txBox="1"/>
+          <p:cNvSpPr txBox="1">
+            <a:spLocks noGrp="1"/>
+          </p:cNvSpPr>
           <p:nvPr>
             <p:ph type="title"/>
           </p:nvPr>
@@ -4040,7 +4283,7 @@
           </a:prstGeom>
         </p:spPr>
         <p:txBody>
-          <a:bodyPr anchorCtr="0" anchor="b" bIns="91425" lIns="91425" spcFirstLastPara="1" rIns="91425" wrap="square" tIns="91425">
+          <a:bodyPr spcFirstLastPara="1" wrap="square" lIns="91425" tIns="91425" rIns="91425" bIns="91425" anchor="b" anchorCtr="0">
             <a:noAutofit/>
           </a:bodyPr>
           <a:lstStyle>
@@ -4144,15 +4387,19 @@
               <a:defRPr sz="2400"/>
             </a:lvl9pPr>
           </a:lstStyle>
-          <a:p/>
+          <a:p>
+            <a:endParaRPr/>
+          </a:p>
         </p:txBody>
       </p:sp>
       <p:sp>
         <p:nvSpPr>
           <p:cNvPr id="30" name="Google Shape;30;p7"/>
-          <p:cNvSpPr txBox="1"/>
+          <p:cNvSpPr txBox="1">
+            <a:spLocks noGrp="1"/>
+          </p:cNvSpPr>
           <p:nvPr>
-            <p:ph idx="1" type="body"/>
+            <p:ph type="body" idx="1"/>
           </p:nvPr>
         </p:nvSpPr>
         <p:spPr>
@@ -4165,11 +4412,11 @@
           </a:prstGeom>
         </p:spPr>
         <p:txBody>
-          <a:bodyPr anchorCtr="0" anchor="t" bIns="91425" lIns="91425" spcFirstLastPara="1" rIns="91425" wrap="square" tIns="91425">
+          <a:bodyPr spcFirstLastPara="1" wrap="square" lIns="91425" tIns="91425" rIns="91425" bIns="91425" anchor="t" anchorCtr="0">
             <a:noAutofit/>
           </a:bodyPr>
           <a:lstStyle>
-            <a:lvl1pPr indent="-304800" lvl="0" marL="457200">
+            <a:lvl1pPr marL="457200" lvl="0" indent="-304800">
               <a:spcBef>
                 <a:spcPts val="0"/>
               </a:spcBef>
@@ -4180,7 +4427,7 @@
               <a:buChar char="●"/>
               <a:defRPr sz="1200"/>
             </a:lvl1pPr>
-            <a:lvl2pPr indent="-304800" lvl="1" marL="914400">
+            <a:lvl2pPr marL="914400" lvl="1" indent="-304800">
               <a:spcBef>
                 <a:spcPts val="1600"/>
               </a:spcBef>
@@ -4191,7 +4438,7 @@
               <a:buChar char="○"/>
               <a:defRPr sz="1200"/>
             </a:lvl2pPr>
-            <a:lvl3pPr indent="-304800" lvl="2" marL="1371600">
+            <a:lvl3pPr marL="1371600" lvl="2" indent="-304800">
               <a:spcBef>
                 <a:spcPts val="1600"/>
               </a:spcBef>
@@ -4202,7 +4449,7 @@
               <a:buChar char="■"/>
               <a:defRPr sz="1200"/>
             </a:lvl3pPr>
-            <a:lvl4pPr indent="-304800" lvl="3" marL="1828800">
+            <a:lvl4pPr marL="1828800" lvl="3" indent="-304800">
               <a:spcBef>
                 <a:spcPts val="1600"/>
               </a:spcBef>
@@ -4213,7 +4460,7 @@
               <a:buChar char="●"/>
               <a:defRPr sz="1200"/>
             </a:lvl4pPr>
-            <a:lvl5pPr indent="-304800" lvl="4" marL="2286000">
+            <a:lvl5pPr marL="2286000" lvl="4" indent="-304800">
               <a:spcBef>
                 <a:spcPts val="1600"/>
               </a:spcBef>
@@ -4224,7 +4471,7 @@
               <a:buChar char="○"/>
               <a:defRPr sz="1200"/>
             </a:lvl5pPr>
-            <a:lvl6pPr indent="-304800" lvl="5" marL="2743200">
+            <a:lvl6pPr marL="2743200" lvl="5" indent="-304800">
               <a:spcBef>
                 <a:spcPts val="1600"/>
               </a:spcBef>
@@ -4235,7 +4482,7 @@
               <a:buChar char="■"/>
               <a:defRPr sz="1200"/>
             </a:lvl6pPr>
-            <a:lvl7pPr indent="-304800" lvl="6" marL="3200400">
+            <a:lvl7pPr marL="3200400" lvl="6" indent="-304800">
               <a:spcBef>
                 <a:spcPts val="1600"/>
               </a:spcBef>
@@ -4246,7 +4493,7 @@
               <a:buChar char="●"/>
               <a:defRPr sz="1200"/>
             </a:lvl7pPr>
-            <a:lvl8pPr indent="-304800" lvl="7" marL="3657600">
+            <a:lvl8pPr marL="3657600" lvl="7" indent="-304800">
               <a:spcBef>
                 <a:spcPts val="1600"/>
               </a:spcBef>
@@ -4257,7 +4504,7 @@
               <a:buChar char="○"/>
               <a:defRPr sz="1200"/>
             </a:lvl8pPr>
-            <a:lvl9pPr indent="-304800" lvl="8" marL="4114800">
+            <a:lvl9pPr marL="4114800" lvl="8" indent="-304800">
               <a:spcBef>
                 <a:spcPts val="1600"/>
               </a:spcBef>
@@ -4269,15 +4516,19 @@
               <a:defRPr sz="1200"/>
             </a:lvl9pPr>
           </a:lstStyle>
-          <a:p/>
+          <a:p>
+            <a:endParaRPr/>
+          </a:p>
         </p:txBody>
       </p:sp>
       <p:sp>
         <p:nvSpPr>
           <p:cNvPr id="31" name="Google Shape;31;p7"/>
-          <p:cNvSpPr txBox="1"/>
+          <p:cNvSpPr txBox="1">
+            <a:spLocks noGrp="1"/>
+          </p:cNvSpPr>
           <p:nvPr>
-            <p:ph idx="12" type="sldNum"/>
+            <p:ph type="sldNum" idx="12"/>
           </p:nvPr>
         </p:nvSpPr>
         <p:spPr>
@@ -4290,7 +4541,7 @@
           </a:prstGeom>
         </p:spPr>
         <p:txBody>
-          <a:bodyPr anchorCtr="0" anchor="ctr" bIns="91425" lIns="91425" spcFirstLastPara="1" rIns="91425" wrap="square" tIns="91425">
+          <a:bodyPr spcFirstLastPara="1" wrap="square" lIns="91425" tIns="91425" rIns="91425" bIns="91425" anchor="ctr" anchorCtr="0">
             <a:noAutofit/>
           </a:bodyPr>
           <a:lstStyle>
@@ -4332,7 +4583,7 @@
             </a:lvl9pPr>
           </a:lstStyle>
           <a:p>
-            <a:pPr indent="0" lvl="0" marL="0" rtl="0" algn="r">
+            <a:pPr marL="0" lvl="0" indent="0" algn="r" rtl="0">
               <a:spcBef>
                 <a:spcPts val="0"/>
               </a:spcBef>
@@ -4358,11 +4609,11 @@
 </file>
 
 <file path=ppt/slideLayouts/slideLayout7.xml><?xml version="1.0" encoding="utf-8"?>
-<p:sldLayout xmlns:a="http://schemas.openxmlformats.org/drawingml/2006/main" xmlns:r="http://schemas.openxmlformats.org/officeDocument/2006/relationships" xmlns:mc="http://schemas.openxmlformats.org/markup-compatibility/2006" xmlns:mv="urn:schemas-microsoft-com:mac:vml" xmlns:p="http://schemas.openxmlformats.org/presentationml/2006/main" xmlns:c="http://schemas.openxmlformats.org/drawingml/2006/chart" xmlns:dgm="http://schemas.openxmlformats.org/drawingml/2006/diagram" xmlns:o="urn:schemas-microsoft-com:office:office" xmlns:v="urn:schemas-microsoft-com:vml" xmlns:pvml="urn:schemas-microsoft-com:office:powerpoint" xmlns:com="http://schemas.openxmlformats.org/drawingml/2006/compatibility" xmlns:p14="http://schemas.microsoft.com/office/powerpoint/2010/main" xmlns:p15="http://schemas.microsoft.com/office/powerpoint/2012/main" matchingName="Main point">
+<p:sldLayout xmlns:a="http://schemas.openxmlformats.org/drawingml/2006/main" xmlns:r="http://schemas.openxmlformats.org/officeDocument/2006/relationships" xmlns:p="http://schemas.openxmlformats.org/presentationml/2006/main" matchingName="Main point">
   <p:cSld name="MAIN_POINT">
     <p:spTree>
       <p:nvGrpSpPr>
-        <p:cNvPr id="32" name="Shape 32"/>
+        <p:cNvPr id="1" name="Shape 32"/>
         <p:cNvGrpSpPr/>
         <p:nvPr/>
       </p:nvGrpSpPr>
@@ -4377,7 +4628,9 @@
       <p:sp>
         <p:nvSpPr>
           <p:cNvPr id="33" name="Google Shape;33;p8"/>
-          <p:cNvSpPr txBox="1"/>
+          <p:cNvSpPr txBox="1">
+            <a:spLocks noGrp="1"/>
+          </p:cNvSpPr>
           <p:nvPr>
             <p:ph type="title"/>
           </p:nvPr>
@@ -4392,7 +4645,7 @@
           </a:prstGeom>
         </p:spPr>
         <p:txBody>
-          <a:bodyPr anchorCtr="0" anchor="ctr" bIns="91425" lIns="91425" spcFirstLastPara="1" rIns="91425" wrap="square" tIns="91425">
+          <a:bodyPr spcFirstLastPara="1" wrap="square" lIns="91425" tIns="91425" rIns="91425" bIns="91425" anchor="ctr" anchorCtr="0">
             <a:noAutofit/>
           </a:bodyPr>
           <a:lstStyle>
@@ -4496,15 +4749,19 @@
               <a:defRPr sz="4800"/>
             </a:lvl9pPr>
           </a:lstStyle>
-          <a:p/>
+          <a:p>
+            <a:endParaRPr/>
+          </a:p>
         </p:txBody>
       </p:sp>
       <p:sp>
         <p:nvSpPr>
           <p:cNvPr id="34" name="Google Shape;34;p8"/>
-          <p:cNvSpPr txBox="1"/>
+          <p:cNvSpPr txBox="1">
+            <a:spLocks noGrp="1"/>
+          </p:cNvSpPr>
           <p:nvPr>
-            <p:ph idx="12" type="sldNum"/>
+            <p:ph type="sldNum" idx="12"/>
           </p:nvPr>
         </p:nvSpPr>
         <p:spPr>
@@ -4517,7 +4774,7 @@
           </a:prstGeom>
         </p:spPr>
         <p:txBody>
-          <a:bodyPr anchorCtr="0" anchor="ctr" bIns="91425" lIns="91425" spcFirstLastPara="1" rIns="91425" wrap="square" tIns="91425">
+          <a:bodyPr spcFirstLastPara="1" wrap="square" lIns="91425" tIns="91425" rIns="91425" bIns="91425" anchor="ctr" anchorCtr="0">
             <a:noAutofit/>
           </a:bodyPr>
           <a:lstStyle>
@@ -4559,7 +4816,7 @@
             </a:lvl9pPr>
           </a:lstStyle>
           <a:p>
-            <a:pPr indent="0" lvl="0" marL="0" rtl="0" algn="r">
+            <a:pPr marL="0" lvl="0" indent="0" algn="r" rtl="0">
               <a:spcBef>
                 <a:spcPts val="0"/>
               </a:spcBef>
@@ -4585,11 +4842,11 @@
 </file>
 
 <file path=ppt/slideLayouts/slideLayout8.xml><?xml version="1.0" encoding="utf-8"?>
-<p:sldLayout xmlns:a="http://schemas.openxmlformats.org/drawingml/2006/main" xmlns:r="http://schemas.openxmlformats.org/officeDocument/2006/relationships" xmlns:mc="http://schemas.openxmlformats.org/markup-compatibility/2006" xmlns:mv="urn:schemas-microsoft-com:mac:vml" xmlns:p="http://schemas.openxmlformats.org/presentationml/2006/main" xmlns:c="http://schemas.openxmlformats.org/drawingml/2006/chart" xmlns:dgm="http://schemas.openxmlformats.org/drawingml/2006/diagram" xmlns:o="urn:schemas-microsoft-com:office:office" xmlns:v="urn:schemas-microsoft-com:vml" xmlns:pvml="urn:schemas-microsoft-com:office:powerpoint" xmlns:com="http://schemas.openxmlformats.org/drawingml/2006/compatibility" xmlns:p14="http://schemas.microsoft.com/office/powerpoint/2010/main" xmlns:p15="http://schemas.microsoft.com/office/powerpoint/2012/main" matchingName="Section title and description">
+<p:sldLayout xmlns:a="http://schemas.openxmlformats.org/drawingml/2006/main" xmlns:r="http://schemas.openxmlformats.org/officeDocument/2006/relationships" xmlns:p="http://schemas.openxmlformats.org/presentationml/2006/main" matchingName="Section title and description">
   <p:cSld name="SECTION_TITLE_AND_DESCRIPTION">
     <p:spTree>
       <p:nvGrpSpPr>
-        <p:cNvPr id="35" name="Shape 35"/>
+        <p:cNvPr id="1" name="Shape 35"/>
         <p:cNvGrpSpPr/>
         <p:nvPr/>
       </p:nvGrpSpPr>
@@ -4623,12 +4880,12 @@
           </a:ln>
         </p:spPr>
         <p:txBody>
-          <a:bodyPr anchorCtr="0" anchor="ctr" bIns="91425" lIns="91425" spcFirstLastPara="1" rIns="91425" wrap="square" tIns="91425">
+          <a:bodyPr spcFirstLastPara="1" wrap="square" lIns="91425" tIns="91425" rIns="91425" bIns="91425" anchor="ctr" anchorCtr="0">
             <a:noAutofit/>
           </a:bodyPr>
           <a:lstStyle/>
           <a:p>
-            <a:pPr indent="0" lvl="0" marL="0" rtl="0" algn="l">
+            <a:pPr marL="0" lvl="0" indent="0" algn="l" rtl="0">
               <a:spcBef>
                 <a:spcPts val="0"/>
               </a:spcBef>
@@ -4637,9 +4894,6 @@
               </a:spcAft>
               <a:buNone/>
             </a:pPr>
-            <a:r>
-              <a:t/>
-            </a:r>
             <a:endParaRPr/>
           </a:p>
         </p:txBody>
@@ -4647,7 +4901,9 @@
       <p:sp>
         <p:nvSpPr>
           <p:cNvPr id="37" name="Google Shape;37;p9"/>
-          <p:cNvSpPr txBox="1"/>
+          <p:cNvSpPr txBox="1">
+            <a:spLocks noGrp="1"/>
+          </p:cNvSpPr>
           <p:nvPr>
             <p:ph type="title"/>
           </p:nvPr>
@@ -4662,7 +4918,7 @@
           </a:prstGeom>
         </p:spPr>
         <p:txBody>
-          <a:bodyPr anchorCtr="0" anchor="b" bIns="91425" lIns="91425" spcFirstLastPara="1" rIns="91425" wrap="square" tIns="91425">
+          <a:bodyPr spcFirstLastPara="1" wrap="square" lIns="91425" tIns="91425" rIns="91425" bIns="91425" anchor="b" anchorCtr="0">
             <a:noAutofit/>
           </a:bodyPr>
           <a:lstStyle>
@@ -4766,15 +5022,19 @@
               <a:defRPr sz="4200"/>
             </a:lvl9pPr>
           </a:lstStyle>
-          <a:p/>
+          <a:p>
+            <a:endParaRPr/>
+          </a:p>
         </p:txBody>
       </p:sp>
       <p:sp>
         <p:nvSpPr>
           <p:cNvPr id="38" name="Google Shape;38;p9"/>
-          <p:cNvSpPr txBox="1"/>
+          <p:cNvSpPr txBox="1">
+            <a:spLocks noGrp="1"/>
+          </p:cNvSpPr>
           <p:nvPr>
-            <p:ph idx="1" type="subTitle"/>
+            <p:ph type="subTitle" idx="1"/>
           </p:nvPr>
         </p:nvSpPr>
         <p:spPr>
@@ -4787,7 +5047,7 @@
           </a:prstGeom>
         </p:spPr>
         <p:txBody>
-          <a:bodyPr anchorCtr="0" anchor="t" bIns="91425" lIns="91425" spcFirstLastPara="1" rIns="91425" wrap="square" tIns="91425">
+          <a:bodyPr spcFirstLastPara="1" wrap="square" lIns="91425" tIns="91425" rIns="91425" bIns="91425" anchor="t" anchorCtr="0">
             <a:noAutofit/>
           </a:bodyPr>
           <a:lstStyle>
@@ -4918,15 +5178,19 @@
               <a:defRPr sz="2100"/>
             </a:lvl9pPr>
           </a:lstStyle>
-          <a:p/>
+          <a:p>
+            <a:endParaRPr/>
+          </a:p>
         </p:txBody>
       </p:sp>
       <p:sp>
         <p:nvSpPr>
           <p:cNvPr id="39" name="Google Shape;39;p9"/>
-          <p:cNvSpPr txBox="1"/>
+          <p:cNvSpPr txBox="1">
+            <a:spLocks noGrp="1"/>
+          </p:cNvSpPr>
           <p:nvPr>
-            <p:ph idx="2" type="body"/>
+            <p:ph type="body" idx="2"/>
           </p:nvPr>
         </p:nvSpPr>
         <p:spPr>
@@ -4939,11 +5203,11 @@
           </a:prstGeom>
         </p:spPr>
         <p:txBody>
-          <a:bodyPr anchorCtr="0" anchor="ctr" bIns="91425" lIns="91425" spcFirstLastPara="1" rIns="91425" wrap="square" tIns="91425">
+          <a:bodyPr spcFirstLastPara="1" wrap="square" lIns="91425" tIns="91425" rIns="91425" bIns="91425" anchor="ctr" anchorCtr="0">
             <a:noAutofit/>
           </a:bodyPr>
           <a:lstStyle>
-            <a:lvl1pPr indent="-342900" lvl="0" marL="457200">
+            <a:lvl1pPr marL="457200" lvl="0" indent="-342900">
               <a:spcBef>
                 <a:spcPts val="0"/>
               </a:spcBef>
@@ -4954,7 +5218,7 @@
               <a:buChar char="●"/>
               <a:defRPr/>
             </a:lvl1pPr>
-            <a:lvl2pPr indent="-317500" lvl="1" marL="914400">
+            <a:lvl2pPr marL="914400" lvl="1" indent="-317500">
               <a:spcBef>
                 <a:spcPts val="1600"/>
               </a:spcBef>
@@ -4965,7 +5229,7 @@
               <a:buChar char="○"/>
               <a:defRPr/>
             </a:lvl2pPr>
-            <a:lvl3pPr indent="-317500" lvl="2" marL="1371600">
+            <a:lvl3pPr marL="1371600" lvl="2" indent="-317500">
               <a:spcBef>
                 <a:spcPts val="1600"/>
               </a:spcBef>
@@ -4976,7 +5240,7 @@
               <a:buChar char="■"/>
               <a:defRPr/>
             </a:lvl3pPr>
-            <a:lvl4pPr indent="-317500" lvl="3" marL="1828800">
+            <a:lvl4pPr marL="1828800" lvl="3" indent="-317500">
               <a:spcBef>
                 <a:spcPts val="1600"/>
               </a:spcBef>
@@ -4987,7 +5251,7 @@
               <a:buChar char="●"/>
               <a:defRPr/>
             </a:lvl4pPr>
-            <a:lvl5pPr indent="-317500" lvl="4" marL="2286000">
+            <a:lvl5pPr marL="2286000" lvl="4" indent="-317500">
               <a:spcBef>
                 <a:spcPts val="1600"/>
               </a:spcBef>
@@ -4998,7 +5262,7 @@
               <a:buChar char="○"/>
               <a:defRPr/>
             </a:lvl5pPr>
-            <a:lvl6pPr indent="-317500" lvl="5" marL="2743200">
+            <a:lvl6pPr marL="2743200" lvl="5" indent="-317500">
               <a:spcBef>
                 <a:spcPts val="1600"/>
               </a:spcBef>
@@ -5009,7 +5273,7 @@
               <a:buChar char="■"/>
               <a:defRPr/>
             </a:lvl6pPr>
-            <a:lvl7pPr indent="-317500" lvl="6" marL="3200400">
+            <a:lvl7pPr marL="3200400" lvl="6" indent="-317500">
               <a:spcBef>
                 <a:spcPts val="1600"/>
               </a:spcBef>
@@ -5020,7 +5284,7 @@
               <a:buChar char="●"/>
               <a:defRPr/>
             </a:lvl7pPr>
-            <a:lvl8pPr indent="-317500" lvl="7" marL="3657600">
+            <a:lvl8pPr marL="3657600" lvl="7" indent="-317500">
               <a:spcBef>
                 <a:spcPts val="1600"/>
               </a:spcBef>
@@ -5031,7 +5295,7 @@
               <a:buChar char="○"/>
               <a:defRPr/>
             </a:lvl8pPr>
-            <a:lvl9pPr indent="-317500" lvl="8" marL="4114800">
+            <a:lvl9pPr marL="4114800" lvl="8" indent="-317500">
               <a:spcBef>
                 <a:spcPts val="1600"/>
               </a:spcBef>
@@ -5043,15 +5307,19 @@
               <a:defRPr/>
             </a:lvl9pPr>
           </a:lstStyle>
-          <a:p/>
+          <a:p>
+            <a:endParaRPr/>
+          </a:p>
         </p:txBody>
       </p:sp>
       <p:sp>
         <p:nvSpPr>
           <p:cNvPr id="40" name="Google Shape;40;p9"/>
-          <p:cNvSpPr txBox="1"/>
+          <p:cNvSpPr txBox="1">
+            <a:spLocks noGrp="1"/>
+          </p:cNvSpPr>
           <p:nvPr>
-            <p:ph idx="12" type="sldNum"/>
+            <p:ph type="sldNum" idx="12"/>
           </p:nvPr>
         </p:nvSpPr>
         <p:spPr>
@@ -5064,7 +5332,7 @@
           </a:prstGeom>
         </p:spPr>
         <p:txBody>
-          <a:bodyPr anchorCtr="0" anchor="ctr" bIns="91425" lIns="91425" spcFirstLastPara="1" rIns="91425" wrap="square" tIns="91425">
+          <a:bodyPr spcFirstLastPara="1" wrap="square" lIns="91425" tIns="91425" rIns="91425" bIns="91425" anchor="ctr" anchorCtr="0">
             <a:noAutofit/>
           </a:bodyPr>
           <a:lstStyle>
@@ -5106,7 +5374,7 @@
             </a:lvl9pPr>
           </a:lstStyle>
           <a:p>
-            <a:pPr indent="0" lvl="0" marL="0" rtl="0" algn="r">
+            <a:pPr marL="0" lvl="0" indent="0" algn="r" rtl="0">
               <a:spcBef>
                 <a:spcPts val="0"/>
               </a:spcBef>
@@ -5132,11 +5400,11 @@
 </file>
 
 <file path=ppt/slideLayouts/slideLayout9.xml><?xml version="1.0" encoding="utf-8"?>
-<p:sldLayout xmlns:a="http://schemas.openxmlformats.org/drawingml/2006/main" xmlns:r="http://schemas.openxmlformats.org/officeDocument/2006/relationships" xmlns:mc="http://schemas.openxmlformats.org/markup-compatibility/2006" xmlns:mv="urn:schemas-microsoft-com:mac:vml" xmlns:p="http://schemas.openxmlformats.org/presentationml/2006/main" xmlns:c="http://schemas.openxmlformats.org/drawingml/2006/chart" xmlns:dgm="http://schemas.openxmlformats.org/drawingml/2006/diagram" xmlns:o="urn:schemas-microsoft-com:office:office" xmlns:v="urn:schemas-microsoft-com:vml" xmlns:pvml="urn:schemas-microsoft-com:office:powerpoint" xmlns:com="http://schemas.openxmlformats.org/drawingml/2006/compatibility" xmlns:p14="http://schemas.microsoft.com/office/powerpoint/2010/main" xmlns:p15="http://schemas.microsoft.com/office/powerpoint/2012/main" matchingName="Caption">
+<p:sldLayout xmlns:a="http://schemas.openxmlformats.org/drawingml/2006/main" xmlns:r="http://schemas.openxmlformats.org/officeDocument/2006/relationships" xmlns:p="http://schemas.openxmlformats.org/presentationml/2006/main" matchingName="Caption">
   <p:cSld name="CAPTION_ONLY">
     <p:spTree>
       <p:nvGrpSpPr>
-        <p:cNvPr id="41" name="Shape 41"/>
+        <p:cNvPr id="1" name="Shape 41"/>
         <p:cNvGrpSpPr/>
         <p:nvPr/>
       </p:nvGrpSpPr>
@@ -5151,9 +5419,11 @@
       <p:sp>
         <p:nvSpPr>
           <p:cNvPr id="42" name="Google Shape;42;p10"/>
-          <p:cNvSpPr txBox="1"/>
+          <p:cNvSpPr txBox="1">
+            <a:spLocks noGrp="1"/>
+          </p:cNvSpPr>
           <p:nvPr>
-            <p:ph idx="1" type="body"/>
+            <p:ph type="body" idx="1"/>
           </p:nvPr>
         </p:nvSpPr>
         <p:spPr>
@@ -5166,11 +5436,11 @@
           </a:prstGeom>
         </p:spPr>
         <p:txBody>
-          <a:bodyPr anchorCtr="0" anchor="ctr" bIns="91425" lIns="91425" spcFirstLastPara="1" rIns="91425" wrap="square" tIns="91425">
+          <a:bodyPr spcFirstLastPara="1" wrap="square" lIns="91425" tIns="91425" rIns="91425" bIns="91425" anchor="ctr" anchorCtr="0">
             <a:noAutofit/>
           </a:bodyPr>
           <a:lstStyle>
-            <a:lvl1pPr indent="-228600" lvl="0" marL="457200">
+            <a:lvl1pPr marL="457200" lvl="0" indent="-228600">
               <a:lnSpc>
                 <a:spcPct val="100000"/>
               </a:lnSpc>
@@ -5185,15 +5455,19 @@
               <a:defRPr/>
             </a:lvl1pPr>
           </a:lstStyle>
-          <a:p/>
+          <a:p>
+            <a:endParaRPr/>
+          </a:p>
         </p:txBody>
       </p:sp>
       <p:sp>
         <p:nvSpPr>
           <p:cNvPr id="43" name="Google Shape;43;p10"/>
-          <p:cNvSpPr txBox="1"/>
+          <p:cNvSpPr txBox="1">
+            <a:spLocks noGrp="1"/>
+          </p:cNvSpPr>
           <p:nvPr>
-            <p:ph idx="12" type="sldNum"/>
+            <p:ph type="sldNum" idx="12"/>
           </p:nvPr>
         </p:nvSpPr>
         <p:spPr>
@@ -5206,7 +5480,7 @@
           </a:prstGeom>
         </p:spPr>
         <p:txBody>
-          <a:bodyPr anchorCtr="0" anchor="ctr" bIns="91425" lIns="91425" spcFirstLastPara="1" rIns="91425" wrap="square" tIns="91425">
+          <a:bodyPr spcFirstLastPara="1" wrap="square" lIns="91425" tIns="91425" rIns="91425" bIns="91425" anchor="ctr" anchorCtr="0">
             <a:noAutofit/>
           </a:bodyPr>
           <a:lstStyle>
@@ -5248,7 +5522,7 @@
             </a:lvl9pPr>
           </a:lstStyle>
           <a:p>
-            <a:pPr indent="0" lvl="0" marL="0" rtl="0" algn="r">
+            <a:pPr marL="0" lvl="0" indent="0" algn="r" rtl="0">
               <a:spcBef>
                 <a:spcPts val="0"/>
               </a:spcBef>
@@ -5274,18 +5548,19 @@
 </file>
 
 <file path=ppt/slideMasters/slideMaster1.xml><?xml version="1.0" encoding="utf-8"?>
-<p:sldMaster xmlns:a="http://schemas.openxmlformats.org/drawingml/2006/main" xmlns:r="http://schemas.openxmlformats.org/officeDocument/2006/relationships" xmlns:mc="http://schemas.openxmlformats.org/markup-compatibility/2006" xmlns:mv="urn:schemas-microsoft-com:mac:vml" xmlns:p="http://schemas.openxmlformats.org/presentationml/2006/main" xmlns:c="http://schemas.openxmlformats.org/drawingml/2006/chart" xmlns:dgm="http://schemas.openxmlformats.org/drawingml/2006/diagram" xmlns:o="urn:schemas-microsoft-com:office:office" xmlns:v="urn:schemas-microsoft-com:vml" xmlns:pvml="urn:schemas-microsoft-com:office:powerpoint" xmlns:com="http://schemas.openxmlformats.org/drawingml/2006/compatibility" xmlns:p14="http://schemas.microsoft.com/office/powerpoint/2010/main" xmlns:p15="http://schemas.microsoft.com/office/powerpoint/2012/main">
+<p:sldMaster xmlns:a="http://schemas.openxmlformats.org/drawingml/2006/main" xmlns:r="http://schemas.openxmlformats.org/officeDocument/2006/relationships" xmlns:p="http://schemas.openxmlformats.org/presentationml/2006/main">
   <p:cSld name="simple-light-2">
     <p:bg>
       <p:bgPr>
         <a:solidFill>
           <a:schemeClr val="lt1"/>
         </a:solidFill>
+        <a:effectLst/>
       </p:bgPr>
     </p:bg>
     <p:spTree>
       <p:nvGrpSpPr>
-        <p:cNvPr id="5" name="Shape 5"/>
+        <p:cNvPr id="1" name="Shape 5"/>
         <p:cNvGrpSpPr/>
         <p:nvPr/>
       </p:nvGrpSpPr>
@@ -5300,7 +5575,9 @@
       <p:sp>
         <p:nvSpPr>
           <p:cNvPr id="6" name="Google Shape;6;p1"/>
-          <p:cNvSpPr txBox="1"/>
+          <p:cNvSpPr txBox="1">
+            <a:spLocks noGrp="1"/>
+          </p:cNvSpPr>
           <p:nvPr>
             <p:ph type="title"/>
           </p:nvPr>
@@ -5319,7 +5596,7 @@
           </a:ln>
         </p:spPr>
         <p:txBody>
-          <a:bodyPr anchorCtr="0" anchor="t" bIns="91425" lIns="91425" spcFirstLastPara="1" rIns="91425" wrap="square" tIns="91425">
+          <a:bodyPr spcFirstLastPara="1" wrap="square" lIns="91425" tIns="91425" rIns="91425" bIns="91425" anchor="t" anchorCtr="0">
             <a:noAutofit/>
           </a:bodyPr>
           <a:lstStyle>
@@ -5486,15 +5763,19 @@
               </a:defRPr>
             </a:lvl9pPr>
           </a:lstStyle>
-          <a:p/>
+          <a:p>
+            <a:endParaRPr/>
+          </a:p>
         </p:txBody>
       </p:sp>
       <p:sp>
         <p:nvSpPr>
           <p:cNvPr id="7" name="Google Shape;7;p1"/>
-          <p:cNvSpPr txBox="1"/>
+          <p:cNvSpPr txBox="1">
+            <a:spLocks noGrp="1"/>
+          </p:cNvSpPr>
           <p:nvPr>
-            <p:ph idx="1" type="body"/>
+            <p:ph type="body" idx="1"/>
           </p:nvPr>
         </p:nvSpPr>
         <p:spPr>
@@ -5511,11 +5792,11 @@
           </a:ln>
         </p:spPr>
         <p:txBody>
-          <a:bodyPr anchorCtr="0" anchor="t" bIns="91425" lIns="91425" spcFirstLastPara="1" rIns="91425" wrap="square" tIns="91425">
+          <a:bodyPr spcFirstLastPara="1" wrap="square" lIns="91425" tIns="91425" rIns="91425" bIns="91425" anchor="t" anchorCtr="0">
             <a:noAutofit/>
           </a:bodyPr>
           <a:lstStyle>
-            <a:lvl1pPr indent="-342900" lvl="0" marL="457200">
+            <a:lvl1pPr marL="457200" lvl="0" indent="-342900">
               <a:lnSpc>
                 <a:spcPct val="115000"/>
               </a:lnSpc>
@@ -5536,7 +5817,7 @@
                 </a:solidFill>
               </a:defRPr>
             </a:lvl1pPr>
-            <a:lvl2pPr indent="-317500" lvl="1" marL="914400">
+            <a:lvl2pPr marL="914400" lvl="1" indent="-317500">
               <a:lnSpc>
                 <a:spcPct val="115000"/>
               </a:lnSpc>
@@ -5557,7 +5838,7 @@
                 </a:solidFill>
               </a:defRPr>
             </a:lvl2pPr>
-            <a:lvl3pPr indent="-317500" lvl="2" marL="1371600">
+            <a:lvl3pPr marL="1371600" lvl="2" indent="-317500">
               <a:lnSpc>
                 <a:spcPct val="115000"/>
               </a:lnSpc>
@@ -5578,7 +5859,7 @@
                 </a:solidFill>
               </a:defRPr>
             </a:lvl3pPr>
-            <a:lvl4pPr indent="-317500" lvl="3" marL="1828800">
+            <a:lvl4pPr marL="1828800" lvl="3" indent="-317500">
               <a:lnSpc>
                 <a:spcPct val="115000"/>
               </a:lnSpc>
@@ -5599,7 +5880,7 @@
                 </a:solidFill>
               </a:defRPr>
             </a:lvl4pPr>
-            <a:lvl5pPr indent="-317500" lvl="4" marL="2286000">
+            <a:lvl5pPr marL="2286000" lvl="4" indent="-317500">
               <a:lnSpc>
                 <a:spcPct val="115000"/>
               </a:lnSpc>
@@ -5620,7 +5901,7 @@
                 </a:solidFill>
               </a:defRPr>
             </a:lvl5pPr>
-            <a:lvl6pPr indent="-317500" lvl="5" marL="2743200">
+            <a:lvl6pPr marL="2743200" lvl="5" indent="-317500">
               <a:lnSpc>
                 <a:spcPct val="115000"/>
               </a:lnSpc>
@@ -5641,7 +5922,7 @@
                 </a:solidFill>
               </a:defRPr>
             </a:lvl6pPr>
-            <a:lvl7pPr indent="-317500" lvl="6" marL="3200400">
+            <a:lvl7pPr marL="3200400" lvl="6" indent="-317500">
               <a:lnSpc>
                 <a:spcPct val="115000"/>
               </a:lnSpc>
@@ -5662,7 +5943,7 @@
                 </a:solidFill>
               </a:defRPr>
             </a:lvl7pPr>
-            <a:lvl8pPr indent="-317500" lvl="7" marL="3657600">
+            <a:lvl8pPr marL="3657600" lvl="7" indent="-317500">
               <a:lnSpc>
                 <a:spcPct val="115000"/>
               </a:lnSpc>
@@ -5683,7 +5964,7 @@
                 </a:solidFill>
               </a:defRPr>
             </a:lvl8pPr>
-            <a:lvl9pPr indent="-317500" lvl="8" marL="4114800">
+            <a:lvl9pPr marL="4114800" lvl="8" indent="-317500">
               <a:lnSpc>
                 <a:spcPct val="115000"/>
               </a:lnSpc>
@@ -5705,15 +5986,19 @@
               </a:defRPr>
             </a:lvl9pPr>
           </a:lstStyle>
-          <a:p/>
+          <a:p>
+            <a:endParaRPr/>
+          </a:p>
         </p:txBody>
       </p:sp>
       <p:sp>
         <p:nvSpPr>
           <p:cNvPr id="8" name="Google Shape;8;p1"/>
-          <p:cNvSpPr txBox="1"/>
+          <p:cNvSpPr txBox="1">
+            <a:spLocks noGrp="1"/>
+          </p:cNvSpPr>
           <p:nvPr>
-            <p:ph idx="12" type="sldNum"/>
+            <p:ph type="sldNum" idx="12"/>
           </p:nvPr>
         </p:nvSpPr>
         <p:spPr>
@@ -5730,7 +6015,7 @@
           </a:ln>
         </p:spPr>
         <p:txBody>
-          <a:bodyPr anchorCtr="0" anchor="ctr" bIns="91425" lIns="91425" spcFirstLastPara="1" rIns="91425" wrap="square" tIns="91425">
+          <a:bodyPr spcFirstLastPara="1" wrap="square" lIns="91425" tIns="91425" rIns="91425" bIns="91425" anchor="ctr" anchorCtr="0">
             <a:noAutofit/>
           </a:bodyPr>
           <a:lstStyle>
@@ -5808,7 +6093,7 @@
             </a:lvl9pPr>
           </a:lstStyle>
           <a:p>
-            <a:pPr indent="0" lvl="0" marL="0" rtl="0" algn="r">
+            <a:pPr marL="0" lvl="0" indent="0" algn="r" rtl="0">
               <a:spcBef>
                 <a:spcPts val="0"/>
               </a:spcBef>
@@ -5827,7 +6112,7 @@
       </p:sp>
     </p:spTree>
   </p:cSld>
-  <p:clrMap accent1="accent1" accent2="accent2" accent3="accent3" accent4="accent4" accent5="accent5" accent6="accent6" bg1="lt1" bg2="dk2" tx1="dk1" tx2="lt2" folHlink="folHlink" hlink="hlink"/>
+  <p:clrMap bg1="lt1" tx1="dk1" bg2="dk2" tx2="lt2" accent1="accent1" accent2="accent2" accent3="accent3" accent4="accent4" accent5="accent5" accent6="accent6" hlink="hlink" folHlink="folHlink"/>
   <p:sldLayoutIdLst>
     <p:sldLayoutId id="2147483648" r:id="rId1"/>
     <p:sldLayoutId id="2147483649" r:id="rId2"/>
@@ -5841,10 +6126,10 @@
     <p:sldLayoutId id="2147483657" r:id="rId10"/>
     <p:sldLayoutId id="2147483658" r:id="rId11"/>
   </p:sldLayoutIdLst>
-  <p:hf dt="0" ftr="0" hdr="0" sldNum="0"/>
+  <p:hf sldNum="0" hdr="0" ftr="0" dt="0"/>
   <p:txStyles>
     <p:titleStyle>
-      <a:defPPr lvl="0" marR="0" rtl="0" algn="l">
+      <a:defPPr marR="0" lvl="0" algn="l" rtl="0">
         <a:lnSpc>
           <a:spcPct val="100000"/>
         </a:lnSpc>
@@ -5855,7 +6140,7 @@
           <a:spcPts val="0"/>
         </a:spcAft>
       </a:defPPr>
-      <a:lvl1pPr lvl="0" marR="0" rtl="0" algn="l">
+      <a:lvl1pPr marR="0" lvl="0" algn="l" rtl="0">
         <a:lnSpc>
           <a:spcPct val="100000"/>
         </a:lnSpc>
@@ -5869,7 +6154,7 @@
           <a:srgbClr val="000000"/>
         </a:buClr>
         <a:buFont typeface="Arial"/>
-        <a:defRPr b="0" i="0" sz="1400" u="none" cap="none" strike="noStrike">
+        <a:defRPr sz="1400" b="0" i="0" u="none" strike="noStrike" cap="none">
           <a:solidFill>
             <a:srgbClr val="000000"/>
           </a:solidFill>
@@ -5879,7 +6164,7 @@
           <a:sym typeface="Arial"/>
         </a:defRPr>
       </a:lvl1pPr>
-      <a:lvl2pPr lvl="1" marR="0" rtl="0" algn="l">
+      <a:lvl2pPr marR="0" lvl="1" algn="l" rtl="0">
         <a:lnSpc>
           <a:spcPct val="100000"/>
         </a:lnSpc>
@@ -5893,7 +6178,7 @@
           <a:srgbClr val="000000"/>
         </a:buClr>
         <a:buFont typeface="Arial"/>
-        <a:defRPr b="0" i="0" sz="1400" u="none" cap="none" strike="noStrike">
+        <a:defRPr sz="1400" b="0" i="0" u="none" strike="noStrike" cap="none">
           <a:solidFill>
             <a:srgbClr val="000000"/>
           </a:solidFill>
@@ -5903,7 +6188,7 @@
           <a:sym typeface="Arial"/>
         </a:defRPr>
       </a:lvl2pPr>
-      <a:lvl3pPr lvl="2" marR="0" rtl="0" algn="l">
+      <a:lvl3pPr marR="0" lvl="2" algn="l" rtl="0">
         <a:lnSpc>
           <a:spcPct val="100000"/>
         </a:lnSpc>
@@ -5917,7 +6202,7 @@
           <a:srgbClr val="000000"/>
         </a:buClr>
         <a:buFont typeface="Arial"/>
-        <a:defRPr b="0" i="0" sz="1400" u="none" cap="none" strike="noStrike">
+        <a:defRPr sz="1400" b="0" i="0" u="none" strike="noStrike" cap="none">
           <a:solidFill>
             <a:srgbClr val="000000"/>
           </a:solidFill>
@@ -5927,7 +6212,7 @@
           <a:sym typeface="Arial"/>
         </a:defRPr>
       </a:lvl3pPr>
-      <a:lvl4pPr lvl="3" marR="0" rtl="0" algn="l">
+      <a:lvl4pPr marR="0" lvl="3" algn="l" rtl="0">
         <a:lnSpc>
           <a:spcPct val="100000"/>
         </a:lnSpc>
@@ -5941,7 +6226,7 @@
           <a:srgbClr val="000000"/>
         </a:buClr>
         <a:buFont typeface="Arial"/>
-        <a:defRPr b="0" i="0" sz="1400" u="none" cap="none" strike="noStrike">
+        <a:defRPr sz="1400" b="0" i="0" u="none" strike="noStrike" cap="none">
           <a:solidFill>
             <a:srgbClr val="000000"/>
           </a:solidFill>
@@ -5951,7 +6236,7 @@
           <a:sym typeface="Arial"/>
         </a:defRPr>
       </a:lvl4pPr>
-      <a:lvl5pPr lvl="4" marR="0" rtl="0" algn="l">
+      <a:lvl5pPr marR="0" lvl="4" algn="l" rtl="0">
         <a:lnSpc>
           <a:spcPct val="100000"/>
         </a:lnSpc>
@@ -5965,7 +6250,7 @@
           <a:srgbClr val="000000"/>
         </a:buClr>
         <a:buFont typeface="Arial"/>
-        <a:defRPr b="0" i="0" sz="1400" u="none" cap="none" strike="noStrike">
+        <a:defRPr sz="1400" b="0" i="0" u="none" strike="noStrike" cap="none">
           <a:solidFill>
             <a:srgbClr val="000000"/>
           </a:solidFill>
@@ -5975,7 +6260,7 @@
           <a:sym typeface="Arial"/>
         </a:defRPr>
       </a:lvl5pPr>
-      <a:lvl6pPr lvl="5" marR="0" rtl="0" algn="l">
+      <a:lvl6pPr marR="0" lvl="5" algn="l" rtl="0">
         <a:lnSpc>
           <a:spcPct val="100000"/>
         </a:lnSpc>
@@ -5989,7 +6274,7 @@
           <a:srgbClr val="000000"/>
         </a:buClr>
         <a:buFont typeface="Arial"/>
-        <a:defRPr b="0" i="0" sz="1400" u="none" cap="none" strike="noStrike">
+        <a:defRPr sz="1400" b="0" i="0" u="none" strike="noStrike" cap="none">
           <a:solidFill>
             <a:srgbClr val="000000"/>
           </a:solidFill>
@@ -5999,7 +6284,7 @@
           <a:sym typeface="Arial"/>
         </a:defRPr>
       </a:lvl6pPr>
-      <a:lvl7pPr lvl="6" marR="0" rtl="0" algn="l">
+      <a:lvl7pPr marR="0" lvl="6" algn="l" rtl="0">
         <a:lnSpc>
           <a:spcPct val="100000"/>
         </a:lnSpc>
@@ -6013,7 +6298,7 @@
           <a:srgbClr val="000000"/>
         </a:buClr>
         <a:buFont typeface="Arial"/>
-        <a:defRPr b="0" i="0" sz="1400" u="none" cap="none" strike="noStrike">
+        <a:defRPr sz="1400" b="0" i="0" u="none" strike="noStrike" cap="none">
           <a:solidFill>
             <a:srgbClr val="000000"/>
           </a:solidFill>
@@ -6023,7 +6308,7 @@
           <a:sym typeface="Arial"/>
         </a:defRPr>
       </a:lvl7pPr>
-      <a:lvl8pPr lvl="7" marR="0" rtl="0" algn="l">
+      <a:lvl8pPr marR="0" lvl="7" algn="l" rtl="0">
         <a:lnSpc>
           <a:spcPct val="100000"/>
         </a:lnSpc>
@@ -6037,7 +6322,7 @@
           <a:srgbClr val="000000"/>
         </a:buClr>
         <a:buFont typeface="Arial"/>
-        <a:defRPr b="0" i="0" sz="1400" u="none" cap="none" strike="noStrike">
+        <a:defRPr sz="1400" b="0" i="0" u="none" strike="noStrike" cap="none">
           <a:solidFill>
             <a:srgbClr val="000000"/>
           </a:solidFill>
@@ -6047,7 +6332,7 @@
           <a:sym typeface="Arial"/>
         </a:defRPr>
       </a:lvl8pPr>
-      <a:lvl9pPr lvl="8" marR="0" rtl="0" algn="l">
+      <a:lvl9pPr marR="0" lvl="8" algn="l" rtl="0">
         <a:lnSpc>
           <a:spcPct val="100000"/>
         </a:lnSpc>
@@ -6061,7 +6346,7 @@
           <a:srgbClr val="000000"/>
         </a:buClr>
         <a:buFont typeface="Arial"/>
-        <a:defRPr b="0" i="0" sz="1400" u="none" cap="none" strike="noStrike">
+        <a:defRPr sz="1400" b="0" i="0" u="none" strike="noStrike" cap="none">
           <a:solidFill>
             <a:srgbClr val="000000"/>
           </a:solidFill>
@@ -6073,7 +6358,7 @@
       </a:lvl9pPr>
     </p:titleStyle>
     <p:bodyStyle>
-      <a:defPPr lvl="0" marR="0" rtl="0" algn="l">
+      <a:defPPr marR="0" lvl="0" algn="l" rtl="0">
         <a:lnSpc>
           <a:spcPct val="100000"/>
         </a:lnSpc>
@@ -6084,7 +6369,7 @@
           <a:spcPts val="0"/>
         </a:spcAft>
       </a:defPPr>
-      <a:lvl1pPr lvl="0" marR="0" rtl="0" algn="l">
+      <a:lvl1pPr marR="0" lvl="0" algn="l" rtl="0">
         <a:lnSpc>
           <a:spcPct val="100000"/>
         </a:lnSpc>
@@ -6098,7 +6383,7 @@
           <a:srgbClr val="000000"/>
         </a:buClr>
         <a:buFont typeface="Arial"/>
-        <a:defRPr b="0" i="0" sz="1400" u="none" cap="none" strike="noStrike">
+        <a:defRPr sz="1400" b="0" i="0" u="none" strike="noStrike" cap="none">
           <a:solidFill>
             <a:srgbClr val="000000"/>
           </a:solidFill>
@@ -6108,7 +6393,7 @@
           <a:sym typeface="Arial"/>
         </a:defRPr>
       </a:lvl1pPr>
-      <a:lvl2pPr lvl="1" marR="0" rtl="0" algn="l">
+      <a:lvl2pPr marR="0" lvl="1" algn="l" rtl="0">
         <a:lnSpc>
           <a:spcPct val="100000"/>
         </a:lnSpc>
@@ -6122,7 +6407,7 @@
           <a:srgbClr val="000000"/>
         </a:buClr>
         <a:buFont typeface="Arial"/>
-        <a:defRPr b="0" i="0" sz="1400" u="none" cap="none" strike="noStrike">
+        <a:defRPr sz="1400" b="0" i="0" u="none" strike="noStrike" cap="none">
           <a:solidFill>
             <a:srgbClr val="000000"/>
           </a:solidFill>
@@ -6132,7 +6417,7 @@
           <a:sym typeface="Arial"/>
         </a:defRPr>
       </a:lvl2pPr>
-      <a:lvl3pPr lvl="2" marR="0" rtl="0" algn="l">
+      <a:lvl3pPr marR="0" lvl="2" algn="l" rtl="0">
         <a:lnSpc>
           <a:spcPct val="100000"/>
         </a:lnSpc>
@@ -6146,7 +6431,7 @@
           <a:srgbClr val="000000"/>
         </a:buClr>
         <a:buFont typeface="Arial"/>
-        <a:defRPr b="0" i="0" sz="1400" u="none" cap="none" strike="noStrike">
+        <a:defRPr sz="1400" b="0" i="0" u="none" strike="noStrike" cap="none">
           <a:solidFill>
             <a:srgbClr val="000000"/>
           </a:solidFill>
@@ -6156,7 +6441,7 @@
           <a:sym typeface="Arial"/>
         </a:defRPr>
       </a:lvl3pPr>
-      <a:lvl4pPr lvl="3" marR="0" rtl="0" algn="l">
+      <a:lvl4pPr marR="0" lvl="3" algn="l" rtl="0">
         <a:lnSpc>
           <a:spcPct val="100000"/>
         </a:lnSpc>
@@ -6170,7 +6455,7 @@
           <a:srgbClr val="000000"/>
         </a:buClr>
         <a:buFont typeface="Arial"/>
-        <a:defRPr b="0" i="0" sz="1400" u="none" cap="none" strike="noStrike">
+        <a:defRPr sz="1400" b="0" i="0" u="none" strike="noStrike" cap="none">
           <a:solidFill>
             <a:srgbClr val="000000"/>
           </a:solidFill>
@@ -6180,7 +6465,7 @@
           <a:sym typeface="Arial"/>
         </a:defRPr>
       </a:lvl4pPr>
-      <a:lvl5pPr lvl="4" marR="0" rtl="0" algn="l">
+      <a:lvl5pPr marR="0" lvl="4" algn="l" rtl="0">
         <a:lnSpc>
           <a:spcPct val="100000"/>
         </a:lnSpc>
@@ -6194,7 +6479,7 @@
           <a:srgbClr val="000000"/>
         </a:buClr>
         <a:buFont typeface="Arial"/>
-        <a:defRPr b="0" i="0" sz="1400" u="none" cap="none" strike="noStrike">
+        <a:defRPr sz="1400" b="0" i="0" u="none" strike="noStrike" cap="none">
           <a:solidFill>
             <a:srgbClr val="000000"/>
           </a:solidFill>
@@ -6204,7 +6489,7 @@
           <a:sym typeface="Arial"/>
         </a:defRPr>
       </a:lvl5pPr>
-      <a:lvl6pPr lvl="5" marR="0" rtl="0" algn="l">
+      <a:lvl6pPr marR="0" lvl="5" algn="l" rtl="0">
         <a:lnSpc>
           <a:spcPct val="100000"/>
         </a:lnSpc>
@@ -6218,7 +6503,7 @@
           <a:srgbClr val="000000"/>
         </a:buClr>
         <a:buFont typeface="Arial"/>
-        <a:defRPr b="0" i="0" sz="1400" u="none" cap="none" strike="noStrike">
+        <a:defRPr sz="1400" b="0" i="0" u="none" strike="noStrike" cap="none">
           <a:solidFill>
             <a:srgbClr val="000000"/>
           </a:solidFill>
@@ -6228,7 +6513,7 @@
           <a:sym typeface="Arial"/>
         </a:defRPr>
       </a:lvl6pPr>
-      <a:lvl7pPr lvl="6" marR="0" rtl="0" algn="l">
+      <a:lvl7pPr marR="0" lvl="6" algn="l" rtl="0">
         <a:lnSpc>
           <a:spcPct val="100000"/>
         </a:lnSpc>
@@ -6242,7 +6527,7 @@
           <a:srgbClr val="000000"/>
         </a:buClr>
         <a:buFont typeface="Arial"/>
-        <a:defRPr b="0" i="0" sz="1400" u="none" cap="none" strike="noStrike">
+        <a:defRPr sz="1400" b="0" i="0" u="none" strike="noStrike" cap="none">
           <a:solidFill>
             <a:srgbClr val="000000"/>
           </a:solidFill>
@@ -6252,7 +6537,7 @@
           <a:sym typeface="Arial"/>
         </a:defRPr>
       </a:lvl7pPr>
-      <a:lvl8pPr lvl="7" marR="0" rtl="0" algn="l">
+      <a:lvl8pPr marR="0" lvl="7" algn="l" rtl="0">
         <a:lnSpc>
           <a:spcPct val="100000"/>
         </a:lnSpc>
@@ -6266,7 +6551,7 @@
           <a:srgbClr val="000000"/>
         </a:buClr>
         <a:buFont typeface="Arial"/>
-        <a:defRPr b="0" i="0" sz="1400" u="none" cap="none" strike="noStrike">
+        <a:defRPr sz="1400" b="0" i="0" u="none" strike="noStrike" cap="none">
           <a:solidFill>
             <a:srgbClr val="000000"/>
           </a:solidFill>
@@ -6276,7 +6561,7 @@
           <a:sym typeface="Arial"/>
         </a:defRPr>
       </a:lvl8pPr>
-      <a:lvl9pPr lvl="8" marR="0" rtl="0" algn="l">
+      <a:lvl9pPr marR="0" lvl="8" algn="l" rtl="0">
         <a:lnSpc>
           <a:spcPct val="100000"/>
         </a:lnSpc>
@@ -6290,7 +6575,7 @@
           <a:srgbClr val="000000"/>
         </a:buClr>
         <a:buFont typeface="Arial"/>
-        <a:defRPr b="0" i="0" sz="1400" u="none" cap="none" strike="noStrike">
+        <a:defRPr sz="1400" b="0" i="0" u="none" strike="noStrike" cap="none">
           <a:solidFill>
             <a:srgbClr val="000000"/>
           </a:solidFill>
@@ -6302,7 +6587,7 @@
       </a:lvl9pPr>
     </p:bodyStyle>
     <p:otherStyle>
-      <a:defPPr lvl="0" marR="0" rtl="0" algn="l">
+      <a:defPPr marR="0" lvl="0" algn="l" rtl="0">
         <a:lnSpc>
           <a:spcPct val="100000"/>
         </a:lnSpc>
@@ -6313,7 +6598,7 @@
           <a:spcPts val="0"/>
         </a:spcAft>
       </a:defPPr>
-      <a:lvl1pPr lvl="0" marR="0" rtl="0" algn="l">
+      <a:lvl1pPr marR="0" lvl="0" algn="l" rtl="0">
         <a:lnSpc>
           <a:spcPct val="100000"/>
         </a:lnSpc>
@@ -6327,7 +6612,7 @@
           <a:srgbClr val="000000"/>
         </a:buClr>
         <a:buFont typeface="Arial"/>
-        <a:defRPr b="0" i="0" sz="1400" u="none" cap="none" strike="noStrike">
+        <a:defRPr sz="1400" b="0" i="0" u="none" strike="noStrike" cap="none">
           <a:solidFill>
             <a:srgbClr val="000000"/>
           </a:solidFill>
@@ -6337,7 +6622,7 @@
           <a:sym typeface="Arial"/>
         </a:defRPr>
       </a:lvl1pPr>
-      <a:lvl2pPr lvl="1" marR="0" rtl="0" algn="l">
+      <a:lvl2pPr marR="0" lvl="1" algn="l" rtl="0">
         <a:lnSpc>
           <a:spcPct val="100000"/>
         </a:lnSpc>
@@ -6351,7 +6636,7 @@
           <a:srgbClr val="000000"/>
         </a:buClr>
         <a:buFont typeface="Arial"/>
-        <a:defRPr b="0" i="0" sz="1400" u="none" cap="none" strike="noStrike">
+        <a:defRPr sz="1400" b="0" i="0" u="none" strike="noStrike" cap="none">
           <a:solidFill>
             <a:srgbClr val="000000"/>
           </a:solidFill>
@@ -6361,7 +6646,7 @@
           <a:sym typeface="Arial"/>
         </a:defRPr>
       </a:lvl2pPr>
-      <a:lvl3pPr lvl="2" marR="0" rtl="0" algn="l">
+      <a:lvl3pPr marR="0" lvl="2" algn="l" rtl="0">
         <a:lnSpc>
           <a:spcPct val="100000"/>
         </a:lnSpc>
@@ -6375,7 +6660,7 @@
           <a:srgbClr val="000000"/>
         </a:buClr>
         <a:buFont typeface="Arial"/>
-        <a:defRPr b="0" i="0" sz="1400" u="none" cap="none" strike="noStrike">
+        <a:defRPr sz="1400" b="0" i="0" u="none" strike="noStrike" cap="none">
           <a:solidFill>
             <a:srgbClr val="000000"/>
           </a:solidFill>
@@ -6385,7 +6670,7 @@
           <a:sym typeface="Arial"/>
         </a:defRPr>
       </a:lvl3pPr>
-      <a:lvl4pPr lvl="3" marR="0" rtl="0" algn="l">
+      <a:lvl4pPr marR="0" lvl="3" algn="l" rtl="0">
         <a:lnSpc>
           <a:spcPct val="100000"/>
         </a:lnSpc>
@@ -6399,7 +6684,7 @@
           <a:srgbClr val="000000"/>
         </a:buClr>
         <a:buFont typeface="Arial"/>
-        <a:defRPr b="0" i="0" sz="1400" u="none" cap="none" strike="noStrike">
+        <a:defRPr sz="1400" b="0" i="0" u="none" strike="noStrike" cap="none">
           <a:solidFill>
             <a:srgbClr val="000000"/>
           </a:solidFill>
@@ -6409,7 +6694,7 @@
           <a:sym typeface="Arial"/>
         </a:defRPr>
       </a:lvl4pPr>
-      <a:lvl5pPr lvl="4" marR="0" rtl="0" algn="l">
+      <a:lvl5pPr marR="0" lvl="4" algn="l" rtl="0">
         <a:lnSpc>
           <a:spcPct val="100000"/>
         </a:lnSpc>
@@ -6423,7 +6708,7 @@
           <a:srgbClr val="000000"/>
         </a:buClr>
         <a:buFont typeface="Arial"/>
-        <a:defRPr b="0" i="0" sz="1400" u="none" cap="none" strike="noStrike">
+        <a:defRPr sz="1400" b="0" i="0" u="none" strike="noStrike" cap="none">
           <a:solidFill>
             <a:srgbClr val="000000"/>
           </a:solidFill>
@@ -6433,7 +6718,7 @@
           <a:sym typeface="Arial"/>
         </a:defRPr>
       </a:lvl5pPr>
-      <a:lvl6pPr lvl="5" marR="0" rtl="0" algn="l">
+      <a:lvl6pPr marR="0" lvl="5" algn="l" rtl="0">
         <a:lnSpc>
           <a:spcPct val="100000"/>
         </a:lnSpc>
@@ -6447,7 +6732,7 @@
           <a:srgbClr val="000000"/>
         </a:buClr>
         <a:buFont typeface="Arial"/>
-        <a:defRPr b="0" i="0" sz="1400" u="none" cap="none" strike="noStrike">
+        <a:defRPr sz="1400" b="0" i="0" u="none" strike="noStrike" cap="none">
           <a:solidFill>
             <a:srgbClr val="000000"/>
           </a:solidFill>
@@ -6457,7 +6742,7 @@
           <a:sym typeface="Arial"/>
         </a:defRPr>
       </a:lvl6pPr>
-      <a:lvl7pPr lvl="6" marR="0" rtl="0" algn="l">
+      <a:lvl7pPr marR="0" lvl="6" algn="l" rtl="0">
         <a:lnSpc>
           <a:spcPct val="100000"/>
         </a:lnSpc>
@@ -6471,7 +6756,7 @@
           <a:srgbClr val="000000"/>
         </a:buClr>
         <a:buFont typeface="Arial"/>
-        <a:defRPr b="0" i="0" sz="1400" u="none" cap="none" strike="noStrike">
+        <a:defRPr sz="1400" b="0" i="0" u="none" strike="noStrike" cap="none">
           <a:solidFill>
             <a:srgbClr val="000000"/>
           </a:solidFill>
@@ -6481,7 +6766,7 @@
           <a:sym typeface="Arial"/>
         </a:defRPr>
       </a:lvl7pPr>
-      <a:lvl8pPr lvl="7" marR="0" rtl="0" algn="l">
+      <a:lvl8pPr marR="0" lvl="7" algn="l" rtl="0">
         <a:lnSpc>
           <a:spcPct val="100000"/>
         </a:lnSpc>
@@ -6495,7 +6780,7 @@
           <a:srgbClr val="000000"/>
         </a:buClr>
         <a:buFont typeface="Arial"/>
-        <a:defRPr b="0" i="0" sz="1400" u="none" cap="none" strike="noStrike">
+        <a:defRPr sz="1400" b="0" i="0" u="none" strike="noStrike" cap="none">
           <a:solidFill>
             <a:srgbClr val="000000"/>
           </a:solidFill>
@@ -6505,7 +6790,7 @@
           <a:sym typeface="Arial"/>
         </a:defRPr>
       </a:lvl8pPr>
-      <a:lvl9pPr lvl="8" marR="0" rtl="0" algn="l">
+      <a:lvl9pPr marR="0" lvl="8" algn="l" rtl="0">
         <a:lnSpc>
           <a:spcPct val="100000"/>
         </a:lnSpc>
@@ -6519,7 +6804,7 @@
           <a:srgbClr val="000000"/>
         </a:buClr>
         <a:buFont typeface="Arial"/>
-        <a:defRPr b="0" i="0" sz="1400" u="none" cap="none" strike="noStrike">
+        <a:defRPr sz="1400" b="0" i="0" u="none" strike="noStrike" cap="none">
           <a:solidFill>
             <a:srgbClr val="000000"/>
           </a:solidFill>
@@ -6535,11 +6820,11 @@
 </file>
 
 <file path=ppt/slides/slide1.xml><?xml version="1.0" encoding="utf-8"?>
-<p:sld xmlns:a="http://schemas.openxmlformats.org/drawingml/2006/main" xmlns:r="http://schemas.openxmlformats.org/officeDocument/2006/relationships" xmlns:mc="http://schemas.openxmlformats.org/markup-compatibility/2006" xmlns:mv="urn:schemas-microsoft-com:mac:vml" xmlns:p="http://schemas.openxmlformats.org/presentationml/2006/main" xmlns:c="http://schemas.openxmlformats.org/drawingml/2006/chart" xmlns:dgm="http://schemas.openxmlformats.org/drawingml/2006/diagram" xmlns:o="urn:schemas-microsoft-com:office:office" xmlns:v="urn:schemas-microsoft-com:vml" xmlns:pvml="urn:schemas-microsoft-com:office:powerpoint" xmlns:com="http://schemas.openxmlformats.org/drawingml/2006/compatibility" xmlns:p14="http://schemas.microsoft.com/office/powerpoint/2010/main" xmlns:p15="http://schemas.microsoft.com/office/powerpoint/2012/main">
+<p:sld xmlns:a="http://schemas.openxmlformats.org/drawingml/2006/main" xmlns:r="http://schemas.openxmlformats.org/officeDocument/2006/relationships" xmlns:p="http://schemas.openxmlformats.org/presentationml/2006/main">
   <p:cSld>
     <p:spTree>
       <p:nvGrpSpPr>
-        <p:cNvPr id="53" name="Shape 53"/>
+        <p:cNvPr id="1" name="Shape 53"/>
         <p:cNvGrpSpPr/>
         <p:nvPr/>
       </p:nvGrpSpPr>
@@ -6554,7 +6839,9 @@
       <p:sp>
         <p:nvSpPr>
           <p:cNvPr id="54" name="Google Shape;54;p13"/>
-          <p:cNvSpPr txBox="1"/>
+          <p:cNvSpPr txBox="1">
+            <a:spLocks noGrp="1"/>
+          </p:cNvSpPr>
           <p:nvPr>
             <p:ph type="ctrTitle"/>
           </p:nvPr>
@@ -6569,12 +6856,12 @@
           </a:prstGeom>
         </p:spPr>
         <p:txBody>
-          <a:bodyPr anchorCtr="0" anchor="b" bIns="91425" lIns="91425" spcFirstLastPara="1" rIns="91425" wrap="square" tIns="91425">
+          <a:bodyPr spcFirstLastPara="1" wrap="square" lIns="91425" tIns="91425" rIns="91425" bIns="91425" anchor="b" anchorCtr="0">
             <a:noAutofit/>
           </a:bodyPr>
           <a:lstStyle/>
           <a:p>
-            <a:pPr indent="0" lvl="0" marL="0" rtl="0" algn="ctr">
+            <a:pPr marL="0" lvl="0" indent="0" algn="ctr" rtl="0">
               <a:spcBef>
                 <a:spcPts val="0"/>
               </a:spcBef>
@@ -6594,9 +6881,11 @@
       <p:sp>
         <p:nvSpPr>
           <p:cNvPr id="55" name="Google Shape;55;p13"/>
-          <p:cNvSpPr txBox="1"/>
+          <p:cNvSpPr txBox="1">
+            <a:spLocks noGrp="1"/>
+          </p:cNvSpPr>
           <p:nvPr>
-            <p:ph idx="1" type="subTitle"/>
+            <p:ph type="subTitle" idx="1"/>
           </p:nvPr>
         </p:nvSpPr>
         <p:spPr>
@@ -6609,12 +6898,12 @@
           </a:prstGeom>
         </p:spPr>
         <p:txBody>
-          <a:bodyPr anchorCtr="0" anchor="t" bIns="91425" lIns="91425" spcFirstLastPara="1" rIns="91425" wrap="square" tIns="91425">
+          <a:bodyPr spcFirstLastPara="1" wrap="square" lIns="91425" tIns="91425" rIns="91425" bIns="91425" anchor="t" anchorCtr="0">
             <a:noAutofit/>
           </a:bodyPr>
           <a:lstStyle/>
           <a:p>
-            <a:pPr indent="0" lvl="0" marL="0" rtl="0" algn="ctr">
+            <a:pPr marL="0" lvl="0" indent="0" algn="ctr" rtl="0">
               <a:spcBef>
                 <a:spcPts val="0"/>
               </a:spcBef>
@@ -6640,11 +6929,148 @@
 </file>
 
 <file path=ppt/slides/slide10.xml><?xml version="1.0" encoding="utf-8"?>
-<p:sld xmlns:a="http://schemas.openxmlformats.org/drawingml/2006/main" xmlns:r="http://schemas.openxmlformats.org/officeDocument/2006/relationships" xmlns:mc="http://schemas.openxmlformats.org/markup-compatibility/2006" xmlns:mv="urn:schemas-microsoft-com:mac:vml" xmlns:p="http://schemas.openxmlformats.org/presentationml/2006/main" xmlns:c="http://schemas.openxmlformats.org/drawingml/2006/chart" xmlns:dgm="http://schemas.openxmlformats.org/drawingml/2006/diagram" xmlns:o="urn:schemas-microsoft-com:office:office" xmlns:v="urn:schemas-microsoft-com:vml" xmlns:pvml="urn:schemas-microsoft-com:office:powerpoint" xmlns:com="http://schemas.openxmlformats.org/drawingml/2006/compatibility" xmlns:p14="http://schemas.microsoft.com/office/powerpoint/2010/main" xmlns:p15="http://schemas.microsoft.com/office/powerpoint/2012/main">
+<p:sld xmlns:a="http://schemas.openxmlformats.org/drawingml/2006/main" xmlns:r="http://schemas.openxmlformats.org/officeDocument/2006/relationships" xmlns:p="http://schemas.openxmlformats.org/presentationml/2006/main">
   <p:cSld>
     <p:spTree>
       <p:nvGrpSpPr>
-        <p:cNvPr id="107" name="Shape 107"/>
+        <p:cNvPr id="1" name="Shape 101"/>
+        <p:cNvGrpSpPr/>
+        <p:nvPr/>
+      </p:nvGrpSpPr>
+      <p:grpSpPr>
+        <a:xfrm>
+          <a:off x="0" y="0"/>
+          <a:ext cx="0" cy="0"/>
+          <a:chOff x="0" y="0"/>
+          <a:chExt cx="0" cy="0"/>
+        </a:xfrm>
+      </p:grpSpPr>
+      <p:sp>
+        <p:nvSpPr>
+          <p:cNvPr id="102" name="Google Shape;102;p21"/>
+          <p:cNvSpPr txBox="1">
+            <a:spLocks noGrp="1"/>
+          </p:cNvSpPr>
+          <p:nvPr>
+            <p:ph type="title"/>
+          </p:nvPr>
+        </p:nvSpPr>
+        <p:spPr>
+          <a:xfrm>
+            <a:off x="311700" y="445025"/>
+            <a:ext cx="8520600" cy="572700"/>
+          </a:xfrm>
+          <a:prstGeom prst="rect">
+            <a:avLst/>
+          </a:prstGeom>
+        </p:spPr>
+        <p:txBody>
+          <a:bodyPr spcFirstLastPara="1" wrap="square" lIns="91425" tIns="91425" rIns="91425" bIns="91425" anchor="t" anchorCtr="0">
+            <a:noAutofit/>
+          </a:bodyPr>
+          <a:lstStyle/>
+          <a:p>
+            <a:pPr marL="0" lvl="0" indent="0" algn="l" rtl="0">
+              <a:spcBef>
+                <a:spcPts val="0"/>
+              </a:spcBef>
+              <a:spcAft>
+                <a:spcPts val="0"/>
+              </a:spcAft>
+              <a:buNone/>
+            </a:pPr>
+            <a:r>
+              <a:rPr lang="en-GB"/>
+              <a:t>Analysis 3</a:t>
+            </a:r>
+            <a:endParaRPr/>
+          </a:p>
+        </p:txBody>
+      </p:sp>
+      <p:sp>
+        <p:nvSpPr>
+          <p:cNvPr id="103" name="Google Shape;103;p21"/>
+          <p:cNvSpPr txBox="1">
+            <a:spLocks noGrp="1"/>
+          </p:cNvSpPr>
+          <p:nvPr>
+            <p:ph type="body" idx="1"/>
+          </p:nvPr>
+        </p:nvSpPr>
+        <p:spPr>
+          <a:xfrm>
+            <a:off x="311700" y="1152475"/>
+            <a:ext cx="8520600" cy="3416400"/>
+          </a:xfrm>
+          <a:prstGeom prst="rect">
+            <a:avLst/>
+          </a:prstGeom>
+        </p:spPr>
+        <p:txBody>
+          <a:bodyPr spcFirstLastPara="1" wrap="square" lIns="91425" tIns="91425" rIns="91425" bIns="91425" anchor="t" anchorCtr="0">
+            <a:noAutofit/>
+          </a:bodyPr>
+          <a:lstStyle/>
+          <a:p>
+            <a:pPr marL="0" lvl="0" indent="0" algn="l" rtl="0">
+              <a:spcBef>
+                <a:spcPts val="0"/>
+              </a:spcBef>
+              <a:spcAft>
+                <a:spcPts val="0"/>
+              </a:spcAft>
+              <a:buNone/>
+            </a:pPr>
+            <a:r>
+              <a:rPr lang="en-GB"/>
+              <a:t>Question 3</a:t>
+            </a:r>
+            <a:endParaRPr/>
+          </a:p>
+          <a:p>
+            <a:pPr marL="0" lvl="0" indent="0" algn="l" rtl="0">
+              <a:spcBef>
+                <a:spcPts val="1600"/>
+              </a:spcBef>
+              <a:spcAft>
+                <a:spcPts val="0"/>
+              </a:spcAft>
+              <a:buNone/>
+            </a:pPr>
+            <a:r>
+              <a:rPr lang="en-GB"/>
+              <a:t>Chart 3b</a:t>
+            </a:r>
+            <a:endParaRPr/>
+          </a:p>
+          <a:p>
+            <a:pPr marL="0" lvl="0" indent="0" algn="l" rtl="0">
+              <a:spcBef>
+                <a:spcPts val="1600"/>
+              </a:spcBef>
+              <a:spcAft>
+                <a:spcPts val="1600"/>
+              </a:spcAft>
+              <a:buNone/>
+            </a:pPr>
+            <a:endParaRPr/>
+          </a:p>
+        </p:txBody>
+      </p:sp>
+    </p:spTree>
+  </p:cSld>
+  <p:clrMapOvr>
+    <a:masterClrMapping/>
+  </p:clrMapOvr>
+</p:sld>
+</file>
+
+<file path=ppt/slides/slide11.xml><?xml version="1.0" encoding="utf-8"?>
+<p:sld xmlns:a="http://schemas.openxmlformats.org/drawingml/2006/main" xmlns:r="http://schemas.openxmlformats.org/officeDocument/2006/relationships" xmlns:p="http://schemas.openxmlformats.org/presentationml/2006/main">
+  <p:cSld>
+    <p:spTree>
+      <p:nvGrpSpPr>
+        <p:cNvPr id="1" name="Shape 107"/>
         <p:cNvGrpSpPr/>
         <p:nvPr/>
       </p:nvGrpSpPr>
@@ -6659,7 +7085,9 @@
       <p:sp>
         <p:nvSpPr>
           <p:cNvPr id="108" name="Google Shape;108;p22"/>
-          <p:cNvSpPr txBox="1"/>
+          <p:cNvSpPr txBox="1">
+            <a:spLocks noGrp="1"/>
+          </p:cNvSpPr>
           <p:nvPr>
             <p:ph type="title"/>
           </p:nvPr>
@@ -6674,12 +7102,12 @@
           </a:prstGeom>
         </p:spPr>
         <p:txBody>
-          <a:bodyPr anchorCtr="0" anchor="t" bIns="91425" lIns="91425" spcFirstLastPara="1" rIns="91425" wrap="square" tIns="91425">
+          <a:bodyPr spcFirstLastPara="1" wrap="square" lIns="91425" tIns="91425" rIns="91425" bIns="91425" anchor="t" anchorCtr="0">
             <a:noAutofit/>
           </a:bodyPr>
           <a:lstStyle/>
           <a:p>
-            <a:pPr indent="0" lvl="0" marL="0" rtl="0" algn="l">
+            <a:pPr marL="0" lvl="0" indent="0" algn="l" rtl="0">
               <a:spcBef>
                 <a:spcPts val="0"/>
               </a:spcBef>
@@ -6689,19 +7117,29 @@
               <a:buNone/>
             </a:pPr>
             <a:r>
-              <a:rPr lang="en-GB"/>
-              <a:t>Analysis 4 </a:t>
+              <a:rPr lang="en-GB" dirty="0"/>
+              <a:t>Analysis 4 – </a:t>
             </a:r>
-            <a:endParaRPr/>
+            <a:r>
+              <a:rPr lang="en-GB" dirty="0" err="1"/>
+              <a:t>Groupby</a:t>
+            </a:r>
+            <a:r>
+              <a:rPr lang="en-GB" dirty="0"/>
+              <a:t>, Ranking?  </a:t>
+            </a:r>
+            <a:endParaRPr dirty="0"/>
           </a:p>
         </p:txBody>
       </p:sp>
       <p:sp>
         <p:nvSpPr>
           <p:cNvPr id="109" name="Google Shape;109;p22"/>
-          <p:cNvSpPr txBox="1"/>
+          <p:cNvSpPr txBox="1">
+            <a:spLocks noGrp="1"/>
+          </p:cNvSpPr>
           <p:nvPr>
-            <p:ph idx="1" type="body"/>
+            <p:ph type="body" idx="1"/>
           </p:nvPr>
         </p:nvSpPr>
         <p:spPr>
@@ -6714,12 +7152,12 @@
           </a:prstGeom>
         </p:spPr>
         <p:txBody>
-          <a:bodyPr anchorCtr="0" anchor="t" bIns="91425" lIns="91425" spcFirstLastPara="1" rIns="91425" wrap="square" tIns="91425">
+          <a:bodyPr spcFirstLastPara="1" wrap="square" lIns="91425" tIns="91425" rIns="91425" bIns="91425" anchor="t" anchorCtr="0">
             <a:noAutofit/>
           </a:bodyPr>
           <a:lstStyle/>
           <a:p>
-            <a:pPr indent="0" lvl="0" marL="0" rtl="0" algn="l">
+            <a:pPr marL="0" lvl="0" indent="0" algn="l" rtl="0">
               <a:spcBef>
                 <a:spcPts val="0"/>
               </a:spcBef>
@@ -6735,7 +7173,7 @@
             <a:endParaRPr/>
           </a:p>
           <a:p>
-            <a:pPr indent="0" lvl="0" marL="0" rtl="0" algn="l">
+            <a:pPr marL="0" lvl="0" indent="0" algn="l" rtl="0">
               <a:spcBef>
                 <a:spcPts val="1600"/>
               </a:spcBef>
@@ -6760,12 +7198,12 @@
 </p:sld>
 </file>
 
-<file path=ppt/slides/slide11.xml><?xml version="1.0" encoding="utf-8"?>
-<p:sld xmlns:a="http://schemas.openxmlformats.org/drawingml/2006/main" xmlns:r="http://schemas.openxmlformats.org/officeDocument/2006/relationships" xmlns:mc="http://schemas.openxmlformats.org/markup-compatibility/2006" xmlns:mv="urn:schemas-microsoft-com:mac:vml" xmlns:p="http://schemas.openxmlformats.org/presentationml/2006/main" xmlns:c="http://schemas.openxmlformats.org/drawingml/2006/chart" xmlns:dgm="http://schemas.openxmlformats.org/drawingml/2006/diagram" xmlns:o="urn:schemas-microsoft-com:office:office" xmlns:v="urn:schemas-microsoft-com:vml" xmlns:pvml="urn:schemas-microsoft-com:office:powerpoint" xmlns:com="http://schemas.openxmlformats.org/drawingml/2006/compatibility" xmlns:p14="http://schemas.microsoft.com/office/powerpoint/2010/main" xmlns:p15="http://schemas.microsoft.com/office/powerpoint/2012/main">
+<file path=ppt/slides/slide12.xml><?xml version="1.0" encoding="utf-8"?>
+<p:sld xmlns:a="http://schemas.openxmlformats.org/drawingml/2006/main" xmlns:r="http://schemas.openxmlformats.org/officeDocument/2006/relationships" xmlns:p="http://schemas.openxmlformats.org/presentationml/2006/main">
   <p:cSld>
     <p:spTree>
       <p:nvGrpSpPr>
-        <p:cNvPr id="113" name="Shape 113"/>
+        <p:cNvPr id="1" name="Shape 113"/>
         <p:cNvGrpSpPr/>
         <p:nvPr/>
       </p:nvGrpSpPr>
@@ -6780,7 +7218,9 @@
       <p:sp>
         <p:nvSpPr>
           <p:cNvPr id="114" name="Google Shape;114;p23"/>
-          <p:cNvSpPr txBox="1"/>
+          <p:cNvSpPr txBox="1">
+            <a:spLocks noGrp="1"/>
+          </p:cNvSpPr>
           <p:nvPr>
             <p:ph type="title"/>
           </p:nvPr>
@@ -6795,12 +7235,12 @@
           </a:prstGeom>
         </p:spPr>
         <p:txBody>
-          <a:bodyPr anchorCtr="0" anchor="t" bIns="91425" lIns="91425" spcFirstLastPara="1" rIns="91425" wrap="square" tIns="91425">
+          <a:bodyPr spcFirstLastPara="1" wrap="square" lIns="91425" tIns="91425" rIns="91425" bIns="91425" anchor="t" anchorCtr="0">
             <a:noAutofit/>
           </a:bodyPr>
           <a:lstStyle/>
           <a:p>
-            <a:pPr indent="0" lvl="0" marL="0" rtl="0" algn="l">
+            <a:pPr marL="0" lvl="0" indent="0" algn="l" rtl="0">
               <a:spcBef>
                 <a:spcPts val="0"/>
               </a:spcBef>
@@ -6820,9 +7260,11 @@
       <p:sp>
         <p:nvSpPr>
           <p:cNvPr id="115" name="Google Shape;115;p23"/>
-          <p:cNvSpPr txBox="1"/>
+          <p:cNvSpPr txBox="1">
+            <a:spLocks noGrp="1"/>
+          </p:cNvSpPr>
           <p:nvPr>
-            <p:ph idx="1" type="body"/>
+            <p:ph type="body" idx="1"/>
           </p:nvPr>
         </p:nvSpPr>
         <p:spPr>
@@ -6835,12 +7277,12 @@
           </a:prstGeom>
         </p:spPr>
         <p:txBody>
-          <a:bodyPr anchorCtr="0" anchor="t" bIns="91425" lIns="91425" spcFirstLastPara="1" rIns="91425" wrap="square" tIns="91425">
+          <a:bodyPr spcFirstLastPara="1" wrap="square" lIns="91425" tIns="91425" rIns="91425" bIns="91425" anchor="t" anchorCtr="0">
             <a:noAutofit/>
           </a:bodyPr>
           <a:lstStyle/>
           <a:p>
-            <a:pPr indent="0" lvl="0" marL="0" rtl="0" algn="l">
+            <a:pPr marL="0" lvl="0" indent="0" algn="l" rtl="0">
               <a:spcBef>
                 <a:spcPts val="0"/>
               </a:spcBef>
@@ -6856,7 +7298,7 @@
             <a:endParaRPr/>
           </a:p>
           <a:p>
-            <a:pPr indent="0" lvl="0" marL="0" rtl="0" algn="l">
+            <a:pPr marL="0" lvl="0" indent="0" algn="l" rtl="0">
               <a:spcBef>
                 <a:spcPts val="1600"/>
               </a:spcBef>
@@ -6872,7 +7314,7 @@
             <a:endParaRPr/>
           </a:p>
           <a:p>
-            <a:pPr indent="0" lvl="0" marL="0" rtl="0" algn="l">
+            <a:pPr marL="0" lvl="0" indent="0" algn="l" rtl="0">
               <a:spcBef>
                 <a:spcPts val="1600"/>
               </a:spcBef>
@@ -6881,9 +7323,6 @@
               </a:spcAft>
               <a:buNone/>
             </a:pPr>
-            <a:r>
-              <a:t/>
-            </a:r>
             <a:endParaRPr/>
           </a:p>
         </p:txBody>
@@ -6896,12 +7335,12 @@
 </p:sld>
 </file>
 
-<file path=ppt/slides/slide12.xml><?xml version="1.0" encoding="utf-8"?>
-<p:sld xmlns:a="http://schemas.openxmlformats.org/drawingml/2006/main" xmlns:r="http://schemas.openxmlformats.org/officeDocument/2006/relationships" xmlns:mc="http://schemas.openxmlformats.org/markup-compatibility/2006" xmlns:mv="urn:schemas-microsoft-com:mac:vml" xmlns:p="http://schemas.openxmlformats.org/presentationml/2006/main" xmlns:c="http://schemas.openxmlformats.org/drawingml/2006/chart" xmlns:dgm="http://schemas.openxmlformats.org/drawingml/2006/diagram" xmlns:o="urn:schemas-microsoft-com:office:office" xmlns:v="urn:schemas-microsoft-com:vml" xmlns:pvml="urn:schemas-microsoft-com:office:powerpoint" xmlns:com="http://schemas.openxmlformats.org/drawingml/2006/compatibility" xmlns:p14="http://schemas.microsoft.com/office/powerpoint/2010/main" xmlns:p15="http://schemas.microsoft.com/office/powerpoint/2012/main">
+<file path=ppt/slides/slide13.xml><?xml version="1.0" encoding="utf-8"?>
+<p:sld xmlns:a="http://schemas.openxmlformats.org/drawingml/2006/main" xmlns:r="http://schemas.openxmlformats.org/officeDocument/2006/relationships" xmlns:p="http://schemas.openxmlformats.org/presentationml/2006/main">
   <p:cSld>
     <p:spTree>
       <p:nvGrpSpPr>
-        <p:cNvPr id="119" name="Shape 119"/>
+        <p:cNvPr id="1" name="Shape 119"/>
         <p:cNvGrpSpPr/>
         <p:nvPr/>
       </p:nvGrpSpPr>
@@ -6916,7 +7355,9 @@
       <p:sp>
         <p:nvSpPr>
           <p:cNvPr id="120" name="Google Shape;120;p24"/>
-          <p:cNvSpPr txBox="1"/>
+          <p:cNvSpPr txBox="1">
+            <a:spLocks noGrp="1"/>
+          </p:cNvSpPr>
           <p:nvPr>
             <p:ph type="title"/>
           </p:nvPr>
@@ -6931,12 +7372,12 @@
           </a:prstGeom>
         </p:spPr>
         <p:txBody>
-          <a:bodyPr anchorCtr="0" anchor="t" bIns="91425" lIns="91425" spcFirstLastPara="1" rIns="91425" wrap="square" tIns="91425">
+          <a:bodyPr spcFirstLastPara="1" wrap="square" lIns="91425" tIns="91425" rIns="91425" bIns="91425" anchor="t" anchorCtr="0">
             <a:noAutofit/>
           </a:bodyPr>
           <a:lstStyle/>
           <a:p>
-            <a:pPr indent="0" lvl="0" marL="0" rtl="0" algn="l">
+            <a:pPr marL="0" lvl="0" indent="0" algn="l" rtl="0">
               <a:spcBef>
                 <a:spcPts val="0"/>
               </a:spcBef>
@@ -6956,9 +7397,11 @@
       <p:sp>
         <p:nvSpPr>
           <p:cNvPr id="121" name="Google Shape;121;p24"/>
-          <p:cNvSpPr txBox="1"/>
+          <p:cNvSpPr txBox="1">
+            <a:spLocks noGrp="1"/>
+          </p:cNvSpPr>
           <p:nvPr>
-            <p:ph idx="1" type="body"/>
+            <p:ph type="body" idx="1"/>
           </p:nvPr>
         </p:nvSpPr>
         <p:spPr>
@@ -6971,12 +7414,12 @@
           </a:prstGeom>
         </p:spPr>
         <p:txBody>
-          <a:bodyPr anchorCtr="0" anchor="t" bIns="91425" lIns="91425" spcFirstLastPara="1" rIns="91425" wrap="square" tIns="91425">
+          <a:bodyPr spcFirstLastPara="1" wrap="square" lIns="91425" tIns="91425" rIns="91425" bIns="91425" anchor="t" anchorCtr="0">
             <a:noAutofit/>
           </a:bodyPr>
           <a:lstStyle/>
           <a:p>
-            <a:pPr indent="0" lvl="0" marL="0" rtl="0" algn="l">
+            <a:pPr marL="0" lvl="0" indent="0" algn="l" rtl="0">
               <a:spcBef>
                 <a:spcPts val="0"/>
               </a:spcBef>
@@ -6985,9 +7428,6 @@
               </a:spcAft>
               <a:buNone/>
             </a:pPr>
-            <a:r>
-              <a:t/>
-            </a:r>
             <a:endParaRPr/>
           </a:p>
         </p:txBody>
@@ -7001,11 +7441,11 @@
 </file>
 
 <file path=ppt/slides/slide2.xml><?xml version="1.0" encoding="utf-8"?>
-<p:sld xmlns:a="http://schemas.openxmlformats.org/drawingml/2006/main" xmlns:r="http://schemas.openxmlformats.org/officeDocument/2006/relationships" xmlns:mc="http://schemas.openxmlformats.org/markup-compatibility/2006" xmlns:mv="urn:schemas-microsoft-com:mac:vml" xmlns:p="http://schemas.openxmlformats.org/presentationml/2006/main" xmlns:c="http://schemas.openxmlformats.org/drawingml/2006/chart" xmlns:dgm="http://schemas.openxmlformats.org/drawingml/2006/diagram" xmlns:o="urn:schemas-microsoft-com:office:office" xmlns:v="urn:schemas-microsoft-com:vml" xmlns:pvml="urn:schemas-microsoft-com:office:powerpoint" xmlns:com="http://schemas.openxmlformats.org/drawingml/2006/compatibility" xmlns:p14="http://schemas.microsoft.com/office/powerpoint/2010/main" xmlns:p15="http://schemas.microsoft.com/office/powerpoint/2012/main">
+<p:sld xmlns:a="http://schemas.openxmlformats.org/drawingml/2006/main" xmlns:r="http://schemas.openxmlformats.org/officeDocument/2006/relationships" xmlns:p="http://schemas.openxmlformats.org/presentationml/2006/main">
   <p:cSld>
     <p:spTree>
       <p:nvGrpSpPr>
-        <p:cNvPr id="59" name="Shape 59"/>
+        <p:cNvPr id="1" name="Shape 59"/>
         <p:cNvGrpSpPr/>
         <p:nvPr/>
       </p:nvGrpSpPr>
@@ -7020,7 +7460,9 @@
       <p:sp>
         <p:nvSpPr>
           <p:cNvPr id="60" name="Google Shape;60;p14"/>
-          <p:cNvSpPr txBox="1"/>
+          <p:cNvSpPr txBox="1">
+            <a:spLocks noGrp="1"/>
+          </p:cNvSpPr>
           <p:nvPr>
             <p:ph type="title"/>
           </p:nvPr>
@@ -7035,12 +7477,12 @@
           </a:prstGeom>
         </p:spPr>
         <p:txBody>
-          <a:bodyPr anchorCtr="0" anchor="t" bIns="91425" lIns="91425" spcFirstLastPara="1" rIns="91425" wrap="square" tIns="91425">
+          <a:bodyPr spcFirstLastPara="1" wrap="square" lIns="91425" tIns="91425" rIns="91425" bIns="91425" anchor="t" anchorCtr="0">
             <a:noAutofit/>
           </a:bodyPr>
           <a:lstStyle/>
           <a:p>
-            <a:pPr indent="0" lvl="0" marL="0" rtl="0" algn="l">
+            <a:pPr marL="0" lvl="0" indent="0" algn="l" rtl="0">
               <a:spcBef>
                 <a:spcPts val="0"/>
               </a:spcBef>
@@ -7060,9 +7502,11 @@
       <p:sp>
         <p:nvSpPr>
           <p:cNvPr id="61" name="Google Shape;61;p14"/>
-          <p:cNvSpPr txBox="1"/>
+          <p:cNvSpPr txBox="1">
+            <a:spLocks noGrp="1"/>
+          </p:cNvSpPr>
           <p:nvPr>
-            <p:ph idx="1" type="body"/>
+            <p:ph type="body" idx="1"/>
           </p:nvPr>
         </p:nvSpPr>
         <p:spPr>
@@ -7075,12 +7519,12 @@
           </a:prstGeom>
         </p:spPr>
         <p:txBody>
-          <a:bodyPr anchorCtr="0" anchor="t" bIns="91425" lIns="91425" spcFirstLastPara="1" rIns="91425" wrap="square" tIns="91425">
+          <a:bodyPr spcFirstLastPara="1" wrap="square" lIns="91425" tIns="91425" rIns="91425" bIns="91425" anchor="t" anchorCtr="0">
             <a:noAutofit/>
           </a:bodyPr>
           <a:lstStyle/>
           <a:p>
-            <a:pPr indent="0" lvl="0" marL="0" rtl="0" algn="l">
+            <a:pPr marL="0" lvl="0" indent="0" algn="l" rtl="0">
               <a:spcBef>
                 <a:spcPts val="0"/>
               </a:spcBef>
@@ -7089,9 +7533,6 @@
               </a:spcAft>
               <a:buNone/>
             </a:pPr>
-            <a:r>
-              <a:t/>
-            </a:r>
             <a:endParaRPr/>
           </a:p>
         </p:txBody>
@@ -7105,11 +7546,11 @@
 </file>
 
 <file path=ppt/slides/slide3.xml><?xml version="1.0" encoding="utf-8"?>
-<p:sld xmlns:a="http://schemas.openxmlformats.org/drawingml/2006/main" xmlns:r="http://schemas.openxmlformats.org/officeDocument/2006/relationships" xmlns:mc="http://schemas.openxmlformats.org/markup-compatibility/2006" xmlns:mv="urn:schemas-microsoft-com:mac:vml" xmlns:p="http://schemas.openxmlformats.org/presentationml/2006/main" xmlns:c="http://schemas.openxmlformats.org/drawingml/2006/chart" xmlns:dgm="http://schemas.openxmlformats.org/drawingml/2006/diagram" xmlns:o="urn:schemas-microsoft-com:office:office" xmlns:v="urn:schemas-microsoft-com:vml" xmlns:pvml="urn:schemas-microsoft-com:office:powerpoint" xmlns:com="http://schemas.openxmlformats.org/drawingml/2006/compatibility" xmlns:p14="http://schemas.microsoft.com/office/powerpoint/2010/main" xmlns:p15="http://schemas.microsoft.com/office/powerpoint/2012/main">
+<p:sld xmlns:a="http://schemas.openxmlformats.org/drawingml/2006/main" xmlns:r="http://schemas.openxmlformats.org/officeDocument/2006/relationships" xmlns:p="http://schemas.openxmlformats.org/presentationml/2006/main">
   <p:cSld>
     <p:spTree>
       <p:nvGrpSpPr>
-        <p:cNvPr id="65" name="Shape 65"/>
+        <p:cNvPr id="1" name="Shape 65"/>
         <p:cNvGrpSpPr/>
         <p:nvPr/>
       </p:nvGrpSpPr>
@@ -7124,7 +7565,9 @@
       <p:sp>
         <p:nvSpPr>
           <p:cNvPr id="66" name="Google Shape;66;p15"/>
-          <p:cNvSpPr txBox="1"/>
+          <p:cNvSpPr txBox="1">
+            <a:spLocks noGrp="1"/>
+          </p:cNvSpPr>
           <p:nvPr>
             <p:ph type="title"/>
           </p:nvPr>
@@ -7139,12 +7582,12 @@
           </a:prstGeom>
         </p:spPr>
         <p:txBody>
-          <a:bodyPr anchorCtr="0" anchor="t" bIns="91425" lIns="91425" spcFirstLastPara="1" rIns="91425" wrap="square" tIns="91425">
+          <a:bodyPr spcFirstLastPara="1" wrap="square" lIns="91425" tIns="91425" rIns="91425" bIns="91425" anchor="t" anchorCtr="0">
             <a:noAutofit/>
           </a:bodyPr>
           <a:lstStyle/>
           <a:p>
-            <a:pPr indent="0" lvl="0" marL="0" rtl="0" algn="l">
+            <a:pPr marL="0" lvl="0" indent="0" algn="l" rtl="0">
               <a:spcBef>
                 <a:spcPts val="0"/>
               </a:spcBef>
@@ -7164,9 +7607,11 @@
       <p:sp>
         <p:nvSpPr>
           <p:cNvPr id="67" name="Google Shape;67;p15"/>
-          <p:cNvSpPr txBox="1"/>
+          <p:cNvSpPr txBox="1">
+            <a:spLocks noGrp="1"/>
+          </p:cNvSpPr>
           <p:nvPr>
-            <p:ph idx="1" type="body"/>
+            <p:ph type="body" idx="1"/>
           </p:nvPr>
         </p:nvSpPr>
         <p:spPr>
@@ -7179,12 +7624,12 @@
           </a:prstGeom>
         </p:spPr>
         <p:txBody>
-          <a:bodyPr anchorCtr="0" anchor="t" bIns="91425" lIns="91425" spcFirstLastPara="1" rIns="91425" wrap="square" tIns="91425">
+          <a:bodyPr spcFirstLastPara="1" wrap="square" lIns="91425" tIns="91425" rIns="91425" bIns="91425" anchor="t" anchorCtr="0">
             <a:noAutofit/>
           </a:bodyPr>
           <a:lstStyle/>
           <a:p>
-            <a:pPr indent="0" lvl="0" marL="0" rtl="0" algn="l">
+            <a:pPr marL="0" lvl="0" indent="0" algn="l" rtl="0">
               <a:spcBef>
                 <a:spcPts val="0"/>
               </a:spcBef>
@@ -7200,7 +7645,7 @@
             <a:endParaRPr/>
           </a:p>
           <a:p>
-            <a:pPr indent="0" lvl="0" marL="0" rtl="0" algn="l">
+            <a:pPr marL="0" lvl="0" indent="0" algn="l" rtl="0">
               <a:spcBef>
                 <a:spcPts val="1600"/>
               </a:spcBef>
@@ -7216,7 +7661,7 @@
             <a:endParaRPr/>
           </a:p>
           <a:p>
-            <a:pPr indent="0" lvl="0" marL="0" rtl="0" algn="l">
+            <a:pPr marL="0" lvl="0" indent="0" algn="l" rtl="0">
               <a:spcBef>
                 <a:spcPts val="1600"/>
               </a:spcBef>
@@ -7242,11 +7687,11 @@
 </file>
 
 <file path=ppt/slides/slide4.xml><?xml version="1.0" encoding="utf-8"?>
-<p:sld xmlns:a="http://schemas.openxmlformats.org/drawingml/2006/main" xmlns:r="http://schemas.openxmlformats.org/officeDocument/2006/relationships" xmlns:mc="http://schemas.openxmlformats.org/markup-compatibility/2006" xmlns:mv="urn:schemas-microsoft-com:mac:vml" xmlns:p="http://schemas.openxmlformats.org/presentationml/2006/main" xmlns:c="http://schemas.openxmlformats.org/drawingml/2006/chart" xmlns:dgm="http://schemas.openxmlformats.org/drawingml/2006/diagram" xmlns:o="urn:schemas-microsoft-com:office:office" xmlns:v="urn:schemas-microsoft-com:vml" xmlns:pvml="urn:schemas-microsoft-com:office:powerpoint" xmlns:com="http://schemas.openxmlformats.org/drawingml/2006/compatibility" xmlns:p14="http://schemas.microsoft.com/office/powerpoint/2010/main" xmlns:p15="http://schemas.microsoft.com/office/powerpoint/2012/main">
+<p:sld xmlns:a="http://schemas.openxmlformats.org/drawingml/2006/main" xmlns:r="http://schemas.openxmlformats.org/officeDocument/2006/relationships" xmlns:p="http://schemas.openxmlformats.org/presentationml/2006/main">
   <p:cSld>
     <p:spTree>
       <p:nvGrpSpPr>
-        <p:cNvPr id="71" name="Shape 71"/>
+        <p:cNvPr id="1" name="Shape 71"/>
         <p:cNvGrpSpPr/>
         <p:nvPr/>
       </p:nvGrpSpPr>
@@ -7261,7 +7706,9 @@
       <p:sp>
         <p:nvSpPr>
           <p:cNvPr id="72" name="Google Shape;72;p16"/>
-          <p:cNvSpPr txBox="1"/>
+          <p:cNvSpPr txBox="1">
+            <a:spLocks noGrp="1"/>
+          </p:cNvSpPr>
           <p:nvPr>
             <p:ph type="title"/>
           </p:nvPr>
@@ -7276,12 +7723,12 @@
           </a:prstGeom>
         </p:spPr>
         <p:txBody>
-          <a:bodyPr anchorCtr="0" anchor="t" bIns="91425" lIns="91425" spcFirstLastPara="1" rIns="91425" wrap="square" tIns="91425">
+          <a:bodyPr spcFirstLastPara="1" wrap="square" lIns="91425" tIns="91425" rIns="91425" bIns="91425" anchor="t" anchorCtr="0">
             <a:noAutofit/>
           </a:bodyPr>
           <a:lstStyle/>
           <a:p>
-            <a:pPr indent="0" lvl="0" marL="0" rtl="0" algn="l">
+            <a:pPr marL="0" lvl="0" indent="0" algn="l" rtl="0">
               <a:spcBef>
                 <a:spcPts val="0"/>
               </a:spcBef>
@@ -7291,19 +7738,21 @@
               <a:buNone/>
             </a:pPr>
             <a:r>
-              <a:rPr lang="en-GB"/>
-              <a:t>Analysis 1 </a:t>
+              <a:rPr lang="en-GB" dirty="0"/>
+              <a:t>Analysis  – Heat Map</a:t>
             </a:r>
-            <a:endParaRPr/>
+            <a:endParaRPr dirty="0"/>
           </a:p>
         </p:txBody>
       </p:sp>
       <p:sp>
         <p:nvSpPr>
           <p:cNvPr id="73" name="Google Shape;73;p16"/>
-          <p:cNvSpPr txBox="1"/>
+          <p:cNvSpPr txBox="1">
+            <a:spLocks noGrp="1"/>
+          </p:cNvSpPr>
           <p:nvPr>
-            <p:ph idx="1" type="body"/>
+            <p:ph type="body" idx="1"/>
           </p:nvPr>
         </p:nvSpPr>
         <p:spPr>
@@ -7316,28 +7765,27 @@
           </a:prstGeom>
         </p:spPr>
         <p:txBody>
-          <a:bodyPr anchorCtr="0" anchor="t" bIns="91425" lIns="91425" spcFirstLastPara="1" rIns="91425" wrap="square" tIns="91425">
+          <a:bodyPr spcFirstLastPara="1" wrap="square" lIns="91425" tIns="91425" rIns="91425" bIns="91425" anchor="t" anchorCtr="0">
             <a:noAutofit/>
           </a:bodyPr>
           <a:lstStyle/>
           <a:p>
-            <a:pPr indent="0" lvl="0" marL="0" rtl="0" algn="l">
-              <a:spcBef>
-                <a:spcPts val="0"/>
-              </a:spcBef>
-              <a:spcAft>
-                <a:spcPts val="0"/>
+            <a:pPr marL="0" lvl="0" indent="0" algn="l" rtl="0">
+              <a:spcBef>
+                <a:spcPts val="1600"/>
+              </a:spcBef>
+              <a:spcAft>
+                <a:spcPts val="1600"/>
               </a:spcAft>
               <a:buNone/>
             </a:pPr>
             <a:r>
-              <a:rPr lang="en-GB"/>
-              <a:t>Question 1</a:t>
+              <a:rPr lang="en-GB" dirty="0"/>
+              <a:t>Chart 1 </a:t>
             </a:r>
-            <a:endParaRPr/>
           </a:p>
           <a:p>
-            <a:pPr indent="0" lvl="0" marL="0" rtl="0" algn="l">
+            <a:pPr marL="0" lvl="0" indent="0" algn="l" rtl="0">
               <a:spcBef>
                 <a:spcPts val="1600"/>
               </a:spcBef>
@@ -7347,10 +7795,10 @@
               <a:buNone/>
             </a:pPr>
             <a:r>
-              <a:rPr lang="en-GB"/>
-              <a:t>Chart 1a</a:t>
+              <a:rPr lang="en-GB" dirty="0"/>
+              <a:t>- High scores over world</a:t>
             </a:r>
-            <a:endParaRPr/>
+            <a:endParaRPr dirty="0"/>
           </a:p>
         </p:txBody>
       </p:sp>
@@ -7363,11 +7811,11 @@
 </file>
 
 <file path=ppt/slides/slide5.xml><?xml version="1.0" encoding="utf-8"?>
-<p:sld xmlns:a="http://schemas.openxmlformats.org/drawingml/2006/main" xmlns:r="http://schemas.openxmlformats.org/officeDocument/2006/relationships" xmlns:mc="http://schemas.openxmlformats.org/markup-compatibility/2006" xmlns:mv="urn:schemas-microsoft-com:mac:vml" xmlns:p="http://schemas.openxmlformats.org/presentationml/2006/main" xmlns:c="http://schemas.openxmlformats.org/drawingml/2006/chart" xmlns:dgm="http://schemas.openxmlformats.org/drawingml/2006/diagram" xmlns:o="urn:schemas-microsoft-com:office:office" xmlns:v="urn:schemas-microsoft-com:vml" xmlns:pvml="urn:schemas-microsoft-com:office:powerpoint" xmlns:com="http://schemas.openxmlformats.org/drawingml/2006/compatibility" xmlns:p14="http://schemas.microsoft.com/office/powerpoint/2010/main" xmlns:p15="http://schemas.microsoft.com/office/powerpoint/2012/main">
+<p:sld xmlns:a="http://schemas.openxmlformats.org/drawingml/2006/main" xmlns:r="http://schemas.openxmlformats.org/officeDocument/2006/relationships" xmlns:p="http://schemas.openxmlformats.org/presentationml/2006/main">
   <p:cSld>
     <p:spTree>
       <p:nvGrpSpPr>
-        <p:cNvPr id="77" name="Shape 77"/>
+        <p:cNvPr id="1" name="Shape 77"/>
         <p:cNvGrpSpPr/>
         <p:nvPr/>
       </p:nvGrpSpPr>
@@ -7382,7 +7830,9 @@
       <p:sp>
         <p:nvSpPr>
           <p:cNvPr id="78" name="Google Shape;78;p17"/>
-          <p:cNvSpPr txBox="1"/>
+          <p:cNvSpPr txBox="1">
+            <a:spLocks noGrp="1"/>
+          </p:cNvSpPr>
           <p:nvPr>
             <p:ph type="title"/>
           </p:nvPr>
@@ -7397,12 +7847,12 @@
           </a:prstGeom>
         </p:spPr>
         <p:txBody>
-          <a:bodyPr anchorCtr="0" anchor="t" bIns="91425" lIns="91425" spcFirstLastPara="1" rIns="91425" wrap="square" tIns="91425">
+          <a:bodyPr spcFirstLastPara="1" wrap="square" lIns="91425" tIns="91425" rIns="91425" bIns="91425" anchor="t" anchorCtr="0">
             <a:noAutofit/>
           </a:bodyPr>
           <a:lstStyle/>
           <a:p>
-            <a:pPr indent="0" lvl="0" marL="0" rtl="0" algn="l">
+            <a:pPr marL="0" lvl="0" indent="0" algn="l" rtl="0">
               <a:spcBef>
                 <a:spcPts val="0"/>
               </a:spcBef>
@@ -7412,19 +7862,21 @@
               <a:buNone/>
             </a:pPr>
             <a:r>
-              <a:rPr lang="en-GB"/>
-              <a:t>Analysis 1</a:t>
+              <a:rPr lang="en-GB" dirty="0"/>
+              <a:t>Analysis  – Correlation</a:t>
             </a:r>
-            <a:endParaRPr/>
+            <a:endParaRPr dirty="0"/>
           </a:p>
         </p:txBody>
       </p:sp>
       <p:sp>
         <p:nvSpPr>
           <p:cNvPr id="79" name="Google Shape;79;p17"/>
-          <p:cNvSpPr txBox="1"/>
+          <p:cNvSpPr txBox="1">
+            <a:spLocks noGrp="1"/>
+          </p:cNvSpPr>
           <p:nvPr>
-            <p:ph idx="1" type="body"/>
+            <p:ph type="body" idx="1"/>
           </p:nvPr>
         </p:nvSpPr>
         <p:spPr>
@@ -7437,14 +7889,14 @@
           </a:prstGeom>
         </p:spPr>
         <p:txBody>
-          <a:bodyPr anchorCtr="0" anchor="t" bIns="91425" lIns="91425" spcFirstLastPara="1" rIns="91425" wrap="square" tIns="91425">
+          <a:bodyPr spcFirstLastPara="1" wrap="square" lIns="91425" tIns="91425" rIns="91425" bIns="91425" anchor="t" anchorCtr="0">
             <a:noAutofit/>
           </a:bodyPr>
           <a:lstStyle/>
           <a:p>
-            <a:pPr indent="0" lvl="0" marL="0" rtl="0" algn="l">
-              <a:spcBef>
-                <a:spcPts val="0"/>
+            <a:pPr marL="0" lvl="0" indent="0" algn="l" rtl="0">
+              <a:spcBef>
+                <a:spcPts val="1600"/>
               </a:spcBef>
               <a:spcAft>
                 <a:spcPts val="0"/>
@@ -7452,13 +7904,12 @@
               <a:buNone/>
             </a:pPr>
             <a:r>
-              <a:rPr lang="en-GB"/>
-              <a:t>Question 1</a:t>
+              <a:rPr lang="en-GB" dirty="0"/>
+              <a:t>Chart 1b</a:t>
             </a:r>
-            <a:endParaRPr/>
           </a:p>
           <a:p>
-            <a:pPr indent="0" lvl="0" marL="0" rtl="0" algn="l">
+            <a:pPr marL="0" lvl="0" indent="0" algn="l" rtl="0">
               <a:spcBef>
                 <a:spcPts val="1600"/>
               </a:spcBef>
@@ -7468,13 +7919,13 @@
               <a:buNone/>
             </a:pPr>
             <a:r>
-              <a:rPr lang="en-GB"/>
-              <a:t>Chart 1b</a:t>
+              <a:rPr lang="en-GB" dirty="0"/>
+              <a:t>GDP vs Happiness Score</a:t>
             </a:r>
-            <a:endParaRPr/>
+            <a:endParaRPr dirty="0"/>
           </a:p>
           <a:p>
-            <a:pPr indent="0" lvl="0" marL="0" rtl="0" algn="l">
+            <a:pPr marL="0" lvl="0" indent="0" algn="l" rtl="0">
               <a:spcBef>
                 <a:spcPts val="1600"/>
               </a:spcBef>
@@ -7483,10 +7934,7 @@
               </a:spcAft>
               <a:buNone/>
             </a:pPr>
-            <a:r>
-              <a:t/>
-            </a:r>
-            <a:endParaRPr/>
+            <a:endParaRPr dirty="0"/>
           </a:p>
         </p:txBody>
       </p:sp>
@@ -7499,11 +7947,11 @@
 </file>
 
 <file path=ppt/slides/slide6.xml><?xml version="1.0" encoding="utf-8"?>
-<p:sld xmlns:a="http://schemas.openxmlformats.org/drawingml/2006/main" xmlns:r="http://schemas.openxmlformats.org/officeDocument/2006/relationships" xmlns:mc="http://schemas.openxmlformats.org/markup-compatibility/2006" xmlns:mv="urn:schemas-microsoft-com:mac:vml" xmlns:p="http://schemas.openxmlformats.org/presentationml/2006/main" xmlns:c="http://schemas.openxmlformats.org/drawingml/2006/chart" xmlns:dgm="http://schemas.openxmlformats.org/drawingml/2006/diagram" xmlns:o="urn:schemas-microsoft-com:office:office" xmlns:v="urn:schemas-microsoft-com:vml" xmlns:pvml="urn:schemas-microsoft-com:office:powerpoint" xmlns:com="http://schemas.openxmlformats.org/drawingml/2006/compatibility" xmlns:p14="http://schemas.microsoft.com/office/powerpoint/2010/main" xmlns:p15="http://schemas.microsoft.com/office/powerpoint/2012/main">
+<p:sld xmlns:a="http://schemas.openxmlformats.org/drawingml/2006/main" xmlns:r="http://schemas.openxmlformats.org/officeDocument/2006/relationships" xmlns:p="http://schemas.openxmlformats.org/presentationml/2006/main">
   <p:cSld>
     <p:spTree>
       <p:nvGrpSpPr>
-        <p:cNvPr id="83" name="Shape 83"/>
+        <p:cNvPr id="1" name="Shape 83"/>
         <p:cNvGrpSpPr/>
         <p:nvPr/>
       </p:nvGrpSpPr>
@@ -7518,7 +7966,9 @@
       <p:sp>
         <p:nvSpPr>
           <p:cNvPr id="84" name="Google Shape;84;p18"/>
-          <p:cNvSpPr txBox="1"/>
+          <p:cNvSpPr txBox="1">
+            <a:spLocks noGrp="1"/>
+          </p:cNvSpPr>
           <p:nvPr>
             <p:ph type="title"/>
           </p:nvPr>
@@ -7533,12 +7983,12 @@
           </a:prstGeom>
         </p:spPr>
         <p:txBody>
-          <a:bodyPr anchorCtr="0" anchor="t" bIns="91425" lIns="91425" spcFirstLastPara="1" rIns="91425" wrap="square" tIns="91425">
+          <a:bodyPr spcFirstLastPara="1" wrap="square" lIns="91425" tIns="91425" rIns="91425" bIns="91425" anchor="t" anchorCtr="0">
             <a:noAutofit/>
           </a:bodyPr>
           <a:lstStyle/>
           <a:p>
-            <a:pPr indent="0" lvl="0" marL="0" rtl="0" algn="l">
+            <a:pPr marL="0" lvl="0" indent="0" algn="l" rtl="0">
               <a:spcBef>
                 <a:spcPts val="0"/>
               </a:spcBef>
@@ -7548,19 +7998,21 @@
               <a:buNone/>
             </a:pPr>
             <a:r>
-              <a:rPr lang="en-GB"/>
-              <a:t>Analysis 2 </a:t>
+              <a:rPr lang="en-GB" dirty="0"/>
+              <a:t>Analysis  – Correlation</a:t>
             </a:r>
-            <a:endParaRPr/>
+            <a:endParaRPr dirty="0"/>
           </a:p>
         </p:txBody>
       </p:sp>
       <p:sp>
         <p:nvSpPr>
           <p:cNvPr id="85" name="Google Shape;85;p18"/>
-          <p:cNvSpPr txBox="1"/>
+          <p:cNvSpPr txBox="1">
+            <a:spLocks noGrp="1"/>
+          </p:cNvSpPr>
           <p:nvPr>
-            <p:ph idx="1" type="body"/>
+            <p:ph type="body" idx="1"/>
           </p:nvPr>
         </p:nvSpPr>
         <p:spPr>
@@ -7573,28 +8025,27 @@
           </a:prstGeom>
         </p:spPr>
         <p:txBody>
-          <a:bodyPr anchorCtr="0" anchor="t" bIns="91425" lIns="91425" spcFirstLastPara="1" rIns="91425" wrap="square" tIns="91425">
+          <a:bodyPr spcFirstLastPara="1" wrap="square" lIns="91425" tIns="91425" rIns="91425" bIns="91425" anchor="t" anchorCtr="0">
             <a:noAutofit/>
           </a:bodyPr>
           <a:lstStyle/>
           <a:p>
-            <a:pPr indent="0" lvl="0" marL="0" rtl="0" algn="l">
-              <a:spcBef>
-                <a:spcPts val="0"/>
-              </a:spcBef>
-              <a:spcAft>
-                <a:spcPts val="0"/>
+            <a:pPr marL="0" lvl="0" indent="0" algn="l" rtl="0">
+              <a:spcBef>
+                <a:spcPts val="1600"/>
+              </a:spcBef>
+              <a:spcAft>
+                <a:spcPts val="1600"/>
               </a:spcAft>
               <a:buNone/>
             </a:pPr>
             <a:r>
-              <a:rPr lang="en-GB"/>
-              <a:t>Question 2</a:t>
+              <a:rPr lang="en-GB" dirty="0"/>
+              <a:t>Chart</a:t>
             </a:r>
-            <a:endParaRPr/>
           </a:p>
           <a:p>
-            <a:pPr indent="0" lvl="0" marL="0" rtl="0" algn="l">
+            <a:pPr marL="0" lvl="0" indent="0" algn="l" rtl="0">
               <a:spcBef>
                 <a:spcPts val="1600"/>
               </a:spcBef>
@@ -7604,10 +8055,10 @@
               <a:buNone/>
             </a:pPr>
             <a:r>
-              <a:rPr lang="en-GB"/>
-              <a:t>Chart 2a</a:t>
+              <a:rPr lang="en-GB" dirty="0"/>
+              <a:t>- Happiness score vs life expectancy</a:t>
             </a:r>
-            <a:endParaRPr/>
+            <a:endParaRPr dirty="0"/>
           </a:p>
         </p:txBody>
       </p:sp>
@@ -7620,11 +8071,11 @@
 </file>
 
 <file path=ppt/slides/slide7.xml><?xml version="1.0" encoding="utf-8"?>
-<p:sld xmlns:a="http://schemas.openxmlformats.org/drawingml/2006/main" xmlns:r="http://schemas.openxmlformats.org/officeDocument/2006/relationships" xmlns:mc="http://schemas.openxmlformats.org/markup-compatibility/2006" xmlns:mv="urn:schemas-microsoft-com:mac:vml" xmlns:p="http://schemas.openxmlformats.org/presentationml/2006/main" xmlns:c="http://schemas.openxmlformats.org/drawingml/2006/chart" xmlns:dgm="http://schemas.openxmlformats.org/drawingml/2006/diagram" xmlns:o="urn:schemas-microsoft-com:office:office" xmlns:v="urn:schemas-microsoft-com:vml" xmlns:pvml="urn:schemas-microsoft-com:office:powerpoint" xmlns:com="http://schemas.openxmlformats.org/drawingml/2006/compatibility" xmlns:p14="http://schemas.microsoft.com/office/powerpoint/2010/main" xmlns:p15="http://schemas.microsoft.com/office/powerpoint/2012/main">
+<p:sld xmlns:a="http://schemas.openxmlformats.org/drawingml/2006/main" xmlns:r="http://schemas.openxmlformats.org/officeDocument/2006/relationships" xmlns:p="http://schemas.openxmlformats.org/presentationml/2006/main">
   <p:cSld>
     <p:spTree>
       <p:nvGrpSpPr>
-        <p:cNvPr id="89" name="Shape 89"/>
+        <p:cNvPr id="1" name="Shape 89"/>
         <p:cNvGrpSpPr/>
         <p:nvPr/>
       </p:nvGrpSpPr>
@@ -7639,7 +8090,9 @@
       <p:sp>
         <p:nvSpPr>
           <p:cNvPr id="90" name="Google Shape;90;p19"/>
-          <p:cNvSpPr txBox="1"/>
+          <p:cNvSpPr txBox="1">
+            <a:spLocks noGrp="1"/>
+          </p:cNvSpPr>
           <p:nvPr>
             <p:ph type="title"/>
           </p:nvPr>
@@ -7654,12 +8107,12 @@
           </a:prstGeom>
         </p:spPr>
         <p:txBody>
-          <a:bodyPr anchorCtr="0" anchor="t" bIns="91425" lIns="91425" spcFirstLastPara="1" rIns="91425" wrap="square" tIns="91425">
+          <a:bodyPr spcFirstLastPara="1" wrap="square" lIns="91425" tIns="91425" rIns="91425" bIns="91425" anchor="t" anchorCtr="0">
             <a:noAutofit/>
           </a:bodyPr>
           <a:lstStyle/>
           <a:p>
-            <a:pPr indent="0" lvl="0" marL="0" rtl="0" algn="l">
+            <a:pPr marL="0" lvl="0" indent="0" algn="l" rtl="0">
               <a:spcBef>
                 <a:spcPts val="0"/>
               </a:spcBef>
@@ -7669,19 +8122,21 @@
               <a:buNone/>
             </a:pPr>
             <a:r>
-              <a:rPr lang="en-GB"/>
-              <a:t>Analysis 2</a:t>
+              <a:rPr lang="en-GB" dirty="0"/>
+              <a:t>Analysis 2 - Correlation</a:t>
             </a:r>
-            <a:endParaRPr/>
+            <a:endParaRPr dirty="0"/>
           </a:p>
         </p:txBody>
       </p:sp>
       <p:sp>
         <p:nvSpPr>
           <p:cNvPr id="91" name="Google Shape;91;p19"/>
-          <p:cNvSpPr txBox="1"/>
+          <p:cNvSpPr txBox="1">
+            <a:spLocks noGrp="1"/>
+          </p:cNvSpPr>
           <p:nvPr>
-            <p:ph idx="1" type="body"/>
+            <p:ph type="body" idx="1"/>
           </p:nvPr>
         </p:nvSpPr>
         <p:spPr>
@@ -7694,12 +8149,12 @@
           </a:prstGeom>
         </p:spPr>
         <p:txBody>
-          <a:bodyPr anchorCtr="0" anchor="t" bIns="91425" lIns="91425" spcFirstLastPara="1" rIns="91425" wrap="square" tIns="91425">
+          <a:bodyPr spcFirstLastPara="1" wrap="square" lIns="91425" tIns="91425" rIns="91425" bIns="91425" anchor="t" anchorCtr="0">
             <a:noAutofit/>
           </a:bodyPr>
           <a:lstStyle/>
           <a:p>
-            <a:pPr indent="0" lvl="0" marL="0" rtl="0" algn="l">
+            <a:pPr marL="0" lvl="0" indent="0" algn="l" rtl="0">
               <a:spcBef>
                 <a:spcPts val="0"/>
               </a:spcBef>
@@ -7709,13 +8164,13 @@
               <a:buNone/>
             </a:pPr>
             <a:r>
-              <a:rPr lang="en-GB"/>
+              <a:rPr lang="en-GB" dirty="0"/>
               <a:t>Question 2</a:t>
             </a:r>
-            <a:endParaRPr/>
+            <a:endParaRPr dirty="0"/>
           </a:p>
           <a:p>
-            <a:pPr indent="0" lvl="0" marL="0" rtl="0" algn="l">
+            <a:pPr marL="0" lvl="0" indent="0" algn="l" rtl="0">
               <a:spcBef>
                 <a:spcPts val="1600"/>
               </a:spcBef>
@@ -7725,25 +8180,45 @@
               <a:buNone/>
             </a:pPr>
             <a:r>
-              <a:rPr lang="en-GB"/>
+              <a:rPr lang="en-GB" dirty="0"/>
               <a:t>Chart 2b</a:t>
             </a:r>
-            <a:endParaRPr/>
           </a:p>
           <a:p>
-            <a:pPr indent="0" lvl="0" marL="0" rtl="0" algn="l">
-              <a:spcBef>
-                <a:spcPts val="1600"/>
-              </a:spcBef>
-              <a:spcAft>
-                <a:spcPts val="1600"/>
+            <a:pPr marL="0" lvl="0" indent="0" algn="l" rtl="0">
+              <a:spcBef>
+                <a:spcPts val="1600"/>
+              </a:spcBef>
+              <a:spcAft>
+                <a:spcPts val="0"/>
               </a:spcAft>
               <a:buNone/>
             </a:pPr>
             <a:r>
-              <a:t/>
+              <a:rPr lang="en-GB" dirty="0"/>
+              <a:t>Happiness score vs </a:t>
             </a:r>
-            <a:endParaRPr/>
+            <a:r>
+              <a:rPr lang="en-GB" dirty="0" err="1"/>
+              <a:t>medicare</a:t>
+            </a:r>
+            <a:r>
+              <a:rPr lang="en-GB" dirty="0"/>
+              <a:t>?</a:t>
+            </a:r>
+            <a:endParaRPr dirty="0"/>
+          </a:p>
+          <a:p>
+            <a:pPr marL="0" lvl="0" indent="0" algn="l" rtl="0">
+              <a:spcBef>
+                <a:spcPts val="1600"/>
+              </a:spcBef>
+              <a:spcAft>
+                <a:spcPts val="1600"/>
+              </a:spcAft>
+              <a:buNone/>
+            </a:pPr>
+            <a:endParaRPr dirty="0"/>
           </a:p>
         </p:txBody>
       </p:sp>
@@ -7756,11 +8231,168 @@
 </file>
 
 <file path=ppt/slides/slide8.xml><?xml version="1.0" encoding="utf-8"?>
-<p:sld xmlns:a="http://schemas.openxmlformats.org/drawingml/2006/main" xmlns:r="http://schemas.openxmlformats.org/officeDocument/2006/relationships" xmlns:mc="http://schemas.openxmlformats.org/markup-compatibility/2006" xmlns:mv="urn:schemas-microsoft-com:mac:vml" xmlns:p="http://schemas.openxmlformats.org/presentationml/2006/main" xmlns:c="http://schemas.openxmlformats.org/drawingml/2006/chart" xmlns:dgm="http://schemas.openxmlformats.org/drawingml/2006/diagram" xmlns:o="urn:schemas-microsoft-com:office:office" xmlns:v="urn:schemas-microsoft-com:vml" xmlns:pvml="urn:schemas-microsoft-com:office:powerpoint" xmlns:com="http://schemas.openxmlformats.org/drawingml/2006/compatibility" xmlns:p14="http://schemas.microsoft.com/office/powerpoint/2010/main" xmlns:p15="http://schemas.microsoft.com/office/powerpoint/2012/main">
+<p:sld xmlns:a="http://schemas.openxmlformats.org/drawingml/2006/main" xmlns:r="http://schemas.openxmlformats.org/officeDocument/2006/relationships" xmlns:p="http://schemas.openxmlformats.org/presentationml/2006/main">
   <p:cSld>
     <p:spTree>
       <p:nvGrpSpPr>
-        <p:cNvPr id="95" name="Shape 95"/>
+        <p:cNvPr id="1" name="Shape 89"/>
+        <p:cNvGrpSpPr/>
+        <p:nvPr/>
+      </p:nvGrpSpPr>
+      <p:grpSpPr>
+        <a:xfrm>
+          <a:off x="0" y="0"/>
+          <a:ext cx="0" cy="0"/>
+          <a:chOff x="0" y="0"/>
+          <a:chExt cx="0" cy="0"/>
+        </a:xfrm>
+      </p:grpSpPr>
+      <p:sp>
+        <p:nvSpPr>
+          <p:cNvPr id="90" name="Google Shape;90;p19"/>
+          <p:cNvSpPr txBox="1">
+            <a:spLocks noGrp="1"/>
+          </p:cNvSpPr>
+          <p:nvPr>
+            <p:ph type="title"/>
+          </p:nvPr>
+        </p:nvSpPr>
+        <p:spPr>
+          <a:xfrm>
+            <a:off x="311700" y="445025"/>
+            <a:ext cx="8520600" cy="572700"/>
+          </a:xfrm>
+          <a:prstGeom prst="rect">
+            <a:avLst/>
+          </a:prstGeom>
+        </p:spPr>
+        <p:txBody>
+          <a:bodyPr spcFirstLastPara="1" wrap="square" lIns="91425" tIns="91425" rIns="91425" bIns="91425" anchor="t" anchorCtr="0">
+            <a:noAutofit/>
+          </a:bodyPr>
+          <a:lstStyle/>
+          <a:p>
+            <a:pPr marL="0" lvl="0" indent="0" algn="l" rtl="0">
+              <a:spcBef>
+                <a:spcPts val="0"/>
+              </a:spcBef>
+              <a:spcAft>
+                <a:spcPts val="0"/>
+              </a:spcAft>
+              <a:buNone/>
+            </a:pPr>
+            <a:r>
+              <a:rPr lang="en-GB" dirty="0"/>
+              <a:t>Analysis - Correlation</a:t>
+            </a:r>
+            <a:endParaRPr dirty="0"/>
+          </a:p>
+        </p:txBody>
+      </p:sp>
+      <p:sp>
+        <p:nvSpPr>
+          <p:cNvPr id="91" name="Google Shape;91;p19"/>
+          <p:cNvSpPr txBox="1">
+            <a:spLocks noGrp="1"/>
+          </p:cNvSpPr>
+          <p:nvPr>
+            <p:ph type="body" idx="1"/>
+          </p:nvPr>
+        </p:nvSpPr>
+        <p:spPr>
+          <a:xfrm>
+            <a:off x="311700" y="1152475"/>
+            <a:ext cx="8520600" cy="3416400"/>
+          </a:xfrm>
+          <a:prstGeom prst="rect">
+            <a:avLst/>
+          </a:prstGeom>
+        </p:spPr>
+        <p:txBody>
+          <a:bodyPr spcFirstLastPara="1" wrap="square" lIns="91425" tIns="91425" rIns="91425" bIns="91425" anchor="t" anchorCtr="0">
+            <a:noAutofit/>
+          </a:bodyPr>
+          <a:lstStyle/>
+          <a:p>
+            <a:pPr marL="0" lvl="0" indent="0" algn="l" rtl="0">
+              <a:spcBef>
+                <a:spcPts val="0"/>
+              </a:spcBef>
+              <a:spcAft>
+                <a:spcPts val="0"/>
+              </a:spcAft>
+              <a:buNone/>
+            </a:pPr>
+            <a:r>
+              <a:rPr lang="en-GB" dirty="0"/>
+              <a:t>Question </a:t>
+            </a:r>
+            <a:endParaRPr dirty="0"/>
+          </a:p>
+          <a:p>
+            <a:pPr marL="0" lvl="0" indent="0" algn="l" rtl="0">
+              <a:spcBef>
+                <a:spcPts val="1600"/>
+              </a:spcBef>
+              <a:spcAft>
+                <a:spcPts val="0"/>
+              </a:spcAft>
+              <a:buNone/>
+            </a:pPr>
+            <a:r>
+              <a:rPr lang="en-GB" dirty="0"/>
+              <a:t>Chart </a:t>
+            </a:r>
+          </a:p>
+          <a:p>
+            <a:pPr marL="0" lvl="0" indent="0" algn="l" rtl="0">
+              <a:spcBef>
+                <a:spcPts val="1600"/>
+              </a:spcBef>
+              <a:spcAft>
+                <a:spcPts val="0"/>
+              </a:spcAft>
+              <a:buNone/>
+            </a:pPr>
+            <a:r>
+              <a:rPr lang="en-GB" dirty="0"/>
+              <a:t>Happiness score vs alcohol consumption?</a:t>
+            </a:r>
+            <a:endParaRPr dirty="0"/>
+          </a:p>
+          <a:p>
+            <a:pPr marL="0" lvl="0" indent="0" algn="l" rtl="0">
+              <a:spcBef>
+                <a:spcPts val="1600"/>
+              </a:spcBef>
+              <a:spcAft>
+                <a:spcPts val="1600"/>
+              </a:spcAft>
+              <a:buNone/>
+            </a:pPr>
+            <a:endParaRPr dirty="0"/>
+          </a:p>
+        </p:txBody>
+      </p:sp>
+    </p:spTree>
+    <p:extLst>
+      <p:ext uri="{BB962C8B-B14F-4D97-AF65-F5344CB8AC3E}">
+        <p14:creationId xmlns:p14="http://schemas.microsoft.com/office/powerpoint/2010/main" val="4109886222"/>
+      </p:ext>
+    </p:extLst>
+  </p:cSld>
+  <p:clrMapOvr>
+    <a:masterClrMapping/>
+  </p:clrMapOvr>
+</p:sld>
+</file>
+
+<file path=ppt/slides/slide9.xml><?xml version="1.0" encoding="utf-8"?>
+<p:sld xmlns:a="http://schemas.openxmlformats.org/drawingml/2006/main" xmlns:r="http://schemas.openxmlformats.org/officeDocument/2006/relationships" xmlns:p="http://schemas.openxmlformats.org/presentationml/2006/main">
+  <p:cSld>
+    <p:spTree>
+      <p:nvGrpSpPr>
+        <p:cNvPr id="1" name="Shape 95"/>
         <p:cNvGrpSpPr/>
         <p:nvPr/>
       </p:nvGrpSpPr>
@@ -7775,7 +8407,9 @@
       <p:sp>
         <p:nvSpPr>
           <p:cNvPr id="96" name="Google Shape;96;p20"/>
-          <p:cNvSpPr txBox="1"/>
+          <p:cNvSpPr txBox="1">
+            <a:spLocks noGrp="1"/>
+          </p:cNvSpPr>
           <p:nvPr>
             <p:ph type="title"/>
           </p:nvPr>
@@ -7790,12 +8424,12 @@
           </a:prstGeom>
         </p:spPr>
         <p:txBody>
-          <a:bodyPr anchorCtr="0" anchor="t" bIns="91425" lIns="91425" spcFirstLastPara="1" rIns="91425" wrap="square" tIns="91425">
+          <a:bodyPr spcFirstLastPara="1" wrap="square" lIns="91425" tIns="91425" rIns="91425" bIns="91425" anchor="t" anchorCtr="0">
             <a:noAutofit/>
           </a:bodyPr>
           <a:lstStyle/>
           <a:p>
-            <a:pPr indent="0" lvl="0" marL="0" rtl="0" algn="l">
+            <a:pPr marL="0" lvl="0" indent="0" algn="l" rtl="0">
               <a:spcBef>
                 <a:spcPts val="0"/>
               </a:spcBef>
@@ -7805,19 +8439,21 @@
               <a:buNone/>
             </a:pPr>
             <a:r>
-              <a:rPr lang="en-GB"/>
-              <a:t>Analysis 3 </a:t>
+              <a:rPr lang="en-GB" dirty="0"/>
+              <a:t>Analysis 3 – Linear Regression 2 </a:t>
             </a:r>
-            <a:endParaRPr/>
+            <a:endParaRPr dirty="0"/>
           </a:p>
         </p:txBody>
       </p:sp>
       <p:sp>
         <p:nvSpPr>
           <p:cNvPr id="97" name="Google Shape;97;p20"/>
-          <p:cNvSpPr txBox="1"/>
+          <p:cNvSpPr txBox="1">
+            <a:spLocks noGrp="1"/>
+          </p:cNvSpPr>
           <p:nvPr>
-            <p:ph idx="1" type="body"/>
+            <p:ph type="body" idx="1"/>
           </p:nvPr>
         </p:nvSpPr>
         <p:spPr>
@@ -7830,12 +8466,12 @@
           </a:prstGeom>
         </p:spPr>
         <p:txBody>
-          <a:bodyPr anchorCtr="0" anchor="t" bIns="91425" lIns="91425" spcFirstLastPara="1" rIns="91425" wrap="square" tIns="91425">
+          <a:bodyPr spcFirstLastPara="1" wrap="square" lIns="91425" tIns="91425" rIns="91425" bIns="91425" anchor="t" anchorCtr="0">
             <a:noAutofit/>
           </a:bodyPr>
           <a:lstStyle/>
           <a:p>
-            <a:pPr indent="0" lvl="0" marL="0" rtl="0" algn="l">
+            <a:pPr marL="0" lvl="0" indent="0" algn="l" rtl="0">
               <a:spcBef>
                 <a:spcPts val="0"/>
               </a:spcBef>
@@ -7851,7 +8487,7 @@
             <a:endParaRPr/>
           </a:p>
           <a:p>
-            <a:pPr indent="0" lvl="0" marL="0" rtl="0" algn="l">
+            <a:pPr marL="0" lvl="0" indent="0" algn="l" rtl="0">
               <a:spcBef>
                 <a:spcPts val="1600"/>
               </a:spcBef>
@@ -7876,144 +8512,8 @@
 </p:sld>
 </file>
 
-<file path=ppt/slides/slide9.xml><?xml version="1.0" encoding="utf-8"?>
-<p:sld xmlns:a="http://schemas.openxmlformats.org/drawingml/2006/main" xmlns:r="http://schemas.openxmlformats.org/officeDocument/2006/relationships" xmlns:mc="http://schemas.openxmlformats.org/markup-compatibility/2006" xmlns:mv="urn:schemas-microsoft-com:mac:vml" xmlns:p="http://schemas.openxmlformats.org/presentationml/2006/main" xmlns:c="http://schemas.openxmlformats.org/drawingml/2006/chart" xmlns:dgm="http://schemas.openxmlformats.org/drawingml/2006/diagram" xmlns:o="urn:schemas-microsoft-com:office:office" xmlns:v="urn:schemas-microsoft-com:vml" xmlns:pvml="urn:schemas-microsoft-com:office:powerpoint" xmlns:com="http://schemas.openxmlformats.org/drawingml/2006/compatibility" xmlns:p14="http://schemas.microsoft.com/office/powerpoint/2010/main" xmlns:p15="http://schemas.microsoft.com/office/powerpoint/2012/main">
-  <p:cSld>
-    <p:spTree>
-      <p:nvGrpSpPr>
-        <p:cNvPr id="101" name="Shape 101"/>
-        <p:cNvGrpSpPr/>
-        <p:nvPr/>
-      </p:nvGrpSpPr>
-      <p:grpSpPr>
-        <a:xfrm>
-          <a:off x="0" y="0"/>
-          <a:ext cx="0" cy="0"/>
-          <a:chOff x="0" y="0"/>
-          <a:chExt cx="0" cy="0"/>
-        </a:xfrm>
-      </p:grpSpPr>
-      <p:sp>
-        <p:nvSpPr>
-          <p:cNvPr id="102" name="Google Shape;102;p21"/>
-          <p:cNvSpPr txBox="1"/>
-          <p:nvPr>
-            <p:ph type="title"/>
-          </p:nvPr>
-        </p:nvSpPr>
-        <p:spPr>
-          <a:xfrm>
-            <a:off x="311700" y="445025"/>
-            <a:ext cx="8520600" cy="572700"/>
-          </a:xfrm>
-          <a:prstGeom prst="rect">
-            <a:avLst/>
-          </a:prstGeom>
-        </p:spPr>
-        <p:txBody>
-          <a:bodyPr anchorCtr="0" anchor="t" bIns="91425" lIns="91425" spcFirstLastPara="1" rIns="91425" wrap="square" tIns="91425">
-            <a:noAutofit/>
-          </a:bodyPr>
-          <a:lstStyle/>
-          <a:p>
-            <a:pPr indent="0" lvl="0" marL="0" rtl="0" algn="l">
-              <a:spcBef>
-                <a:spcPts val="0"/>
-              </a:spcBef>
-              <a:spcAft>
-                <a:spcPts val="0"/>
-              </a:spcAft>
-              <a:buNone/>
-            </a:pPr>
-            <a:r>
-              <a:rPr lang="en-GB"/>
-              <a:t>Analysis 3</a:t>
-            </a:r>
-            <a:endParaRPr/>
-          </a:p>
-        </p:txBody>
-      </p:sp>
-      <p:sp>
-        <p:nvSpPr>
-          <p:cNvPr id="103" name="Google Shape;103;p21"/>
-          <p:cNvSpPr txBox="1"/>
-          <p:nvPr>
-            <p:ph idx="1" type="body"/>
-          </p:nvPr>
-        </p:nvSpPr>
-        <p:spPr>
-          <a:xfrm>
-            <a:off x="311700" y="1152475"/>
-            <a:ext cx="8520600" cy="3416400"/>
-          </a:xfrm>
-          <a:prstGeom prst="rect">
-            <a:avLst/>
-          </a:prstGeom>
-        </p:spPr>
-        <p:txBody>
-          <a:bodyPr anchorCtr="0" anchor="t" bIns="91425" lIns="91425" spcFirstLastPara="1" rIns="91425" wrap="square" tIns="91425">
-            <a:noAutofit/>
-          </a:bodyPr>
-          <a:lstStyle/>
-          <a:p>
-            <a:pPr indent="0" lvl="0" marL="0" rtl="0" algn="l">
-              <a:spcBef>
-                <a:spcPts val="0"/>
-              </a:spcBef>
-              <a:spcAft>
-                <a:spcPts val="0"/>
-              </a:spcAft>
-              <a:buNone/>
-            </a:pPr>
-            <a:r>
-              <a:rPr lang="en-GB"/>
-              <a:t>Question 3</a:t>
-            </a:r>
-            <a:endParaRPr/>
-          </a:p>
-          <a:p>
-            <a:pPr indent="0" lvl="0" marL="0" rtl="0" algn="l">
-              <a:spcBef>
-                <a:spcPts val="1600"/>
-              </a:spcBef>
-              <a:spcAft>
-                <a:spcPts val="0"/>
-              </a:spcAft>
-              <a:buNone/>
-            </a:pPr>
-            <a:r>
-              <a:rPr lang="en-GB"/>
-              <a:t>Chart 3b</a:t>
-            </a:r>
-            <a:endParaRPr/>
-          </a:p>
-          <a:p>
-            <a:pPr indent="0" lvl="0" marL="0" rtl="0" algn="l">
-              <a:spcBef>
-                <a:spcPts val="1600"/>
-              </a:spcBef>
-              <a:spcAft>
-                <a:spcPts val="1600"/>
-              </a:spcAft>
-              <a:buNone/>
-            </a:pPr>
-            <a:r>
-              <a:t/>
-            </a:r>
-            <a:endParaRPr/>
-          </a:p>
-        </p:txBody>
-      </p:sp>
-    </p:spTree>
-  </p:cSld>
-  <p:clrMapOvr>
-    <a:masterClrMapping/>
-  </p:clrMapOvr>
-</p:sld>
-</file>
-
 <file path=ppt/theme/theme1.xml><?xml version="1.0" encoding="utf-8"?>
-<a:theme xmlns:a="http://schemas.openxmlformats.org/drawingml/2006/main" xmlns:r="http://schemas.openxmlformats.org/officeDocument/2006/relationships" name="Simple Light">
+<a:theme xmlns:a="http://schemas.openxmlformats.org/drawingml/2006/main" name="Simple Light">
   <a:themeElements>
     <a:clrScheme name="Simple Light">
       <a:dk1>
@@ -8288,11 +8788,13 @@
       </a:bgFillStyleLst>
     </a:fmtScheme>
   </a:themeElements>
+  <a:objectDefaults/>
+  <a:extraClrSchemeLst/>
 </a:theme>
 </file>
 
 <file path=ppt/theme/theme2.xml><?xml version="1.0" encoding="utf-8"?>
-<a:theme xmlns:a="http://schemas.openxmlformats.org/drawingml/2006/main" xmlns:r="http://schemas.openxmlformats.org/officeDocument/2006/relationships">
+<a:theme xmlns:a="http://schemas.openxmlformats.org/drawingml/2006/main">
   <a:themeElements>
     <a:clrScheme name="Default">
       <a:dk1>
@@ -8567,5 +9069,7 @@
       </a:bgFillStyleLst>
     </a:fmtScheme>
   </a:themeElements>
+  <a:objectDefaults/>
+  <a:extraClrSchemeLst/>
 </a:theme>
 </file>